--- a/RentEase.pptx
+++ b/RentEase.pptx
@@ -1,38 +1,37 @@
 
 <file path=ppt/presentation.xml><?xml version="1.0" encoding="utf-8"?>
-<p:presentation xmlns:a="http://schemas.openxmlformats.org/drawingml/2006/main" xmlns:r="http://schemas.openxmlformats.org/officeDocument/2006/relationships" xmlns:p="http://schemas.openxmlformats.org/presentationml/2006/main" saveSubsetFonts="1" embedTrueTypeFonts="true">
+<p:presentation xmlns:a="http://schemas.openxmlformats.org/drawingml/2006/main" xmlns:r="http://schemas.openxmlformats.org/officeDocument/2006/relationships" xmlns:p="http://schemas.openxmlformats.org/presentationml/2006/main" embedTrueTypeFonts="1" saveSubsetFonts="1">
   <p:sldMasterIdLst>
     <p:sldMasterId id="2147483648" r:id="rId1"/>
   </p:sldMasterIdLst>
   <p:sldIdLst>
-    <p:sldId id="256" r:id="rId6"/>
-    <p:sldId id="257" r:id="rId7"/>
-    <p:sldId id="258" r:id="rId8"/>
-    <p:sldId id="259" r:id="rId9"/>
-    <p:sldId id="260" r:id="rId10"/>
-    <p:sldId id="261" r:id="rId11"/>
-    <p:sldId id="262" r:id="rId12"/>
-    <p:sldId id="263" r:id="rId13"/>
-    <p:sldId id="264" r:id="rId14"/>
-    <p:sldId id="265" r:id="rId15"/>
-    <p:sldId id="266" r:id="rId16"/>
-    <p:sldId id="267" r:id="rId17"/>
-    <p:sldId id="268" r:id="rId18"/>
+    <p:sldId id="256" r:id="rId2"/>
+    <p:sldId id="257" r:id="rId3"/>
+    <p:sldId id="258" r:id="rId4"/>
+    <p:sldId id="259" r:id="rId5"/>
+    <p:sldId id="260" r:id="rId6"/>
+    <p:sldId id="261" r:id="rId7"/>
+    <p:sldId id="262" r:id="rId8"/>
+    <p:sldId id="263" r:id="rId9"/>
+    <p:sldId id="264" r:id="rId10"/>
+    <p:sldId id="265" r:id="rId11"/>
+    <p:sldId id="266" r:id="rId12"/>
+    <p:sldId id="268" r:id="rId13"/>
   </p:sldIdLst>
   <p:sldSz cx="18288000" cy="10287000"/>
   <p:notesSz cx="6858000" cy="9144000"/>
   <p:embeddedFontLst>
     <p:embeddedFont>
-      <p:font typeface="Century Gothic Paneuropean Bold" charset="1" panose="020B0702020202020204"/>
-      <p:regular r:id="rId19"/>
+      <p:font typeface="Century Gothic Paneuropean" panose="020B0604020202020204" charset="0"/>
+      <p:regular r:id="rId14"/>
     </p:embeddedFont>
     <p:embeddedFont>
-      <p:font typeface="Century Gothic Paneuropean" charset="1" panose="020B0502020202020204"/>
-      <p:regular r:id="rId20"/>
+      <p:font typeface="Century Gothic Paneuropean Bold" panose="020B0604020202020204" charset="0"/>
+      <p:regular r:id="rId15"/>
     </p:embeddedFont>
     <p:embeddedFont>
-      <p:font typeface="Open Sans" charset="1" panose="020B0606030504020204"/>
-      <p:regular r:id="rId21"/>
+      <p:font typeface="Open Sans" panose="020F0502020204030204" pitchFamily="34" charset="0"/>
+      <p:regular r:id="rId16"/>
     </p:embeddedFont>
   </p:embeddedFontLst>
   <p:defaultTextStyle>
@@ -130,6 +129,22 @@
       </a:defRPr>
     </a:lvl9pPr>
   </p:defaultTextStyle>
+  <p:extLst>
+    <p:ext uri="{EFAFB233-063F-42B5-8137-9DF3F51BA10A}">
+      <p15:sldGuideLst xmlns:p15="http://schemas.microsoft.com/office/powerpoint/2012/main">
+        <p15:guide id="1" orient="horz" pos="2160">
+          <p15:clr>
+            <a:srgbClr val="A4A3A4"/>
+          </p15:clr>
+        </p15:guide>
+        <p15:guide id="2" pos="2880">
+          <p15:clr>
+            <a:srgbClr val="A4A3A4"/>
+          </p15:clr>
+        </p15:guide>
+      </p15:sldGuideLst>
+    </p:ext>
+  </p:extLst>
 </p:presentation>
 </file>
 
@@ -171,10 +186,9 @@
           <a:lstStyle/>
           <a:p>
             <a:r>
-              <a:rPr lang="en-US" smtClean="0"/>
+              <a:rPr lang="en-US"/>
               <a:t>Click to edit Master title style</a:t>
             </a:r>
-            <a:endParaRPr lang="en-US"/>
           </a:p>
         </p:txBody>
       </p:sp>
@@ -290,10 +304,9 @@
           </a:lstStyle>
           <a:p>
             <a:r>
-              <a:rPr lang="en-US" smtClean="0"/>
+              <a:rPr lang="en-US"/>
               <a:t>Click to edit Master subtitle style</a:t>
             </a:r>
-            <a:endParaRPr lang="en-US"/>
           </a:p>
         </p:txBody>
       </p:sp>
@@ -315,7 +328,7 @@
             <a:fld id="{1D8BD707-D9CF-40AE-B4C6-C98DA3205C09}" type="datetimeFigureOut">
               <a:rPr lang="en-US" smtClean="0"/>
               <a:pPr/>
-              <a:t>8/1/2011</a:t>
+              <a:t>4/7/2025</a:t>
             </a:fld>
             <a:endParaRPr lang="en-US"/>
           </a:p>
@@ -405,10 +418,9 @@
           <a:lstStyle/>
           <a:p>
             <a:r>
-              <a:rPr lang="en-US" smtClean="0"/>
+              <a:rPr lang="en-US"/>
               <a:t>Click to edit Master title style</a:t>
             </a:r>
-            <a:endParaRPr lang="en-US"/>
           </a:p>
         </p:txBody>
       </p:sp>
@@ -429,38 +441,37 @@
           <a:p>
             <a:pPr lvl="0"/>
             <a:r>
-              <a:rPr lang="en-US" smtClean="0"/>
+              <a:rPr lang="en-US"/>
               <a:t>Click to edit Master text styles</a:t>
             </a:r>
           </a:p>
           <a:p>
             <a:pPr lvl="1"/>
             <a:r>
-              <a:rPr lang="en-US" smtClean="0"/>
+              <a:rPr lang="en-US"/>
               <a:t>Second level</a:t>
             </a:r>
           </a:p>
           <a:p>
             <a:pPr lvl="2"/>
             <a:r>
-              <a:rPr lang="en-US" smtClean="0"/>
+              <a:rPr lang="en-US"/>
               <a:t>Third level</a:t>
             </a:r>
           </a:p>
           <a:p>
             <a:pPr lvl="3"/>
             <a:r>
-              <a:rPr lang="en-US" smtClean="0"/>
+              <a:rPr lang="en-US"/>
               <a:t>Fourth level</a:t>
             </a:r>
           </a:p>
           <a:p>
             <a:pPr lvl="4"/>
             <a:r>
-              <a:rPr lang="en-US" smtClean="0"/>
+              <a:rPr lang="en-US"/>
               <a:t>Fifth level</a:t>
             </a:r>
-            <a:endParaRPr lang="en-US"/>
           </a:p>
         </p:txBody>
       </p:sp>
@@ -482,7 +493,7 @@
             <a:fld id="{1D8BD707-D9CF-40AE-B4C6-C98DA3205C09}" type="datetimeFigureOut">
               <a:rPr lang="en-US" smtClean="0"/>
               <a:pPr/>
-              <a:t>8/1/2011</a:t>
+              <a:t>4/7/2025</a:t>
             </a:fld>
             <a:endParaRPr lang="en-US"/>
           </a:p>
@@ -577,10 +588,9 @@
           <a:lstStyle/>
           <a:p>
             <a:r>
-              <a:rPr lang="en-US" smtClean="0"/>
+              <a:rPr lang="en-US"/>
               <a:t>Click to edit Master title style</a:t>
             </a:r>
-            <a:endParaRPr lang="en-US"/>
           </a:p>
         </p:txBody>
       </p:sp>
@@ -606,38 +616,37 @@
           <a:p>
             <a:pPr lvl="0"/>
             <a:r>
-              <a:rPr lang="en-US" smtClean="0"/>
+              <a:rPr lang="en-US"/>
               <a:t>Click to edit Master text styles</a:t>
             </a:r>
           </a:p>
           <a:p>
             <a:pPr lvl="1"/>
             <a:r>
-              <a:rPr lang="en-US" smtClean="0"/>
+              <a:rPr lang="en-US"/>
               <a:t>Second level</a:t>
             </a:r>
           </a:p>
           <a:p>
             <a:pPr lvl="2"/>
             <a:r>
-              <a:rPr lang="en-US" smtClean="0"/>
+              <a:rPr lang="en-US"/>
               <a:t>Third level</a:t>
             </a:r>
           </a:p>
           <a:p>
             <a:pPr lvl="3"/>
             <a:r>
-              <a:rPr lang="en-US" smtClean="0"/>
+              <a:rPr lang="en-US"/>
               <a:t>Fourth level</a:t>
             </a:r>
           </a:p>
           <a:p>
             <a:pPr lvl="4"/>
             <a:r>
-              <a:rPr lang="en-US" smtClean="0"/>
+              <a:rPr lang="en-US"/>
               <a:t>Fifth level</a:t>
             </a:r>
-            <a:endParaRPr lang="en-US"/>
           </a:p>
         </p:txBody>
       </p:sp>
@@ -659,7 +668,7 @@
             <a:fld id="{1D8BD707-D9CF-40AE-B4C6-C98DA3205C09}" type="datetimeFigureOut">
               <a:rPr lang="en-US" smtClean="0"/>
               <a:pPr/>
-              <a:t>8/1/2011</a:t>
+              <a:t>4/7/2025</a:t>
             </a:fld>
             <a:endParaRPr lang="en-US"/>
           </a:p>
@@ -749,10 +758,9 @@
           <a:lstStyle/>
           <a:p>
             <a:r>
-              <a:rPr lang="en-US" smtClean="0"/>
+              <a:rPr lang="en-US"/>
               <a:t>Click to edit Master title style</a:t>
             </a:r>
-            <a:endParaRPr lang="en-US"/>
           </a:p>
         </p:txBody>
       </p:sp>
@@ -773,38 +781,37 @@
           <a:p>
             <a:pPr lvl="0"/>
             <a:r>
-              <a:rPr lang="en-US" smtClean="0"/>
+              <a:rPr lang="en-US"/>
               <a:t>Click to edit Master text styles</a:t>
             </a:r>
           </a:p>
           <a:p>
             <a:pPr lvl="1"/>
             <a:r>
-              <a:rPr lang="en-US" smtClean="0"/>
+              <a:rPr lang="en-US"/>
               <a:t>Second level</a:t>
             </a:r>
           </a:p>
           <a:p>
             <a:pPr lvl="2"/>
             <a:r>
-              <a:rPr lang="en-US" smtClean="0"/>
+              <a:rPr lang="en-US"/>
               <a:t>Third level</a:t>
             </a:r>
           </a:p>
           <a:p>
             <a:pPr lvl="3"/>
             <a:r>
-              <a:rPr lang="en-US" smtClean="0"/>
+              <a:rPr lang="en-US"/>
               <a:t>Fourth level</a:t>
             </a:r>
           </a:p>
           <a:p>
             <a:pPr lvl="4"/>
             <a:r>
-              <a:rPr lang="en-US" smtClean="0"/>
+              <a:rPr lang="en-US"/>
               <a:t>Fifth level</a:t>
             </a:r>
-            <a:endParaRPr lang="en-US"/>
           </a:p>
         </p:txBody>
       </p:sp>
@@ -826,7 +833,7 @@
             <a:fld id="{1D8BD707-D9CF-40AE-B4C6-C98DA3205C09}" type="datetimeFigureOut">
               <a:rPr lang="en-US" smtClean="0"/>
               <a:pPr/>
-              <a:t>8/1/2011</a:t>
+              <a:t>4/7/2025</a:t>
             </a:fld>
             <a:endParaRPr lang="en-US"/>
           </a:p>
@@ -925,10 +932,9 @@
           </a:lstStyle>
           <a:p>
             <a:r>
-              <a:rPr lang="en-US" smtClean="0"/>
+              <a:rPr lang="en-US"/>
               <a:t>Click to edit Master title style</a:t>
             </a:r>
-            <a:endParaRPr lang="en-US"/>
           </a:p>
         </p:txBody>
       </p:sp>
@@ -1045,7 +1051,7 @@
           <a:p>
             <a:pPr lvl="0"/>
             <a:r>
-              <a:rPr lang="en-US" smtClean="0"/>
+              <a:rPr lang="en-US"/>
               <a:t>Click to edit Master text styles</a:t>
             </a:r>
           </a:p>
@@ -1069,7 +1075,7 @@
             <a:fld id="{1D8BD707-D9CF-40AE-B4C6-C98DA3205C09}" type="datetimeFigureOut">
               <a:rPr lang="en-US" smtClean="0"/>
               <a:pPr/>
-              <a:t>8/1/2011</a:t>
+              <a:t>4/7/2025</a:t>
             </a:fld>
             <a:endParaRPr lang="en-US"/>
           </a:p>
@@ -1159,10 +1165,9 @@
           <a:lstStyle/>
           <a:p>
             <a:r>
-              <a:rPr lang="en-US" smtClean="0"/>
+              <a:rPr lang="en-US"/>
               <a:t>Click to edit Master title style</a:t>
             </a:r>
-            <a:endParaRPr lang="en-US"/>
           </a:p>
         </p:txBody>
       </p:sp>
@@ -1216,38 +1221,37 @@
           <a:p>
             <a:pPr lvl="0"/>
             <a:r>
-              <a:rPr lang="en-US" smtClean="0"/>
+              <a:rPr lang="en-US"/>
               <a:t>Click to edit Master text styles</a:t>
             </a:r>
           </a:p>
           <a:p>
             <a:pPr lvl="1"/>
             <a:r>
-              <a:rPr lang="en-US" smtClean="0"/>
+              <a:rPr lang="en-US"/>
               <a:t>Second level</a:t>
             </a:r>
           </a:p>
           <a:p>
             <a:pPr lvl="2"/>
             <a:r>
-              <a:rPr lang="en-US" smtClean="0"/>
+              <a:rPr lang="en-US"/>
               <a:t>Third level</a:t>
             </a:r>
           </a:p>
           <a:p>
             <a:pPr lvl="3"/>
             <a:r>
-              <a:rPr lang="en-US" smtClean="0"/>
+              <a:rPr lang="en-US"/>
               <a:t>Fourth level</a:t>
             </a:r>
           </a:p>
           <a:p>
             <a:pPr lvl="4"/>
             <a:r>
-              <a:rPr lang="en-US" smtClean="0"/>
+              <a:rPr lang="en-US"/>
               <a:t>Fifth level</a:t>
             </a:r>
-            <a:endParaRPr lang="en-US"/>
           </a:p>
         </p:txBody>
       </p:sp>
@@ -1301,38 +1305,37 @@
           <a:p>
             <a:pPr lvl="0"/>
             <a:r>
-              <a:rPr lang="en-US" smtClean="0"/>
+              <a:rPr lang="en-US"/>
               <a:t>Click to edit Master text styles</a:t>
             </a:r>
           </a:p>
           <a:p>
             <a:pPr lvl="1"/>
             <a:r>
-              <a:rPr lang="en-US" smtClean="0"/>
+              <a:rPr lang="en-US"/>
               <a:t>Second level</a:t>
             </a:r>
           </a:p>
           <a:p>
             <a:pPr lvl="2"/>
             <a:r>
-              <a:rPr lang="en-US" smtClean="0"/>
+              <a:rPr lang="en-US"/>
               <a:t>Third level</a:t>
             </a:r>
           </a:p>
           <a:p>
             <a:pPr lvl="3"/>
             <a:r>
-              <a:rPr lang="en-US" smtClean="0"/>
+              <a:rPr lang="en-US"/>
               <a:t>Fourth level</a:t>
             </a:r>
           </a:p>
           <a:p>
             <a:pPr lvl="4"/>
             <a:r>
-              <a:rPr lang="en-US" smtClean="0"/>
+              <a:rPr lang="en-US"/>
               <a:t>Fifth level</a:t>
             </a:r>
-            <a:endParaRPr lang="en-US"/>
           </a:p>
         </p:txBody>
       </p:sp>
@@ -1354,7 +1357,7 @@
             <a:fld id="{1D8BD707-D9CF-40AE-B4C6-C98DA3205C09}" type="datetimeFigureOut">
               <a:rPr lang="en-US" smtClean="0"/>
               <a:pPr/>
-              <a:t>8/1/2011</a:t>
+              <a:t>4/7/2025</a:t>
             </a:fld>
             <a:endParaRPr lang="en-US"/>
           </a:p>
@@ -1448,10 +1451,9 @@
           </a:lstStyle>
           <a:p>
             <a:r>
-              <a:rPr lang="en-US" smtClean="0"/>
+              <a:rPr lang="en-US"/>
               <a:t>Click to edit Master title style</a:t>
             </a:r>
-            <a:endParaRPr lang="en-US"/>
           </a:p>
         </p:txBody>
       </p:sp>
@@ -1514,7 +1516,7 @@
           <a:p>
             <a:pPr lvl="0"/>
             <a:r>
-              <a:rPr lang="en-US" smtClean="0"/>
+              <a:rPr lang="en-US"/>
               <a:t>Click to edit Master text styles</a:t>
             </a:r>
           </a:p>
@@ -1570,38 +1572,37 @@
           <a:p>
             <a:pPr lvl="0"/>
             <a:r>
-              <a:rPr lang="en-US" smtClean="0"/>
+              <a:rPr lang="en-US"/>
               <a:t>Click to edit Master text styles</a:t>
             </a:r>
           </a:p>
           <a:p>
             <a:pPr lvl="1"/>
             <a:r>
-              <a:rPr lang="en-US" smtClean="0"/>
+              <a:rPr lang="en-US"/>
               <a:t>Second level</a:t>
             </a:r>
           </a:p>
           <a:p>
             <a:pPr lvl="2"/>
             <a:r>
-              <a:rPr lang="en-US" smtClean="0"/>
+              <a:rPr lang="en-US"/>
               <a:t>Third level</a:t>
             </a:r>
           </a:p>
           <a:p>
             <a:pPr lvl="3"/>
             <a:r>
-              <a:rPr lang="en-US" smtClean="0"/>
+              <a:rPr lang="en-US"/>
               <a:t>Fourth level</a:t>
             </a:r>
           </a:p>
           <a:p>
             <a:pPr lvl="4"/>
             <a:r>
-              <a:rPr lang="en-US" smtClean="0"/>
+              <a:rPr lang="en-US"/>
               <a:t>Fifth level</a:t>
             </a:r>
-            <a:endParaRPr lang="en-US"/>
           </a:p>
         </p:txBody>
       </p:sp>
@@ -1664,7 +1665,7 @@
           <a:p>
             <a:pPr lvl="0"/>
             <a:r>
-              <a:rPr lang="en-US" smtClean="0"/>
+              <a:rPr lang="en-US"/>
               <a:t>Click to edit Master text styles</a:t>
             </a:r>
           </a:p>
@@ -1720,38 +1721,37 @@
           <a:p>
             <a:pPr lvl="0"/>
             <a:r>
-              <a:rPr lang="en-US" smtClean="0"/>
+              <a:rPr lang="en-US"/>
               <a:t>Click to edit Master text styles</a:t>
             </a:r>
           </a:p>
           <a:p>
             <a:pPr lvl="1"/>
             <a:r>
-              <a:rPr lang="en-US" smtClean="0"/>
+              <a:rPr lang="en-US"/>
               <a:t>Second level</a:t>
             </a:r>
           </a:p>
           <a:p>
             <a:pPr lvl="2"/>
             <a:r>
-              <a:rPr lang="en-US" smtClean="0"/>
+              <a:rPr lang="en-US"/>
               <a:t>Third level</a:t>
             </a:r>
           </a:p>
           <a:p>
             <a:pPr lvl="3"/>
             <a:r>
-              <a:rPr lang="en-US" smtClean="0"/>
+              <a:rPr lang="en-US"/>
               <a:t>Fourth level</a:t>
             </a:r>
           </a:p>
           <a:p>
             <a:pPr lvl="4"/>
             <a:r>
-              <a:rPr lang="en-US" smtClean="0"/>
+              <a:rPr lang="en-US"/>
               <a:t>Fifth level</a:t>
             </a:r>
-            <a:endParaRPr lang="en-US"/>
           </a:p>
         </p:txBody>
       </p:sp>
@@ -1773,7 +1773,7 @@
             <a:fld id="{1D8BD707-D9CF-40AE-B4C6-C98DA3205C09}" type="datetimeFigureOut">
               <a:rPr lang="en-US" smtClean="0"/>
               <a:pPr/>
-              <a:t>8/1/2011</a:t>
+              <a:t>4/7/2025</a:t>
             </a:fld>
             <a:endParaRPr lang="en-US"/>
           </a:p>
@@ -1863,10 +1863,9 @@
           <a:lstStyle/>
           <a:p>
             <a:r>
-              <a:rPr lang="en-US" smtClean="0"/>
+              <a:rPr lang="en-US"/>
               <a:t>Click to edit Master title style</a:t>
             </a:r>
-            <a:endParaRPr lang="en-US"/>
           </a:p>
         </p:txBody>
       </p:sp>
@@ -1888,7 +1887,7 @@
             <a:fld id="{1D8BD707-D9CF-40AE-B4C6-C98DA3205C09}" type="datetimeFigureOut">
               <a:rPr lang="en-US" smtClean="0"/>
               <a:pPr/>
-              <a:t>8/1/2011</a:t>
+              <a:t>4/7/2025</a:t>
             </a:fld>
             <a:endParaRPr lang="en-US"/>
           </a:p>
@@ -1980,7 +1979,7 @@
             <a:fld id="{1D8BD707-D9CF-40AE-B4C6-C98DA3205C09}" type="datetimeFigureOut">
               <a:rPr lang="en-US" smtClean="0"/>
               <a:pPr/>
-              <a:t>8/1/2011</a:t>
+              <a:t>4/7/2025</a:t>
             </a:fld>
             <a:endParaRPr lang="en-US"/>
           </a:p>
@@ -2079,10 +2078,9 @@
           </a:lstStyle>
           <a:p>
             <a:r>
-              <a:rPr lang="en-US" smtClean="0"/>
+              <a:rPr lang="en-US"/>
               <a:t>Click to edit Master title style</a:t>
             </a:r>
-            <a:endParaRPr lang="en-US"/>
           </a:p>
         </p:txBody>
       </p:sp>
@@ -2136,38 +2134,37 @@
           <a:p>
             <a:pPr lvl="0"/>
             <a:r>
-              <a:rPr lang="en-US" smtClean="0"/>
+              <a:rPr lang="en-US"/>
               <a:t>Click to edit Master text styles</a:t>
             </a:r>
           </a:p>
           <a:p>
             <a:pPr lvl="1"/>
             <a:r>
-              <a:rPr lang="en-US" smtClean="0"/>
+              <a:rPr lang="en-US"/>
               <a:t>Second level</a:t>
             </a:r>
           </a:p>
           <a:p>
             <a:pPr lvl="2"/>
             <a:r>
-              <a:rPr lang="en-US" smtClean="0"/>
+              <a:rPr lang="en-US"/>
               <a:t>Third level</a:t>
             </a:r>
           </a:p>
           <a:p>
             <a:pPr lvl="3"/>
             <a:r>
-              <a:rPr lang="en-US" smtClean="0"/>
+              <a:rPr lang="en-US"/>
               <a:t>Fourth level</a:t>
             </a:r>
           </a:p>
           <a:p>
             <a:pPr lvl="4"/>
             <a:r>
-              <a:rPr lang="en-US" smtClean="0"/>
+              <a:rPr lang="en-US"/>
               <a:t>Fifth level</a:t>
             </a:r>
-            <a:endParaRPr lang="en-US"/>
           </a:p>
         </p:txBody>
       </p:sp>
@@ -2230,7 +2227,7 @@
           <a:p>
             <a:pPr lvl="0"/>
             <a:r>
-              <a:rPr lang="en-US" smtClean="0"/>
+              <a:rPr lang="en-US"/>
               <a:t>Click to edit Master text styles</a:t>
             </a:r>
           </a:p>
@@ -2254,7 +2251,7 @@
             <a:fld id="{1D8BD707-D9CF-40AE-B4C6-C98DA3205C09}" type="datetimeFigureOut">
               <a:rPr lang="en-US" smtClean="0"/>
               <a:pPr/>
-              <a:t>8/1/2011</a:t>
+              <a:t>4/7/2025</a:t>
             </a:fld>
             <a:endParaRPr lang="en-US"/>
           </a:p>
@@ -2353,10 +2350,9 @@
           </a:lstStyle>
           <a:p>
             <a:r>
-              <a:rPr lang="en-US" smtClean="0"/>
+              <a:rPr lang="en-US"/>
               <a:t>Click to edit Master title style</a:t>
             </a:r>
-            <a:endParaRPr lang="en-US"/>
           </a:p>
         </p:txBody>
       </p:sp>
@@ -2480,7 +2476,7 @@
           <a:p>
             <a:pPr lvl="0"/>
             <a:r>
-              <a:rPr lang="en-US" smtClean="0"/>
+              <a:rPr lang="en-US"/>
               <a:t>Click to edit Master text styles</a:t>
             </a:r>
           </a:p>
@@ -2504,7 +2500,7 @@
             <a:fld id="{1D8BD707-D9CF-40AE-B4C6-C98DA3205C09}" type="datetimeFigureOut">
               <a:rPr lang="en-US" smtClean="0"/>
               <a:pPr/>
-              <a:t>8/1/2011</a:t>
+              <a:t>4/7/2025</a:t>
             </a:fld>
             <a:endParaRPr lang="en-US"/>
           </a:p>
@@ -2609,10 +2605,9 @@
           <a:lstStyle/>
           <a:p>
             <a:r>
-              <a:rPr lang="en-US" smtClean="0"/>
+              <a:rPr lang="en-US"/>
               <a:t>Click to edit Master title style</a:t>
             </a:r>
-            <a:endParaRPr lang="en-US"/>
           </a:p>
         </p:txBody>
       </p:sp>
@@ -2643,38 +2638,37 @@
           <a:p>
             <a:pPr lvl="0"/>
             <a:r>
-              <a:rPr lang="en-US" smtClean="0"/>
+              <a:rPr lang="en-US"/>
               <a:t>Click to edit Master text styles</a:t>
             </a:r>
           </a:p>
           <a:p>
             <a:pPr lvl="1"/>
             <a:r>
-              <a:rPr lang="en-US" smtClean="0"/>
+              <a:rPr lang="en-US"/>
               <a:t>Second level</a:t>
             </a:r>
           </a:p>
           <a:p>
             <a:pPr lvl="2"/>
             <a:r>
-              <a:rPr lang="en-US" smtClean="0"/>
+              <a:rPr lang="en-US"/>
               <a:t>Third level</a:t>
             </a:r>
           </a:p>
           <a:p>
             <a:pPr lvl="3"/>
             <a:r>
-              <a:rPr lang="en-US" smtClean="0"/>
+              <a:rPr lang="en-US"/>
               <a:t>Fourth level</a:t>
             </a:r>
           </a:p>
           <a:p>
             <a:pPr lvl="4"/>
             <a:r>
-              <a:rPr lang="en-US" smtClean="0"/>
+              <a:rPr lang="en-US"/>
               <a:t>Fifth level</a:t>
             </a:r>
-            <a:endParaRPr lang="en-US"/>
           </a:p>
         </p:txBody>
       </p:sp>
@@ -2714,7 +2708,7 @@
             <a:fld id="{1D8BD707-D9CF-40AE-B4C6-C98DA3205C09}" type="datetimeFigureOut">
               <a:rPr lang="en-US" smtClean="0"/>
               <a:pPr/>
-              <a:t>8/1/2011</a:t>
+              <a:t>4/7/2025</a:t>
             </a:fld>
             <a:endParaRPr lang="en-US"/>
           </a:p>
@@ -3069,7 +3063,7 @@
 </file>
 
 <file path=ppt/slides/slide1.xml><?xml version="1.0" encoding="utf-8"?>
-<p:sld xmlns:p="http://schemas.openxmlformats.org/presentationml/2006/main" xmlns:a="http://schemas.openxmlformats.org/drawingml/2006/main" xmlns:r="http://schemas.openxmlformats.org/officeDocument/2006/relationships">
+<p:sld xmlns:a="http://schemas.openxmlformats.org/drawingml/2006/main" xmlns:r="http://schemas.openxmlformats.org/officeDocument/2006/relationships" xmlns:p="http://schemas.openxmlformats.org/presentationml/2006/main">
   <p:cSld>
     <p:spTree>
       <p:nvGrpSpPr>
@@ -3087,12 +3081,12 @@
       </p:grpSpPr>
       <p:sp>
         <p:nvSpPr>
-          <p:cNvPr name="TextBox 2" id="2"/>
-          <p:cNvSpPr txBox="true"/>
+          <p:cNvPr id="2" name="TextBox 2"/>
+          <p:cNvSpPr txBox="1"/>
           <p:nvPr/>
         </p:nvSpPr>
         <p:spPr>
-          <a:xfrm rot="0">
+          <a:xfrm>
             <a:off x="2634754" y="3297377"/>
             <a:ext cx="13018493" cy="2130613"/>
           </a:xfrm>
@@ -3101,7 +3095,7 @@
           </a:prstGeom>
         </p:spPr>
         <p:txBody>
-          <a:bodyPr anchor="t" rtlCol="false" tIns="0" lIns="0" bIns="0" rIns="0">
+          <a:bodyPr lIns="0" tIns="0" rIns="0" bIns="0" rtlCol="0" anchor="t">
             <a:spAutoFit/>
           </a:bodyPr>
           <a:lstStyle/>
@@ -3112,7 +3106,7 @@
               </a:lnSpc>
             </a:pPr>
             <a:r>
-              <a:rPr lang="en-US" b="true" sz="12492">
+              <a:rPr lang="en-US" sz="12492" b="1">
                 <a:solidFill>
                   <a:srgbClr val="FF914D"/>
                 </a:solidFill>
@@ -3128,12 +3122,12 @@
       </p:sp>
       <p:sp>
         <p:nvSpPr>
-          <p:cNvPr name="TextBox 3" id="3"/>
-          <p:cNvSpPr txBox="true"/>
+          <p:cNvPr id="3" name="TextBox 3"/>
+          <p:cNvSpPr txBox="1"/>
           <p:nvPr/>
         </p:nvSpPr>
         <p:spPr>
-          <a:xfrm rot="0">
+          <a:xfrm>
             <a:off x="4260847" y="5301518"/>
             <a:ext cx="9769731" cy="1058648"/>
           </a:xfrm>
@@ -3142,7 +3136,7 @@
           </a:prstGeom>
         </p:spPr>
         <p:txBody>
-          <a:bodyPr anchor="t" rtlCol="false" tIns="0" lIns="0" bIns="0" rIns="0">
+          <a:bodyPr lIns="0" tIns="0" rIns="0" bIns="0" rtlCol="0" anchor="t">
             <a:spAutoFit/>
           </a:bodyPr>
           <a:lstStyle/>
@@ -3169,12 +3163,12 @@
       </p:sp>
       <p:grpSp>
         <p:nvGrpSpPr>
-          <p:cNvPr name="Group 4" id="4"/>
+          <p:cNvPr id="4" name="Group 4"/>
           <p:cNvGrpSpPr/>
           <p:nvPr/>
         </p:nvGrpSpPr>
         <p:grpSpPr>
-          <a:xfrm rot="0">
+          <a:xfrm>
             <a:off x="16718943" y="-989670"/>
             <a:ext cx="1080715" cy="2956684"/>
             <a:chOff x="0" y="0"/>
@@ -3183,12 +3177,12 @@
         </p:grpSpPr>
         <p:sp>
           <p:nvSpPr>
-            <p:cNvPr name="Freeform 5" id="5"/>
+            <p:cNvPr id="5" name="Freeform 5"/>
             <p:cNvSpPr/>
             <p:nvPr/>
           </p:nvSpPr>
           <p:spPr>
-            <a:xfrm flipH="false" flipV="false" rot="0">
+            <a:xfrm>
               <a:off x="0" y="0"/>
               <a:ext cx="284633" cy="778715"/>
             </a:xfrm>
@@ -3197,9 +3191,9 @@
               <a:gdLst/>
               <a:ahLst/>
               <a:cxnLst/>
-              <a:rect r="r" b="b" t="t" l="l"/>
+              <a:rect l="l" t="t" r="r" b="b"/>
               <a:pathLst>
-                <a:path h="778715" w="284633">
+                <a:path w="284633" h="778715">
                   <a:moveTo>
                     <a:pt x="142316" y="0"/>
                   </a:moveTo>
@@ -3246,8 +3240,8 @@
         </p:sp>
         <p:sp>
           <p:nvSpPr>
-            <p:cNvPr name="TextBox 6" id="6"/>
-            <p:cNvSpPr txBox="true"/>
+            <p:cNvPr id="6" name="TextBox 6"/>
+            <p:cNvSpPr txBox="1"/>
             <p:nvPr/>
           </p:nvSpPr>
           <p:spPr>
@@ -3260,7 +3254,7 @@
             </a:prstGeom>
           </p:spPr>
           <p:txBody>
-            <a:bodyPr anchor="ctr" rtlCol="false" tIns="50800" lIns="50800" bIns="50800" rIns="50800"/>
+            <a:bodyPr lIns="50800" tIns="50800" rIns="50800" bIns="50800" rtlCol="0" anchor="ctr"/>
             <a:lstStyle/>
             <a:p>
               <a:pPr algn="ctr">
@@ -3271,18 +3265,19 @@
                   <a:spcPct val="0"/>
                 </a:spcBef>
               </a:pPr>
+              <a:endParaRPr/>
             </a:p>
           </p:txBody>
         </p:sp>
       </p:grpSp>
       <p:grpSp>
         <p:nvGrpSpPr>
-          <p:cNvPr name="Group 7" id="7"/>
+          <p:cNvPr id="7" name="Group 7"/>
           <p:cNvGrpSpPr/>
           <p:nvPr/>
         </p:nvGrpSpPr>
         <p:grpSpPr>
-          <a:xfrm rot="0">
+          <a:xfrm>
             <a:off x="-529352" y="9803843"/>
             <a:ext cx="19346704" cy="821917"/>
             <a:chOff x="0" y="0"/>
@@ -3291,12 +3286,12 @@
         </p:grpSpPr>
         <p:sp>
           <p:nvSpPr>
-            <p:cNvPr name="Freeform 8" id="8"/>
+            <p:cNvPr id="8" name="Freeform 8"/>
             <p:cNvSpPr/>
             <p:nvPr/>
           </p:nvSpPr>
           <p:spPr>
-            <a:xfrm flipH="false" flipV="false" rot="0">
+            <a:xfrm>
               <a:off x="0" y="0"/>
               <a:ext cx="5095428" cy="216472"/>
             </a:xfrm>
@@ -3305,9 +3300,9 @@
               <a:gdLst/>
               <a:ahLst/>
               <a:cxnLst/>
-              <a:rect r="r" b="b" t="t" l="l"/>
+              <a:rect l="l" t="t" r="r" b="b"/>
               <a:pathLst>
-                <a:path h="216472" w="5095428">
+                <a:path w="5095428" h="216472">
                   <a:moveTo>
                     <a:pt x="20409" y="0"/>
                   </a:moveTo>
@@ -3376,8 +3371,8 @@
         </p:sp>
         <p:sp>
           <p:nvSpPr>
-            <p:cNvPr name="TextBox 9" id="9"/>
-            <p:cNvSpPr txBox="true"/>
+            <p:cNvPr id="9" name="TextBox 9"/>
+            <p:cNvSpPr txBox="1"/>
             <p:nvPr/>
           </p:nvSpPr>
           <p:spPr>
@@ -3390,7 +3385,7 @@
             </a:prstGeom>
           </p:spPr>
           <p:txBody>
-            <a:bodyPr anchor="ctr" rtlCol="false" tIns="50800" lIns="50800" bIns="50800" rIns="50800"/>
+            <a:bodyPr lIns="50800" tIns="50800" rIns="50800" bIns="50800" rtlCol="0" anchor="ctr"/>
             <a:lstStyle/>
             <a:p>
               <a:pPr algn="ctr">
@@ -3401,18 +3396,19 @@
                   <a:spcPct val="0"/>
                 </a:spcBef>
               </a:pPr>
+              <a:endParaRPr/>
             </a:p>
           </p:txBody>
         </p:sp>
       </p:grpSp>
       <p:sp>
         <p:nvSpPr>
-          <p:cNvPr name="Freeform 10" id="10"/>
+          <p:cNvPr id="10" name="Freeform 10"/>
           <p:cNvSpPr/>
           <p:nvPr/>
         </p:nvSpPr>
         <p:spPr>
-          <a:xfrm flipH="true" flipV="false" rot="0">
+          <a:xfrm flipH="1">
             <a:off x="17259300" y="3085173"/>
             <a:ext cx="4518707" cy="3939865"/>
           </a:xfrm>
@@ -3421,9 +3417,9 @@
             <a:gdLst/>
             <a:ahLst/>
             <a:cxnLst/>
-            <a:rect r="r" b="b" t="t" l="l"/>
+            <a:rect l="l" t="t" r="r" b="b"/>
             <a:pathLst>
-              <a:path h="3939865" w="4518707">
+              <a:path w="4518707" h="3939865">
                 <a:moveTo>
                   <a:pt x="4518707" y="0"/>
                 </a:moveTo>
@@ -3452,19 +3448,19 @@
               </a:extLst>
             </a:blip>
             <a:stretch>
-              <a:fillRect l="0" t="0" r="0" b="0"/>
+              <a:fillRect/>
             </a:stretch>
           </a:blipFill>
         </p:spPr>
       </p:sp>
       <p:sp>
         <p:nvSpPr>
-          <p:cNvPr name="Freeform 11" id="11"/>
+          <p:cNvPr id="11" name="Freeform 11"/>
           <p:cNvSpPr/>
           <p:nvPr/>
         </p:nvSpPr>
         <p:spPr>
-          <a:xfrm flipH="false" flipV="false" rot="0">
+          <a:xfrm>
             <a:off x="-3486583" y="3085173"/>
             <a:ext cx="4518707" cy="3939865"/>
           </a:xfrm>
@@ -3473,9 +3469,9 @@
             <a:gdLst/>
             <a:ahLst/>
             <a:cxnLst/>
-            <a:rect r="r" b="b" t="t" l="l"/>
+            <a:rect l="l" t="t" r="r" b="b"/>
             <a:pathLst>
-              <a:path h="3939865" w="4518707">
+              <a:path w="4518707" h="3939865">
                 <a:moveTo>
                   <a:pt x="0" y="0"/>
                 </a:moveTo>
@@ -3504,19 +3500,19 @@
               </a:extLst>
             </a:blip>
             <a:stretch>
-              <a:fillRect l="0" t="0" r="0" b="0"/>
+              <a:fillRect/>
             </a:stretch>
           </a:blipFill>
         </p:spPr>
       </p:sp>
       <p:grpSp>
         <p:nvGrpSpPr>
-          <p:cNvPr name="Group 12" id="12"/>
+          <p:cNvPr id="12" name="Group 12"/>
           <p:cNvGrpSpPr/>
           <p:nvPr/>
         </p:nvGrpSpPr>
         <p:grpSpPr>
-          <a:xfrm rot="0">
+          <a:xfrm>
             <a:off x="488343" y="-989670"/>
             <a:ext cx="1080715" cy="2956684"/>
             <a:chOff x="0" y="0"/>
@@ -3525,12 +3521,12 @@
         </p:grpSpPr>
         <p:sp>
           <p:nvSpPr>
-            <p:cNvPr name="Freeform 13" id="13"/>
+            <p:cNvPr id="13" name="Freeform 13"/>
             <p:cNvSpPr/>
             <p:nvPr/>
           </p:nvSpPr>
           <p:spPr>
-            <a:xfrm flipH="false" flipV="false" rot="0">
+            <a:xfrm>
               <a:off x="0" y="0"/>
               <a:ext cx="284633" cy="778715"/>
             </a:xfrm>
@@ -3539,9 +3535,9 @@
               <a:gdLst/>
               <a:ahLst/>
               <a:cxnLst/>
-              <a:rect r="r" b="b" t="t" l="l"/>
+              <a:rect l="l" t="t" r="r" b="b"/>
               <a:pathLst>
-                <a:path h="778715" w="284633">
+                <a:path w="284633" h="778715">
                   <a:moveTo>
                     <a:pt x="142316" y="0"/>
                   </a:moveTo>
@@ -3588,8 +3584,8 @@
         </p:sp>
         <p:sp>
           <p:nvSpPr>
-            <p:cNvPr name="TextBox 14" id="14"/>
-            <p:cNvSpPr txBox="true"/>
+            <p:cNvPr id="14" name="TextBox 14"/>
+            <p:cNvSpPr txBox="1"/>
             <p:nvPr/>
           </p:nvSpPr>
           <p:spPr>
@@ -3602,7 +3598,7 @@
             </a:prstGeom>
           </p:spPr>
           <p:txBody>
-            <a:bodyPr anchor="ctr" rtlCol="false" tIns="50800" lIns="50800" bIns="50800" rIns="50800"/>
+            <a:bodyPr lIns="50800" tIns="50800" rIns="50800" bIns="50800" rtlCol="0" anchor="ctr"/>
             <a:lstStyle/>
             <a:p>
               <a:pPr algn="ctr">
@@ -3613,6 +3609,7 @@
                   <a:spcPct val="0"/>
                 </a:spcBef>
               </a:pPr>
+              <a:endParaRPr/>
             </a:p>
           </p:txBody>
         </p:sp>
@@ -3626,7 +3623,7 @@
 </file>
 
 <file path=ppt/slides/slide10.xml><?xml version="1.0" encoding="utf-8"?>
-<p:sld xmlns:p="http://schemas.openxmlformats.org/presentationml/2006/main" xmlns:a="http://schemas.openxmlformats.org/drawingml/2006/main" xmlns:r="http://schemas.openxmlformats.org/officeDocument/2006/relationships">
+<p:sld xmlns:a="http://schemas.openxmlformats.org/drawingml/2006/main" xmlns:r="http://schemas.openxmlformats.org/officeDocument/2006/relationships" xmlns:p="http://schemas.openxmlformats.org/presentationml/2006/main">
   <p:cSld>
     <p:spTree>
       <p:nvGrpSpPr>
@@ -3644,12 +3641,12 @@
       </p:grpSpPr>
       <p:grpSp>
         <p:nvGrpSpPr>
-          <p:cNvPr name="Group 2" id="2"/>
+          <p:cNvPr id="2" name="Group 2"/>
           <p:cNvGrpSpPr/>
           <p:nvPr/>
         </p:nvGrpSpPr>
         <p:grpSpPr>
-          <a:xfrm rot="0">
+          <a:xfrm>
             <a:off x="16718943" y="-989670"/>
             <a:ext cx="1080715" cy="2956684"/>
             <a:chOff x="0" y="0"/>
@@ -3658,12 +3655,12 @@
         </p:grpSpPr>
         <p:sp>
           <p:nvSpPr>
-            <p:cNvPr name="Freeform 3" id="3"/>
+            <p:cNvPr id="3" name="Freeform 3"/>
             <p:cNvSpPr/>
             <p:nvPr/>
           </p:nvSpPr>
           <p:spPr>
-            <a:xfrm flipH="false" flipV="false" rot="0">
+            <a:xfrm>
               <a:off x="0" y="0"/>
               <a:ext cx="284633" cy="778715"/>
             </a:xfrm>
@@ -3672,9 +3669,9 @@
               <a:gdLst/>
               <a:ahLst/>
               <a:cxnLst/>
-              <a:rect r="r" b="b" t="t" l="l"/>
+              <a:rect l="l" t="t" r="r" b="b"/>
               <a:pathLst>
-                <a:path h="778715" w="284633">
+                <a:path w="284633" h="778715">
                   <a:moveTo>
                     <a:pt x="142316" y="0"/>
                   </a:moveTo>
@@ -3721,8 +3718,8 @@
         </p:sp>
         <p:sp>
           <p:nvSpPr>
-            <p:cNvPr name="TextBox 4" id="4"/>
-            <p:cNvSpPr txBox="true"/>
+            <p:cNvPr id="4" name="TextBox 4"/>
+            <p:cNvSpPr txBox="1"/>
             <p:nvPr/>
           </p:nvSpPr>
           <p:spPr>
@@ -3735,7 +3732,7 @@
             </a:prstGeom>
           </p:spPr>
           <p:txBody>
-            <a:bodyPr anchor="ctr" rtlCol="false" tIns="50800" lIns="50800" bIns="50800" rIns="50800"/>
+            <a:bodyPr lIns="50800" tIns="50800" rIns="50800" bIns="50800" rtlCol="0" anchor="ctr"/>
             <a:lstStyle/>
             <a:p>
               <a:pPr algn="ctr">
@@ -3746,18 +3743,19 @@
                   <a:spcPct val="0"/>
                 </a:spcBef>
               </a:pPr>
+              <a:endParaRPr/>
             </a:p>
           </p:txBody>
         </p:sp>
       </p:grpSp>
       <p:grpSp>
         <p:nvGrpSpPr>
-          <p:cNvPr name="Group 5" id="5"/>
+          <p:cNvPr id="5" name="Group 5"/>
           <p:cNvGrpSpPr/>
           <p:nvPr/>
         </p:nvGrpSpPr>
         <p:grpSpPr>
-          <a:xfrm rot="0">
+          <a:xfrm>
             <a:off x="-529352" y="9803843"/>
             <a:ext cx="19346704" cy="821917"/>
             <a:chOff x="0" y="0"/>
@@ -3766,12 +3764,12 @@
         </p:grpSpPr>
         <p:sp>
           <p:nvSpPr>
-            <p:cNvPr name="Freeform 6" id="6"/>
+            <p:cNvPr id="6" name="Freeform 6"/>
             <p:cNvSpPr/>
             <p:nvPr/>
           </p:nvSpPr>
           <p:spPr>
-            <a:xfrm flipH="false" flipV="false" rot="0">
+            <a:xfrm>
               <a:off x="0" y="0"/>
               <a:ext cx="5095428" cy="216472"/>
             </a:xfrm>
@@ -3780,9 +3778,9 @@
               <a:gdLst/>
               <a:ahLst/>
               <a:cxnLst/>
-              <a:rect r="r" b="b" t="t" l="l"/>
+              <a:rect l="l" t="t" r="r" b="b"/>
               <a:pathLst>
-                <a:path h="216472" w="5095428">
+                <a:path w="5095428" h="216472">
                   <a:moveTo>
                     <a:pt x="20409" y="0"/>
                   </a:moveTo>
@@ -3851,8 +3849,8 @@
         </p:sp>
         <p:sp>
           <p:nvSpPr>
-            <p:cNvPr name="TextBox 7" id="7"/>
-            <p:cNvSpPr txBox="true"/>
+            <p:cNvPr id="7" name="TextBox 7"/>
+            <p:cNvSpPr txBox="1"/>
             <p:nvPr/>
           </p:nvSpPr>
           <p:spPr>
@@ -3865,7 +3863,7 @@
             </a:prstGeom>
           </p:spPr>
           <p:txBody>
-            <a:bodyPr anchor="ctr" rtlCol="false" tIns="50800" lIns="50800" bIns="50800" rIns="50800"/>
+            <a:bodyPr lIns="50800" tIns="50800" rIns="50800" bIns="50800" rtlCol="0" anchor="ctr"/>
             <a:lstStyle/>
             <a:p>
               <a:pPr algn="ctr">
@@ -3876,18 +3874,19 @@
                   <a:spcPct val="0"/>
                 </a:spcBef>
               </a:pPr>
+              <a:endParaRPr/>
             </a:p>
           </p:txBody>
         </p:sp>
       </p:grpSp>
       <p:sp>
         <p:nvSpPr>
-          <p:cNvPr name="Freeform 8" id="8"/>
+          <p:cNvPr id="8" name="Freeform 8"/>
           <p:cNvSpPr/>
           <p:nvPr/>
         </p:nvSpPr>
         <p:spPr>
-          <a:xfrm flipH="true" flipV="false" rot="0">
+          <a:xfrm flipH="1">
             <a:off x="17259300" y="3085173"/>
             <a:ext cx="4518707" cy="3939865"/>
           </a:xfrm>
@@ -3896,9 +3895,9 @@
             <a:gdLst/>
             <a:ahLst/>
             <a:cxnLst/>
-            <a:rect r="r" b="b" t="t" l="l"/>
+            <a:rect l="l" t="t" r="r" b="b"/>
             <a:pathLst>
-              <a:path h="3939865" w="4518707">
+              <a:path w="4518707" h="3939865">
                 <a:moveTo>
                   <a:pt x="4518707" y="0"/>
                 </a:moveTo>
@@ -3927,19 +3926,19 @@
               </a:extLst>
             </a:blip>
             <a:stretch>
-              <a:fillRect l="0" t="0" r="0" b="0"/>
+              <a:fillRect/>
             </a:stretch>
           </a:blipFill>
         </p:spPr>
       </p:sp>
       <p:sp>
         <p:nvSpPr>
-          <p:cNvPr name="Freeform 9" id="9"/>
+          <p:cNvPr id="9" name="Freeform 9"/>
           <p:cNvSpPr/>
           <p:nvPr/>
         </p:nvSpPr>
         <p:spPr>
-          <a:xfrm flipH="false" flipV="false" rot="0">
+          <a:xfrm>
             <a:off x="-3486583" y="3085173"/>
             <a:ext cx="4518707" cy="3939865"/>
           </a:xfrm>
@@ -3948,9 +3947,9 @@
             <a:gdLst/>
             <a:ahLst/>
             <a:cxnLst/>
-            <a:rect r="r" b="b" t="t" l="l"/>
+            <a:rect l="l" t="t" r="r" b="b"/>
             <a:pathLst>
-              <a:path h="3939865" w="4518707">
+              <a:path w="4518707" h="3939865">
                 <a:moveTo>
                   <a:pt x="0" y="0"/>
                 </a:moveTo>
@@ -3979,19 +3978,19 @@
               </a:extLst>
             </a:blip>
             <a:stretch>
-              <a:fillRect l="0" t="0" r="0" b="0"/>
+              <a:fillRect/>
             </a:stretch>
           </a:blipFill>
         </p:spPr>
       </p:sp>
       <p:grpSp>
         <p:nvGrpSpPr>
-          <p:cNvPr name="Group 10" id="10"/>
+          <p:cNvPr id="10" name="Group 10"/>
           <p:cNvGrpSpPr/>
           <p:nvPr/>
         </p:nvGrpSpPr>
         <p:grpSpPr>
-          <a:xfrm rot="0">
+          <a:xfrm>
             <a:off x="488343" y="-989670"/>
             <a:ext cx="1080715" cy="2956684"/>
             <a:chOff x="0" y="0"/>
@@ -4000,12 +3999,12 @@
         </p:grpSpPr>
         <p:sp>
           <p:nvSpPr>
-            <p:cNvPr name="Freeform 11" id="11"/>
+            <p:cNvPr id="11" name="Freeform 11"/>
             <p:cNvSpPr/>
             <p:nvPr/>
           </p:nvSpPr>
           <p:spPr>
-            <a:xfrm flipH="false" flipV="false" rot="0">
+            <a:xfrm>
               <a:off x="0" y="0"/>
               <a:ext cx="284633" cy="778715"/>
             </a:xfrm>
@@ -4014,9 +4013,9 @@
               <a:gdLst/>
               <a:ahLst/>
               <a:cxnLst/>
-              <a:rect r="r" b="b" t="t" l="l"/>
+              <a:rect l="l" t="t" r="r" b="b"/>
               <a:pathLst>
-                <a:path h="778715" w="284633">
+                <a:path w="284633" h="778715">
                   <a:moveTo>
                     <a:pt x="142316" y="0"/>
                   </a:moveTo>
@@ -4063,8 +4062,8 @@
         </p:sp>
         <p:sp>
           <p:nvSpPr>
-            <p:cNvPr name="TextBox 12" id="12"/>
-            <p:cNvSpPr txBox="true"/>
+            <p:cNvPr id="12" name="TextBox 12"/>
+            <p:cNvSpPr txBox="1"/>
             <p:nvPr/>
           </p:nvSpPr>
           <p:spPr>
@@ -4077,7 +4076,7 @@
             </a:prstGeom>
           </p:spPr>
           <p:txBody>
-            <a:bodyPr anchor="ctr" rtlCol="false" tIns="50800" lIns="50800" bIns="50800" rIns="50800"/>
+            <a:bodyPr lIns="50800" tIns="50800" rIns="50800" bIns="50800" rtlCol="0" anchor="ctr"/>
             <a:lstStyle/>
             <a:p>
               <a:pPr algn="ctr">
@@ -4088,18 +4087,19 @@
                   <a:spcPct val="0"/>
                 </a:spcBef>
               </a:pPr>
+              <a:endParaRPr/>
             </a:p>
           </p:txBody>
         </p:sp>
       </p:grpSp>
       <p:sp>
         <p:nvSpPr>
-          <p:cNvPr name="Freeform 13" id="13"/>
+          <p:cNvPr id="13" name="Freeform 13"/>
           <p:cNvSpPr/>
           <p:nvPr/>
         </p:nvSpPr>
         <p:spPr>
-          <a:xfrm flipH="false" flipV="false" rot="0">
+          <a:xfrm>
             <a:off x="1764268" y="1028700"/>
             <a:ext cx="8778240" cy="4114800"/>
           </a:xfrm>
@@ -4108,9 +4108,9 @@
             <a:gdLst/>
             <a:ahLst/>
             <a:cxnLst/>
-            <a:rect r="r" b="b" t="t" l="l"/>
+            <a:rect l="l" t="t" r="r" b="b"/>
             <a:pathLst>
-              <a:path h="4114800" w="8778240">
+              <a:path w="8778240" h="4114800">
                 <a:moveTo>
                   <a:pt x="0" y="0"/>
                 </a:moveTo>
@@ -4133,19 +4133,19 @@
           <a:blipFill>
             <a:blip r:embed="rId4"/>
             <a:stretch>
-              <a:fillRect l="0" t="0" r="0" b="0"/>
+              <a:fillRect/>
             </a:stretch>
           </a:blipFill>
         </p:spPr>
       </p:sp>
       <p:sp>
         <p:nvSpPr>
-          <p:cNvPr name="Freeform 14" id="14"/>
+          <p:cNvPr id="14" name="Freeform 14"/>
           <p:cNvSpPr/>
           <p:nvPr/>
         </p:nvSpPr>
         <p:spPr>
-          <a:xfrm flipH="false" flipV="false" rot="0">
+          <a:xfrm>
             <a:off x="8385940" y="5332974"/>
             <a:ext cx="9040471" cy="4362027"/>
           </a:xfrm>
@@ -4154,9 +4154,9 @@
             <a:gdLst/>
             <a:ahLst/>
             <a:cxnLst/>
-            <a:rect r="r" b="b" t="t" l="l"/>
+            <a:rect l="l" t="t" r="r" b="b"/>
             <a:pathLst>
-              <a:path h="4362027" w="9040471">
+              <a:path w="9040471" h="4362027">
                 <a:moveTo>
                   <a:pt x="0" y="0"/>
                 </a:moveTo>
@@ -4179,19 +4179,19 @@
           <a:blipFill>
             <a:blip r:embed="rId5"/>
             <a:stretch>
-              <a:fillRect l="0" t="0" r="0" b="0"/>
+              <a:fillRect/>
             </a:stretch>
           </a:blipFill>
         </p:spPr>
       </p:sp>
       <p:sp>
         <p:nvSpPr>
-          <p:cNvPr name="TextBox 15" id="15"/>
-          <p:cNvSpPr txBox="true"/>
+          <p:cNvPr id="15" name="TextBox 15"/>
+          <p:cNvSpPr txBox="1"/>
           <p:nvPr/>
         </p:nvSpPr>
         <p:spPr>
-          <a:xfrm rot="0">
+          <a:xfrm>
             <a:off x="4875411" y="-114300"/>
             <a:ext cx="8537178" cy="979362"/>
           </a:xfrm>
@@ -4200,7 +4200,7 @@
           </a:prstGeom>
         </p:spPr>
         <p:txBody>
-          <a:bodyPr anchor="t" rtlCol="false" tIns="0" lIns="0" bIns="0" rIns="0">
+          <a:bodyPr lIns="0" tIns="0" rIns="0" bIns="0" rtlCol="0" anchor="t">
             <a:spAutoFit/>
           </a:bodyPr>
           <a:lstStyle/>
@@ -4211,7 +4211,7 @@
               </a:lnSpc>
             </a:pPr>
             <a:r>
-              <a:rPr lang="en-US" b="true" sz="5692">
+              <a:rPr lang="en-US" sz="5692" b="1">
                 <a:solidFill>
                   <a:srgbClr val="000000"/>
                 </a:solidFill>
@@ -4234,7 +4234,7 @@
 </file>
 
 <file path=ppt/slides/slide11.xml><?xml version="1.0" encoding="utf-8"?>
-<p:sld xmlns:p="http://schemas.openxmlformats.org/presentationml/2006/main" xmlns:a="http://schemas.openxmlformats.org/drawingml/2006/main" xmlns:r="http://schemas.openxmlformats.org/officeDocument/2006/relationships">
+<p:sld xmlns:a="http://schemas.openxmlformats.org/drawingml/2006/main" xmlns:r="http://schemas.openxmlformats.org/officeDocument/2006/relationships" xmlns:p="http://schemas.openxmlformats.org/presentationml/2006/main">
   <p:cSld>
     <p:spTree>
       <p:nvGrpSpPr>
@@ -4252,12 +4252,12 @@
       </p:grpSpPr>
       <p:grpSp>
         <p:nvGrpSpPr>
-          <p:cNvPr name="Group 2" id="2"/>
+          <p:cNvPr id="2" name="Group 2"/>
           <p:cNvGrpSpPr/>
           <p:nvPr/>
         </p:nvGrpSpPr>
         <p:grpSpPr>
-          <a:xfrm rot="0">
+          <a:xfrm>
             <a:off x="16718943" y="-989670"/>
             <a:ext cx="1080715" cy="2956684"/>
             <a:chOff x="0" y="0"/>
@@ -4266,12 +4266,12 @@
         </p:grpSpPr>
         <p:sp>
           <p:nvSpPr>
-            <p:cNvPr name="Freeform 3" id="3"/>
+            <p:cNvPr id="3" name="Freeform 3"/>
             <p:cNvSpPr/>
             <p:nvPr/>
           </p:nvSpPr>
           <p:spPr>
-            <a:xfrm flipH="false" flipV="false" rot="0">
+            <a:xfrm>
               <a:off x="0" y="0"/>
               <a:ext cx="284633" cy="778715"/>
             </a:xfrm>
@@ -4280,9 +4280,9 @@
               <a:gdLst/>
               <a:ahLst/>
               <a:cxnLst/>
-              <a:rect r="r" b="b" t="t" l="l"/>
+              <a:rect l="l" t="t" r="r" b="b"/>
               <a:pathLst>
-                <a:path h="778715" w="284633">
+                <a:path w="284633" h="778715">
                   <a:moveTo>
                     <a:pt x="142316" y="0"/>
                   </a:moveTo>
@@ -4329,8 +4329,8 @@
         </p:sp>
         <p:sp>
           <p:nvSpPr>
-            <p:cNvPr name="TextBox 4" id="4"/>
-            <p:cNvSpPr txBox="true"/>
+            <p:cNvPr id="4" name="TextBox 4"/>
+            <p:cNvSpPr txBox="1"/>
             <p:nvPr/>
           </p:nvSpPr>
           <p:spPr>
@@ -4343,7 +4343,7 @@
             </a:prstGeom>
           </p:spPr>
           <p:txBody>
-            <a:bodyPr anchor="ctr" rtlCol="false" tIns="50800" lIns="50800" bIns="50800" rIns="50800"/>
+            <a:bodyPr lIns="50800" tIns="50800" rIns="50800" bIns="50800" rtlCol="0" anchor="ctr"/>
             <a:lstStyle/>
             <a:p>
               <a:pPr algn="ctr">
@@ -4354,18 +4354,19 @@
                   <a:spcPct val="0"/>
                 </a:spcBef>
               </a:pPr>
+              <a:endParaRPr/>
             </a:p>
           </p:txBody>
         </p:sp>
       </p:grpSp>
       <p:grpSp>
         <p:nvGrpSpPr>
-          <p:cNvPr name="Group 5" id="5"/>
+          <p:cNvPr id="5" name="Group 5"/>
           <p:cNvGrpSpPr/>
           <p:nvPr/>
         </p:nvGrpSpPr>
         <p:grpSpPr>
-          <a:xfrm rot="0">
+          <a:xfrm>
             <a:off x="-529352" y="9803843"/>
             <a:ext cx="19346704" cy="821917"/>
             <a:chOff x="0" y="0"/>
@@ -4374,12 +4375,12 @@
         </p:grpSpPr>
         <p:sp>
           <p:nvSpPr>
-            <p:cNvPr name="Freeform 6" id="6"/>
+            <p:cNvPr id="6" name="Freeform 6"/>
             <p:cNvSpPr/>
             <p:nvPr/>
           </p:nvSpPr>
           <p:spPr>
-            <a:xfrm flipH="false" flipV="false" rot="0">
+            <a:xfrm>
               <a:off x="0" y="0"/>
               <a:ext cx="5095428" cy="216472"/>
             </a:xfrm>
@@ -4388,9 +4389,9 @@
               <a:gdLst/>
               <a:ahLst/>
               <a:cxnLst/>
-              <a:rect r="r" b="b" t="t" l="l"/>
+              <a:rect l="l" t="t" r="r" b="b"/>
               <a:pathLst>
-                <a:path h="216472" w="5095428">
+                <a:path w="5095428" h="216472">
                   <a:moveTo>
                     <a:pt x="20409" y="0"/>
                   </a:moveTo>
@@ -4459,8 +4460,8 @@
         </p:sp>
         <p:sp>
           <p:nvSpPr>
-            <p:cNvPr name="TextBox 7" id="7"/>
-            <p:cNvSpPr txBox="true"/>
+            <p:cNvPr id="7" name="TextBox 7"/>
+            <p:cNvSpPr txBox="1"/>
             <p:nvPr/>
           </p:nvSpPr>
           <p:spPr>
@@ -4473,7 +4474,7 @@
             </a:prstGeom>
           </p:spPr>
           <p:txBody>
-            <a:bodyPr anchor="ctr" rtlCol="false" tIns="50800" lIns="50800" bIns="50800" rIns="50800"/>
+            <a:bodyPr lIns="50800" tIns="50800" rIns="50800" bIns="50800" rtlCol="0" anchor="ctr"/>
             <a:lstStyle/>
             <a:p>
               <a:pPr algn="ctr">
@@ -4484,18 +4485,19 @@
                   <a:spcPct val="0"/>
                 </a:spcBef>
               </a:pPr>
+              <a:endParaRPr/>
             </a:p>
           </p:txBody>
         </p:sp>
       </p:grpSp>
       <p:sp>
         <p:nvSpPr>
-          <p:cNvPr name="Freeform 8" id="8"/>
+          <p:cNvPr id="8" name="Freeform 8"/>
           <p:cNvSpPr/>
           <p:nvPr/>
         </p:nvSpPr>
         <p:spPr>
-          <a:xfrm flipH="true" flipV="false" rot="0">
+          <a:xfrm flipH="1">
             <a:off x="17259300" y="3085173"/>
             <a:ext cx="4518707" cy="3939865"/>
           </a:xfrm>
@@ -4504,9 +4506,9 @@
             <a:gdLst/>
             <a:ahLst/>
             <a:cxnLst/>
-            <a:rect r="r" b="b" t="t" l="l"/>
+            <a:rect l="l" t="t" r="r" b="b"/>
             <a:pathLst>
-              <a:path h="3939865" w="4518707">
+              <a:path w="4518707" h="3939865">
                 <a:moveTo>
                   <a:pt x="4518707" y="0"/>
                 </a:moveTo>
@@ -4535,19 +4537,19 @@
               </a:extLst>
             </a:blip>
             <a:stretch>
-              <a:fillRect l="0" t="0" r="0" b="0"/>
+              <a:fillRect/>
             </a:stretch>
           </a:blipFill>
         </p:spPr>
       </p:sp>
       <p:sp>
         <p:nvSpPr>
-          <p:cNvPr name="Freeform 9" id="9"/>
+          <p:cNvPr id="9" name="Freeform 9"/>
           <p:cNvSpPr/>
           <p:nvPr/>
         </p:nvSpPr>
         <p:spPr>
-          <a:xfrm flipH="false" flipV="false" rot="0">
+          <a:xfrm>
             <a:off x="-3486583" y="3085173"/>
             <a:ext cx="4518707" cy="3939865"/>
           </a:xfrm>
@@ -4556,9 +4558,9 @@
             <a:gdLst/>
             <a:ahLst/>
             <a:cxnLst/>
-            <a:rect r="r" b="b" t="t" l="l"/>
+            <a:rect l="l" t="t" r="r" b="b"/>
             <a:pathLst>
-              <a:path h="3939865" w="4518707">
+              <a:path w="4518707" h="3939865">
                 <a:moveTo>
                   <a:pt x="0" y="0"/>
                 </a:moveTo>
@@ -4587,19 +4589,19 @@
               </a:extLst>
             </a:blip>
             <a:stretch>
-              <a:fillRect l="0" t="0" r="0" b="0"/>
+              <a:fillRect/>
             </a:stretch>
           </a:blipFill>
         </p:spPr>
       </p:sp>
       <p:grpSp>
         <p:nvGrpSpPr>
-          <p:cNvPr name="Group 10" id="10"/>
+          <p:cNvPr id="10" name="Group 10"/>
           <p:cNvGrpSpPr/>
           <p:nvPr/>
         </p:nvGrpSpPr>
         <p:grpSpPr>
-          <a:xfrm rot="0">
+          <a:xfrm>
             <a:off x="488343" y="-989670"/>
             <a:ext cx="1080715" cy="2956684"/>
             <a:chOff x="0" y="0"/>
@@ -4608,12 +4610,12 @@
         </p:grpSpPr>
         <p:sp>
           <p:nvSpPr>
-            <p:cNvPr name="Freeform 11" id="11"/>
+            <p:cNvPr id="11" name="Freeform 11"/>
             <p:cNvSpPr/>
             <p:nvPr/>
           </p:nvSpPr>
           <p:spPr>
-            <a:xfrm flipH="false" flipV="false" rot="0">
+            <a:xfrm>
               <a:off x="0" y="0"/>
               <a:ext cx="284633" cy="778715"/>
             </a:xfrm>
@@ -4622,9 +4624,9 @@
               <a:gdLst/>
               <a:ahLst/>
               <a:cxnLst/>
-              <a:rect r="r" b="b" t="t" l="l"/>
+              <a:rect l="l" t="t" r="r" b="b"/>
               <a:pathLst>
-                <a:path h="778715" w="284633">
+                <a:path w="284633" h="778715">
                   <a:moveTo>
                     <a:pt x="142316" y="0"/>
                   </a:moveTo>
@@ -4671,8 +4673,8 @@
         </p:sp>
         <p:sp>
           <p:nvSpPr>
-            <p:cNvPr name="TextBox 12" id="12"/>
-            <p:cNvSpPr txBox="true"/>
+            <p:cNvPr id="12" name="TextBox 12"/>
+            <p:cNvSpPr txBox="1"/>
             <p:nvPr/>
           </p:nvSpPr>
           <p:spPr>
@@ -4685,7 +4687,7 @@
             </a:prstGeom>
           </p:spPr>
           <p:txBody>
-            <a:bodyPr anchor="ctr" rtlCol="false" tIns="50800" lIns="50800" bIns="50800" rIns="50800"/>
+            <a:bodyPr lIns="50800" tIns="50800" rIns="50800" bIns="50800" rtlCol="0" anchor="ctr"/>
             <a:lstStyle/>
             <a:p>
               <a:pPr algn="ctr">
@@ -4696,18 +4698,19 @@
                   <a:spcPct val="0"/>
                 </a:spcBef>
               </a:pPr>
+              <a:endParaRPr/>
             </a:p>
           </p:txBody>
         </p:sp>
       </p:grpSp>
       <p:sp>
         <p:nvSpPr>
-          <p:cNvPr name="Freeform 13" id="13"/>
+          <p:cNvPr id="13" name="Freeform 13"/>
           <p:cNvSpPr/>
           <p:nvPr/>
         </p:nvSpPr>
         <p:spPr>
-          <a:xfrm flipH="false" flipV="false" rot="0">
+          <a:xfrm>
             <a:off x="2406847" y="1720214"/>
             <a:ext cx="13474307" cy="6669782"/>
           </a:xfrm>
@@ -4716,9 +4719,9 @@
             <a:gdLst/>
             <a:ahLst/>
             <a:cxnLst/>
-            <a:rect r="r" b="b" t="t" l="l"/>
+            <a:rect l="l" t="t" r="r" b="b"/>
             <a:pathLst>
-              <a:path h="6669782" w="13474307">
+              <a:path w="13474307" h="6669782">
                 <a:moveTo>
                   <a:pt x="0" y="0"/>
                 </a:moveTo>
@@ -4741,19 +4744,19 @@
           <a:blipFill>
             <a:blip r:embed="rId4"/>
             <a:stretch>
-              <a:fillRect l="0" t="0" r="0" b="0"/>
+              <a:fillRect/>
             </a:stretch>
           </a:blipFill>
         </p:spPr>
       </p:sp>
       <p:sp>
         <p:nvSpPr>
-          <p:cNvPr name="TextBox 14" id="14"/>
-          <p:cNvSpPr txBox="true"/>
+          <p:cNvPr id="14" name="TextBox 14"/>
+          <p:cNvSpPr txBox="1"/>
           <p:nvPr/>
         </p:nvSpPr>
         <p:spPr>
-          <a:xfrm rot="0">
+          <a:xfrm>
             <a:off x="4875411" y="-114300"/>
             <a:ext cx="8537178" cy="979362"/>
           </a:xfrm>
@@ -4762,7 +4765,7 @@
           </a:prstGeom>
         </p:spPr>
         <p:txBody>
-          <a:bodyPr anchor="t" rtlCol="false" tIns="0" lIns="0" bIns="0" rIns="0">
+          <a:bodyPr lIns="0" tIns="0" rIns="0" bIns="0" rtlCol="0" anchor="t">
             <a:spAutoFit/>
           </a:bodyPr>
           <a:lstStyle/>
@@ -4773,7 +4776,7 @@
               </a:lnSpc>
             </a:pPr>
             <a:r>
-              <a:rPr lang="en-US" b="true" sz="5692">
+              <a:rPr lang="en-US" sz="5692" b="1">
                 <a:solidFill>
                   <a:srgbClr val="000000"/>
                 </a:solidFill>
@@ -4796,7 +4799,7 @@
 </file>
 
 <file path=ppt/slides/slide12.xml><?xml version="1.0" encoding="utf-8"?>
-<p:sld xmlns:p="http://schemas.openxmlformats.org/presentationml/2006/main" xmlns:a="http://schemas.openxmlformats.org/drawingml/2006/main" xmlns:r="http://schemas.openxmlformats.org/officeDocument/2006/relationships">
+<p:sld xmlns:a="http://schemas.openxmlformats.org/drawingml/2006/main" xmlns:r="http://schemas.openxmlformats.org/officeDocument/2006/relationships" xmlns:p="http://schemas.openxmlformats.org/presentationml/2006/main">
   <p:cSld>
     <p:spTree>
       <p:nvGrpSpPr>
@@ -4814,32 +4817,32 @@
       </p:grpSpPr>
       <p:sp>
         <p:nvSpPr>
-          <p:cNvPr name="TextBox 2" id="2"/>
-          <p:cNvSpPr txBox="true"/>
+          <p:cNvPr id="2" name="TextBox 2"/>
+          <p:cNvSpPr txBox="1"/>
           <p:nvPr/>
         </p:nvSpPr>
         <p:spPr>
-          <a:xfrm rot="0">
-            <a:off x="4875411" y="1690069"/>
-            <a:ext cx="8537178" cy="1395104"/>
+          <a:xfrm>
+            <a:off x="2950481" y="4013348"/>
+            <a:ext cx="12387037" cy="2031703"/>
           </a:xfrm>
           <a:prstGeom prst="rect">
             <a:avLst/>
           </a:prstGeom>
         </p:spPr>
         <p:txBody>
-          <a:bodyPr anchor="t" rtlCol="false" tIns="0" lIns="0" bIns="0" rIns="0">
+          <a:bodyPr lIns="0" tIns="0" rIns="0" bIns="0" rtlCol="0" anchor="t">
             <a:spAutoFit/>
           </a:bodyPr>
           <a:lstStyle/>
           <a:p>
             <a:pPr algn="ctr">
               <a:lnSpc>
-                <a:spcPts val="11469"/>
+                <a:spcPts val="16641"/>
               </a:lnSpc>
             </a:pPr>
             <a:r>
-              <a:rPr lang="en-US" b="true" sz="8192">
+              <a:rPr lang="en-US" sz="11886" b="1">
                 <a:solidFill>
                   <a:srgbClr val="000000"/>
                 </a:solidFill>
@@ -4848,105 +4851,19 @@
                 <a:cs typeface="Century Gothic Paneuropean Bold"/>
                 <a:sym typeface="Century Gothic Paneuropean Bold"/>
               </a:rPr>
-              <a:t>CONCLUSION</a:t>
-            </a:r>
-          </a:p>
-        </p:txBody>
-      </p:sp>
-      <p:sp>
-        <p:nvSpPr>
-          <p:cNvPr name="TextBox 3" id="3"/>
-          <p:cNvSpPr txBox="true"/>
-          <p:nvPr/>
-        </p:nvSpPr>
-        <p:spPr>
-          <a:xfrm rot="0">
-            <a:off x="3109407" y="4086777"/>
-            <a:ext cx="12069186" cy="1888737"/>
-          </a:xfrm>
-          <a:prstGeom prst="rect">
-            <a:avLst/>
-          </a:prstGeom>
-        </p:spPr>
-        <p:txBody>
-          <a:bodyPr anchor="t" rtlCol="false" tIns="0" lIns="0" bIns="0" rIns="0">
-            <a:spAutoFit/>
-          </a:bodyPr>
-          <a:lstStyle/>
-          <a:p>
-            <a:pPr algn="l" marL="785932" indent="-392966" lvl="1">
-              <a:lnSpc>
-                <a:spcPts val="5096"/>
-              </a:lnSpc>
-              <a:buFont typeface="Arial"/>
-              <a:buChar char="•"/>
-            </a:pPr>
-            <a:r>
-              <a:rPr lang="en-US" sz="3640">
-                <a:solidFill>
-                  <a:srgbClr val="000000"/>
-                </a:solidFill>
-                <a:latin typeface="Century Gothic Paneuropean"/>
-                <a:ea typeface="Century Gothic Paneuropean"/>
-                <a:cs typeface="Century Gothic Paneuropean"/>
-                <a:sym typeface="Century Gothic Paneuropean"/>
-              </a:rPr>
-              <a:t>Lorem ipsum dolor sit amet, consectetur adipiscing elit. Duis vel dolor ante. Nullam feugiat egestas elit et vehicula.</a:t>
-            </a:r>
-          </a:p>
-        </p:txBody>
-      </p:sp>
-      <p:sp>
-        <p:nvSpPr>
-          <p:cNvPr name="TextBox 4" id="4"/>
-          <p:cNvSpPr txBox="true"/>
-          <p:nvPr/>
-        </p:nvSpPr>
-        <p:spPr>
-          <a:xfrm rot="0">
-            <a:off x="3109407" y="6166014"/>
-            <a:ext cx="12069186" cy="1888737"/>
-          </a:xfrm>
-          <a:prstGeom prst="rect">
-            <a:avLst/>
-          </a:prstGeom>
-        </p:spPr>
-        <p:txBody>
-          <a:bodyPr anchor="t" rtlCol="false" tIns="0" lIns="0" bIns="0" rIns="0">
-            <a:spAutoFit/>
-          </a:bodyPr>
-          <a:lstStyle/>
-          <a:p>
-            <a:pPr algn="l" marL="785932" indent="-392966" lvl="1">
-              <a:lnSpc>
-                <a:spcPts val="5096"/>
-              </a:lnSpc>
-              <a:buFont typeface="Arial"/>
-              <a:buChar char="•"/>
-            </a:pPr>
-            <a:r>
-              <a:rPr lang="en-US" sz="3640">
-                <a:solidFill>
-                  <a:srgbClr val="000000"/>
-                </a:solidFill>
-                <a:latin typeface="Century Gothic Paneuropean"/>
-                <a:ea typeface="Century Gothic Paneuropean"/>
-                <a:cs typeface="Century Gothic Paneuropean"/>
-                <a:sym typeface="Century Gothic Paneuropean"/>
-              </a:rPr>
-              <a:t>Lorem ipsum dolor sit amet, consectetur adipiscing elit. Duis vel dolor ante. Nullam feugiat egestas elit et vehicula.</a:t>
+              <a:t>THANK YOU</a:t>
             </a:r>
           </a:p>
         </p:txBody>
       </p:sp>
       <p:grpSp>
         <p:nvGrpSpPr>
-          <p:cNvPr name="Group 5" id="5"/>
+          <p:cNvPr id="3" name="Group 3"/>
           <p:cNvGrpSpPr/>
           <p:nvPr/>
         </p:nvGrpSpPr>
         <p:grpSpPr>
-          <a:xfrm rot="0">
+          <a:xfrm>
             <a:off x="16718943" y="-989670"/>
             <a:ext cx="1080715" cy="2956684"/>
             <a:chOff x="0" y="0"/>
@@ -4955,12 +4872,12 @@
         </p:grpSpPr>
         <p:sp>
           <p:nvSpPr>
-            <p:cNvPr name="Freeform 6" id="6"/>
+            <p:cNvPr id="4" name="Freeform 4"/>
             <p:cNvSpPr/>
             <p:nvPr/>
           </p:nvSpPr>
           <p:spPr>
-            <a:xfrm flipH="false" flipV="false" rot="0">
+            <a:xfrm>
               <a:off x="0" y="0"/>
               <a:ext cx="284633" cy="778715"/>
             </a:xfrm>
@@ -4969,9 +4886,9 @@
               <a:gdLst/>
               <a:ahLst/>
               <a:cxnLst/>
-              <a:rect r="r" b="b" t="t" l="l"/>
+              <a:rect l="l" t="t" r="r" b="b"/>
               <a:pathLst>
-                <a:path h="778715" w="284633">
+                <a:path w="284633" h="778715">
                   <a:moveTo>
                     <a:pt x="142316" y="0"/>
                   </a:moveTo>
@@ -5018,8 +4935,8 @@
         </p:sp>
         <p:sp>
           <p:nvSpPr>
-            <p:cNvPr name="TextBox 7" id="7"/>
-            <p:cNvSpPr txBox="true"/>
+            <p:cNvPr id="5" name="TextBox 5"/>
+            <p:cNvSpPr txBox="1"/>
             <p:nvPr/>
           </p:nvSpPr>
           <p:spPr>
@@ -5032,7 +4949,7 @@
             </a:prstGeom>
           </p:spPr>
           <p:txBody>
-            <a:bodyPr anchor="ctr" rtlCol="false" tIns="50800" lIns="50800" bIns="50800" rIns="50800"/>
+            <a:bodyPr lIns="50800" tIns="50800" rIns="50800" bIns="50800" rtlCol="0" anchor="ctr"/>
             <a:lstStyle/>
             <a:p>
               <a:pPr algn="ctr">
@@ -5043,18 +4960,19 @@
                   <a:spcPct val="0"/>
                 </a:spcBef>
               </a:pPr>
+              <a:endParaRPr/>
             </a:p>
           </p:txBody>
         </p:sp>
       </p:grpSp>
       <p:grpSp>
         <p:nvGrpSpPr>
-          <p:cNvPr name="Group 8" id="8"/>
+          <p:cNvPr id="6" name="Group 6"/>
           <p:cNvGrpSpPr/>
           <p:nvPr/>
         </p:nvGrpSpPr>
         <p:grpSpPr>
-          <a:xfrm rot="0">
+          <a:xfrm>
             <a:off x="-529352" y="9803843"/>
             <a:ext cx="19346704" cy="821917"/>
             <a:chOff x="0" y="0"/>
@@ -5063,12 +4981,12 @@
         </p:grpSpPr>
         <p:sp>
           <p:nvSpPr>
-            <p:cNvPr name="Freeform 9" id="9"/>
+            <p:cNvPr id="7" name="Freeform 7"/>
             <p:cNvSpPr/>
             <p:nvPr/>
           </p:nvSpPr>
           <p:spPr>
-            <a:xfrm flipH="false" flipV="false" rot="0">
+            <a:xfrm>
               <a:off x="0" y="0"/>
               <a:ext cx="5095428" cy="216472"/>
             </a:xfrm>
@@ -5077,9 +4995,9 @@
               <a:gdLst/>
               <a:ahLst/>
               <a:cxnLst/>
-              <a:rect r="r" b="b" t="t" l="l"/>
+              <a:rect l="l" t="t" r="r" b="b"/>
               <a:pathLst>
-                <a:path h="216472" w="5095428">
+                <a:path w="5095428" h="216472">
                   <a:moveTo>
                     <a:pt x="20409" y="0"/>
                   </a:moveTo>
@@ -5148,8 +5066,8 @@
         </p:sp>
         <p:sp>
           <p:nvSpPr>
-            <p:cNvPr name="TextBox 10" id="10"/>
-            <p:cNvSpPr txBox="true"/>
+            <p:cNvPr id="8" name="TextBox 8"/>
+            <p:cNvSpPr txBox="1"/>
             <p:nvPr/>
           </p:nvSpPr>
           <p:spPr>
@@ -5162,7 +5080,7 @@
             </a:prstGeom>
           </p:spPr>
           <p:txBody>
-            <a:bodyPr anchor="ctr" rtlCol="false" tIns="50800" lIns="50800" bIns="50800" rIns="50800"/>
+            <a:bodyPr lIns="50800" tIns="50800" rIns="50800" bIns="50800" rtlCol="0" anchor="ctr"/>
             <a:lstStyle/>
             <a:p>
               <a:pPr algn="ctr">
@@ -5173,18 +5091,19 @@
                   <a:spcPct val="0"/>
                 </a:spcBef>
               </a:pPr>
+              <a:endParaRPr/>
             </a:p>
           </p:txBody>
         </p:sp>
       </p:grpSp>
       <p:sp>
         <p:nvSpPr>
-          <p:cNvPr name="Freeform 11" id="11"/>
+          <p:cNvPr id="9" name="Freeform 9"/>
           <p:cNvSpPr/>
           <p:nvPr/>
         </p:nvSpPr>
         <p:spPr>
-          <a:xfrm flipH="true" flipV="false" rot="0">
+          <a:xfrm flipH="1">
             <a:off x="17259300" y="3085173"/>
             <a:ext cx="4518707" cy="3939865"/>
           </a:xfrm>
@@ -5193,9 +5112,9 @@
             <a:gdLst/>
             <a:ahLst/>
             <a:cxnLst/>
-            <a:rect r="r" b="b" t="t" l="l"/>
+            <a:rect l="l" t="t" r="r" b="b"/>
             <a:pathLst>
-              <a:path h="3939865" w="4518707">
+              <a:path w="4518707" h="3939865">
                 <a:moveTo>
                   <a:pt x="4518707" y="0"/>
                 </a:moveTo>
@@ -5224,19 +5143,19 @@
               </a:extLst>
             </a:blip>
             <a:stretch>
-              <a:fillRect l="0" t="0" r="0" b="0"/>
+              <a:fillRect/>
             </a:stretch>
           </a:blipFill>
         </p:spPr>
       </p:sp>
       <p:sp>
         <p:nvSpPr>
-          <p:cNvPr name="Freeform 12" id="12"/>
+          <p:cNvPr id="10" name="Freeform 10"/>
           <p:cNvSpPr/>
           <p:nvPr/>
         </p:nvSpPr>
         <p:spPr>
-          <a:xfrm flipH="false" flipV="false" rot="0">
+          <a:xfrm>
             <a:off x="-3486583" y="3085173"/>
             <a:ext cx="4518707" cy="3939865"/>
           </a:xfrm>
@@ -5245,9 +5164,9 @@
             <a:gdLst/>
             <a:ahLst/>
             <a:cxnLst/>
-            <a:rect r="r" b="b" t="t" l="l"/>
+            <a:rect l="l" t="t" r="r" b="b"/>
             <a:pathLst>
-              <a:path h="3939865" w="4518707">
+              <a:path w="4518707" h="3939865">
                 <a:moveTo>
                   <a:pt x="0" y="0"/>
                 </a:moveTo>
@@ -5276,19 +5195,19 @@
               </a:extLst>
             </a:blip>
             <a:stretch>
-              <a:fillRect l="0" t="0" r="0" b="0"/>
+              <a:fillRect/>
             </a:stretch>
           </a:blipFill>
         </p:spPr>
       </p:sp>
       <p:grpSp>
         <p:nvGrpSpPr>
-          <p:cNvPr name="Group 13" id="13"/>
+          <p:cNvPr id="11" name="Group 11"/>
           <p:cNvGrpSpPr/>
           <p:nvPr/>
         </p:nvGrpSpPr>
         <p:grpSpPr>
-          <a:xfrm rot="0">
+          <a:xfrm>
             <a:off x="488343" y="-989670"/>
             <a:ext cx="1080715" cy="2956684"/>
             <a:chOff x="0" y="0"/>
@@ -5297,12 +5216,12 @@
         </p:grpSpPr>
         <p:sp>
           <p:nvSpPr>
-            <p:cNvPr name="Freeform 14" id="14"/>
+            <p:cNvPr id="12" name="Freeform 12"/>
             <p:cNvSpPr/>
             <p:nvPr/>
           </p:nvSpPr>
           <p:spPr>
-            <a:xfrm flipH="false" flipV="false" rot="0">
+            <a:xfrm>
               <a:off x="0" y="0"/>
               <a:ext cx="284633" cy="778715"/>
             </a:xfrm>
@@ -5311,9 +5230,9 @@
               <a:gdLst/>
               <a:ahLst/>
               <a:cxnLst/>
-              <a:rect r="r" b="b" t="t" l="l"/>
+              <a:rect l="l" t="t" r="r" b="b"/>
               <a:pathLst>
-                <a:path h="778715" w="284633">
+                <a:path w="284633" h="778715">
                   <a:moveTo>
                     <a:pt x="142316" y="0"/>
                   </a:moveTo>
@@ -5360,8 +5279,8 @@
         </p:sp>
         <p:sp>
           <p:nvSpPr>
-            <p:cNvPr name="TextBox 15" id="15"/>
-            <p:cNvSpPr txBox="true"/>
+            <p:cNvPr id="13" name="TextBox 13"/>
+            <p:cNvSpPr txBox="1"/>
             <p:nvPr/>
           </p:nvSpPr>
           <p:spPr>
@@ -5374,7 +5293,7 @@
             </a:prstGeom>
           </p:spPr>
           <p:txBody>
-            <a:bodyPr anchor="ctr" rtlCol="false" tIns="50800" lIns="50800" bIns="50800" rIns="50800"/>
+            <a:bodyPr lIns="50800" tIns="50800" rIns="50800" bIns="50800" rtlCol="0" anchor="ctr"/>
             <a:lstStyle/>
             <a:p>
               <a:pPr algn="ctr">
@@ -5385,522 +5304,7 @@
                   <a:spcPct val="0"/>
                 </a:spcBef>
               </a:pPr>
-            </a:p>
-          </p:txBody>
-        </p:sp>
-      </p:grpSp>
-    </p:spTree>
-  </p:cSld>
-  <p:clrMapOvr>
-    <a:masterClrMapping/>
-  </p:clrMapOvr>
-</p:sld>
-</file>
-
-<file path=ppt/slides/slide13.xml><?xml version="1.0" encoding="utf-8"?>
-<p:sld xmlns:p="http://schemas.openxmlformats.org/presentationml/2006/main" xmlns:a="http://schemas.openxmlformats.org/drawingml/2006/main" xmlns:r="http://schemas.openxmlformats.org/officeDocument/2006/relationships">
-  <p:cSld>
-    <p:spTree>
-      <p:nvGrpSpPr>
-        <p:cNvPr id="1" name=""/>
-        <p:cNvGrpSpPr/>
-        <p:nvPr/>
-      </p:nvGrpSpPr>
-      <p:grpSpPr>
-        <a:xfrm>
-          <a:off x="0" y="0"/>
-          <a:ext cx="0" cy="0"/>
-          <a:chOff x="0" y="0"/>
-          <a:chExt cx="0" cy="0"/>
-        </a:xfrm>
-      </p:grpSpPr>
-      <p:sp>
-        <p:nvSpPr>
-          <p:cNvPr name="TextBox 2" id="2"/>
-          <p:cNvSpPr txBox="true"/>
-          <p:nvPr/>
-        </p:nvSpPr>
-        <p:spPr>
-          <a:xfrm rot="0">
-            <a:off x="2950481" y="4013348"/>
-            <a:ext cx="12387037" cy="2031703"/>
-          </a:xfrm>
-          <a:prstGeom prst="rect">
-            <a:avLst/>
-          </a:prstGeom>
-        </p:spPr>
-        <p:txBody>
-          <a:bodyPr anchor="t" rtlCol="false" tIns="0" lIns="0" bIns="0" rIns="0">
-            <a:spAutoFit/>
-          </a:bodyPr>
-          <a:lstStyle/>
-          <a:p>
-            <a:pPr algn="ctr">
-              <a:lnSpc>
-                <a:spcPts val="16641"/>
-              </a:lnSpc>
-            </a:pPr>
-            <a:r>
-              <a:rPr lang="en-US" b="true" sz="11886">
-                <a:solidFill>
-                  <a:srgbClr val="000000"/>
-                </a:solidFill>
-                <a:latin typeface="Century Gothic Paneuropean Bold"/>
-                <a:ea typeface="Century Gothic Paneuropean Bold"/>
-                <a:cs typeface="Century Gothic Paneuropean Bold"/>
-                <a:sym typeface="Century Gothic Paneuropean Bold"/>
-              </a:rPr>
-              <a:t>THANK YOU</a:t>
-            </a:r>
-          </a:p>
-        </p:txBody>
-      </p:sp>
-      <p:grpSp>
-        <p:nvGrpSpPr>
-          <p:cNvPr name="Group 3" id="3"/>
-          <p:cNvGrpSpPr/>
-          <p:nvPr/>
-        </p:nvGrpSpPr>
-        <p:grpSpPr>
-          <a:xfrm rot="0">
-            <a:off x="16718943" y="-989670"/>
-            <a:ext cx="1080715" cy="2956684"/>
-            <a:chOff x="0" y="0"/>
-            <a:chExt cx="284633" cy="778715"/>
-          </a:xfrm>
-        </p:grpSpPr>
-        <p:sp>
-          <p:nvSpPr>
-            <p:cNvPr name="Freeform 4" id="4"/>
-            <p:cNvSpPr/>
-            <p:nvPr/>
-          </p:nvSpPr>
-          <p:spPr>
-            <a:xfrm flipH="false" flipV="false" rot="0">
-              <a:off x="0" y="0"/>
-              <a:ext cx="284633" cy="778715"/>
-            </a:xfrm>
-            <a:custGeom>
-              <a:avLst/>
-              <a:gdLst/>
-              <a:ahLst/>
-              <a:cxnLst/>
-              <a:rect r="r" b="b" t="t" l="l"/>
-              <a:pathLst>
-                <a:path h="778715" w="284633">
-                  <a:moveTo>
-                    <a:pt x="142316" y="0"/>
-                  </a:moveTo>
-                  <a:lnTo>
-                    <a:pt x="142316" y="0"/>
-                  </a:lnTo>
-                  <a:cubicBezTo>
-                    <a:pt x="220916" y="0"/>
-                    <a:pt x="284633" y="63717"/>
-                    <a:pt x="284633" y="142316"/>
-                  </a:cubicBezTo>
-                  <a:lnTo>
-                    <a:pt x="284633" y="636399"/>
-                  </a:lnTo>
-                  <a:cubicBezTo>
-                    <a:pt x="284633" y="714998"/>
-                    <a:pt x="220916" y="778715"/>
-                    <a:pt x="142316" y="778715"/>
-                  </a:cubicBezTo>
-                  <a:lnTo>
-                    <a:pt x="142316" y="778715"/>
-                  </a:lnTo>
-                  <a:cubicBezTo>
-                    <a:pt x="63717" y="778715"/>
-                    <a:pt x="0" y="714998"/>
-                    <a:pt x="0" y="636399"/>
-                  </a:cubicBezTo>
-                  <a:lnTo>
-                    <a:pt x="0" y="142316"/>
-                  </a:lnTo>
-                  <a:cubicBezTo>
-                    <a:pt x="0" y="63717"/>
-                    <a:pt x="63717" y="0"/>
-                    <a:pt x="142316" y="0"/>
-                  </a:cubicBezTo>
-                  <a:close/>
-                </a:path>
-              </a:pathLst>
-            </a:custGeom>
-            <a:solidFill>
-              <a:srgbClr val="FF914D"/>
-            </a:solidFill>
-          </p:spPr>
-        </p:sp>
-        <p:sp>
-          <p:nvSpPr>
-            <p:cNvPr name="TextBox 5" id="5"/>
-            <p:cNvSpPr txBox="true"/>
-            <p:nvPr/>
-          </p:nvSpPr>
-          <p:spPr>
-            <a:xfrm>
-              <a:off x="0" y="-38100"/>
-              <a:ext cx="284633" cy="816815"/>
-            </a:xfrm>
-            <a:prstGeom prst="rect">
-              <a:avLst/>
-            </a:prstGeom>
-          </p:spPr>
-          <p:txBody>
-            <a:bodyPr anchor="ctr" rtlCol="false" tIns="50800" lIns="50800" bIns="50800" rIns="50800"/>
-            <a:lstStyle/>
-            <a:p>
-              <a:pPr algn="ctr">
-                <a:lnSpc>
-                  <a:spcPts val="2659"/>
-                </a:lnSpc>
-                <a:spcBef>
-                  <a:spcPct val="0"/>
-                </a:spcBef>
-              </a:pPr>
-            </a:p>
-          </p:txBody>
-        </p:sp>
-      </p:grpSp>
-      <p:grpSp>
-        <p:nvGrpSpPr>
-          <p:cNvPr name="Group 6" id="6"/>
-          <p:cNvGrpSpPr/>
-          <p:nvPr/>
-        </p:nvGrpSpPr>
-        <p:grpSpPr>
-          <a:xfrm rot="0">
-            <a:off x="-529352" y="9803843"/>
-            <a:ext cx="19346704" cy="821917"/>
-            <a:chOff x="0" y="0"/>
-            <a:chExt cx="5095428" cy="216472"/>
-          </a:xfrm>
-        </p:grpSpPr>
-        <p:sp>
-          <p:nvSpPr>
-            <p:cNvPr name="Freeform 7" id="7"/>
-            <p:cNvSpPr/>
-            <p:nvPr/>
-          </p:nvSpPr>
-          <p:spPr>
-            <a:xfrm flipH="false" flipV="false" rot="0">
-              <a:off x="0" y="0"/>
-              <a:ext cx="5095428" cy="216472"/>
-            </a:xfrm>
-            <a:custGeom>
-              <a:avLst/>
-              <a:gdLst/>
-              <a:ahLst/>
-              <a:cxnLst/>
-              <a:rect r="r" b="b" t="t" l="l"/>
-              <a:pathLst>
-                <a:path h="216472" w="5095428">
-                  <a:moveTo>
-                    <a:pt x="20409" y="0"/>
-                  </a:moveTo>
-                  <a:lnTo>
-                    <a:pt x="5075020" y="0"/>
-                  </a:lnTo>
-                  <a:cubicBezTo>
-                    <a:pt x="5086291" y="0"/>
-                    <a:pt x="5095428" y="9137"/>
-                    <a:pt x="5095428" y="20409"/>
-                  </a:cubicBezTo>
-                  <a:lnTo>
-                    <a:pt x="5095428" y="196063"/>
-                  </a:lnTo>
-                  <a:cubicBezTo>
-                    <a:pt x="5095428" y="201476"/>
-                    <a:pt x="5093278" y="206667"/>
-                    <a:pt x="5089451" y="210494"/>
-                  </a:cubicBezTo>
-                  <a:cubicBezTo>
-                    <a:pt x="5085623" y="214322"/>
-                    <a:pt x="5080432" y="216472"/>
-                    <a:pt x="5075020" y="216472"/>
-                  </a:cubicBezTo>
-                  <a:lnTo>
-                    <a:pt x="20409" y="216472"/>
-                  </a:lnTo>
-                  <a:cubicBezTo>
-                    <a:pt x="14996" y="216472"/>
-                    <a:pt x="9805" y="214322"/>
-                    <a:pt x="5978" y="210494"/>
-                  </a:cubicBezTo>
-                  <a:cubicBezTo>
-                    <a:pt x="2150" y="206667"/>
-                    <a:pt x="0" y="201476"/>
-                    <a:pt x="0" y="196063"/>
-                  </a:cubicBezTo>
-                  <a:lnTo>
-                    <a:pt x="0" y="20409"/>
-                  </a:lnTo>
-                  <a:cubicBezTo>
-                    <a:pt x="0" y="14996"/>
-                    <a:pt x="2150" y="9805"/>
-                    <a:pt x="5978" y="5978"/>
-                  </a:cubicBezTo>
-                  <a:cubicBezTo>
-                    <a:pt x="9805" y="2150"/>
-                    <a:pt x="14996" y="0"/>
-                    <a:pt x="20409" y="0"/>
-                  </a:cubicBezTo>
-                  <a:close/>
-                </a:path>
-              </a:pathLst>
-            </a:custGeom>
-            <a:solidFill>
-              <a:srgbClr val="FF914D"/>
-            </a:solidFill>
-            <a:ln w="85725" cap="rnd">
-              <a:solidFill>
-                <a:srgbClr val="000000"/>
-              </a:solidFill>
-              <a:prstDash val="solid"/>
-              <a:round/>
-            </a:ln>
-          </p:spPr>
-        </p:sp>
-        <p:sp>
-          <p:nvSpPr>
-            <p:cNvPr name="TextBox 8" id="8"/>
-            <p:cNvSpPr txBox="true"/>
-            <p:nvPr/>
-          </p:nvSpPr>
-          <p:spPr>
-            <a:xfrm>
-              <a:off x="0" y="-38100"/>
-              <a:ext cx="5095428" cy="254572"/>
-            </a:xfrm>
-            <a:prstGeom prst="rect">
-              <a:avLst/>
-            </a:prstGeom>
-          </p:spPr>
-          <p:txBody>
-            <a:bodyPr anchor="ctr" rtlCol="false" tIns="50800" lIns="50800" bIns="50800" rIns="50800"/>
-            <a:lstStyle/>
-            <a:p>
-              <a:pPr algn="ctr">
-                <a:lnSpc>
-                  <a:spcPts val="2659"/>
-                </a:lnSpc>
-                <a:spcBef>
-                  <a:spcPct val="0"/>
-                </a:spcBef>
-              </a:pPr>
-            </a:p>
-          </p:txBody>
-        </p:sp>
-      </p:grpSp>
-      <p:sp>
-        <p:nvSpPr>
-          <p:cNvPr name="Freeform 9" id="9"/>
-          <p:cNvSpPr/>
-          <p:nvPr/>
-        </p:nvSpPr>
-        <p:spPr>
-          <a:xfrm flipH="true" flipV="false" rot="0">
-            <a:off x="17259300" y="3085173"/>
-            <a:ext cx="4518707" cy="3939865"/>
-          </a:xfrm>
-          <a:custGeom>
-            <a:avLst/>
-            <a:gdLst/>
-            <a:ahLst/>
-            <a:cxnLst/>
-            <a:rect r="r" b="b" t="t" l="l"/>
-            <a:pathLst>
-              <a:path h="3939865" w="4518707">
-                <a:moveTo>
-                  <a:pt x="4518707" y="0"/>
-                </a:moveTo>
-                <a:lnTo>
-                  <a:pt x="0" y="0"/>
-                </a:lnTo>
-                <a:lnTo>
-                  <a:pt x="0" y="3939864"/>
-                </a:lnTo>
-                <a:lnTo>
-                  <a:pt x="4518707" y="3939864"/>
-                </a:lnTo>
-                <a:lnTo>
-                  <a:pt x="4518707" y="0"/>
-                </a:lnTo>
-                <a:close/>
-              </a:path>
-            </a:pathLst>
-          </a:custGeom>
-          <a:blipFill>
-            <a:blip r:embed="rId2">
-              <a:extLst>
-                <a:ext uri="{96DAC541-7B7A-43D3-8B79-37D633B846F1}">
-                  <asvg:svgBlip xmlns:asvg="http://schemas.microsoft.com/office/drawing/2016/SVG/main" r:embed="rId3"/>
-                </a:ext>
-              </a:extLst>
-            </a:blip>
-            <a:stretch>
-              <a:fillRect l="0" t="0" r="0" b="0"/>
-            </a:stretch>
-          </a:blipFill>
-        </p:spPr>
-      </p:sp>
-      <p:sp>
-        <p:nvSpPr>
-          <p:cNvPr name="Freeform 10" id="10"/>
-          <p:cNvSpPr/>
-          <p:nvPr/>
-        </p:nvSpPr>
-        <p:spPr>
-          <a:xfrm flipH="false" flipV="false" rot="0">
-            <a:off x="-3486583" y="3085173"/>
-            <a:ext cx="4518707" cy="3939865"/>
-          </a:xfrm>
-          <a:custGeom>
-            <a:avLst/>
-            <a:gdLst/>
-            <a:ahLst/>
-            <a:cxnLst/>
-            <a:rect r="r" b="b" t="t" l="l"/>
-            <a:pathLst>
-              <a:path h="3939865" w="4518707">
-                <a:moveTo>
-                  <a:pt x="0" y="0"/>
-                </a:moveTo>
-                <a:lnTo>
-                  <a:pt x="4518707" y="0"/>
-                </a:lnTo>
-                <a:lnTo>
-                  <a:pt x="4518707" y="3939864"/>
-                </a:lnTo>
-                <a:lnTo>
-                  <a:pt x="0" y="3939864"/>
-                </a:lnTo>
-                <a:lnTo>
-                  <a:pt x="0" y="0"/>
-                </a:lnTo>
-                <a:close/>
-              </a:path>
-            </a:pathLst>
-          </a:custGeom>
-          <a:blipFill>
-            <a:blip r:embed="rId2">
-              <a:extLst>
-                <a:ext uri="{96DAC541-7B7A-43D3-8B79-37D633B846F1}">
-                  <asvg:svgBlip xmlns:asvg="http://schemas.microsoft.com/office/drawing/2016/SVG/main" r:embed="rId3"/>
-                </a:ext>
-              </a:extLst>
-            </a:blip>
-            <a:stretch>
-              <a:fillRect l="0" t="0" r="0" b="0"/>
-            </a:stretch>
-          </a:blipFill>
-        </p:spPr>
-      </p:sp>
-      <p:grpSp>
-        <p:nvGrpSpPr>
-          <p:cNvPr name="Group 11" id="11"/>
-          <p:cNvGrpSpPr/>
-          <p:nvPr/>
-        </p:nvGrpSpPr>
-        <p:grpSpPr>
-          <a:xfrm rot="0">
-            <a:off x="488343" y="-989670"/>
-            <a:ext cx="1080715" cy="2956684"/>
-            <a:chOff x="0" y="0"/>
-            <a:chExt cx="284633" cy="778715"/>
-          </a:xfrm>
-        </p:grpSpPr>
-        <p:sp>
-          <p:nvSpPr>
-            <p:cNvPr name="Freeform 12" id="12"/>
-            <p:cNvSpPr/>
-            <p:nvPr/>
-          </p:nvSpPr>
-          <p:spPr>
-            <a:xfrm flipH="false" flipV="false" rot="0">
-              <a:off x="0" y="0"/>
-              <a:ext cx="284633" cy="778715"/>
-            </a:xfrm>
-            <a:custGeom>
-              <a:avLst/>
-              <a:gdLst/>
-              <a:ahLst/>
-              <a:cxnLst/>
-              <a:rect r="r" b="b" t="t" l="l"/>
-              <a:pathLst>
-                <a:path h="778715" w="284633">
-                  <a:moveTo>
-                    <a:pt x="142316" y="0"/>
-                  </a:moveTo>
-                  <a:lnTo>
-                    <a:pt x="142316" y="0"/>
-                  </a:lnTo>
-                  <a:cubicBezTo>
-                    <a:pt x="220916" y="0"/>
-                    <a:pt x="284633" y="63717"/>
-                    <a:pt x="284633" y="142316"/>
-                  </a:cubicBezTo>
-                  <a:lnTo>
-                    <a:pt x="284633" y="636399"/>
-                  </a:lnTo>
-                  <a:cubicBezTo>
-                    <a:pt x="284633" y="714998"/>
-                    <a:pt x="220916" y="778715"/>
-                    <a:pt x="142316" y="778715"/>
-                  </a:cubicBezTo>
-                  <a:lnTo>
-                    <a:pt x="142316" y="778715"/>
-                  </a:lnTo>
-                  <a:cubicBezTo>
-                    <a:pt x="63717" y="778715"/>
-                    <a:pt x="0" y="714998"/>
-                    <a:pt x="0" y="636399"/>
-                  </a:cubicBezTo>
-                  <a:lnTo>
-                    <a:pt x="0" y="142316"/>
-                  </a:lnTo>
-                  <a:cubicBezTo>
-                    <a:pt x="0" y="63717"/>
-                    <a:pt x="63717" y="0"/>
-                    <a:pt x="142316" y="0"/>
-                  </a:cubicBezTo>
-                  <a:close/>
-                </a:path>
-              </a:pathLst>
-            </a:custGeom>
-            <a:solidFill>
-              <a:srgbClr val="FF914D"/>
-            </a:solidFill>
-          </p:spPr>
-        </p:sp>
-        <p:sp>
-          <p:nvSpPr>
-            <p:cNvPr name="TextBox 13" id="13"/>
-            <p:cNvSpPr txBox="true"/>
-            <p:nvPr/>
-          </p:nvSpPr>
-          <p:spPr>
-            <a:xfrm>
-              <a:off x="0" y="-38100"/>
-              <a:ext cx="284633" cy="816815"/>
-            </a:xfrm>
-            <a:prstGeom prst="rect">
-              <a:avLst/>
-            </a:prstGeom>
-          </p:spPr>
-          <p:txBody>
-            <a:bodyPr anchor="ctr" rtlCol="false" tIns="50800" lIns="50800" bIns="50800" rIns="50800"/>
-            <a:lstStyle/>
-            <a:p>
-              <a:pPr algn="ctr">
-                <a:lnSpc>
-                  <a:spcPts val="2659"/>
-                </a:lnSpc>
-                <a:spcBef>
-                  <a:spcPct val="0"/>
-                </a:spcBef>
-              </a:pPr>
+              <a:endParaRPr/>
             </a:p>
           </p:txBody>
         </p:sp>
@@ -5914,7 +5318,7 @@
 </file>
 
 <file path=ppt/slides/slide2.xml><?xml version="1.0" encoding="utf-8"?>
-<p:sld xmlns:p="http://schemas.openxmlformats.org/presentationml/2006/main" xmlns:a="http://schemas.openxmlformats.org/drawingml/2006/main" xmlns:r="http://schemas.openxmlformats.org/officeDocument/2006/relationships">
+<p:sld xmlns:a="http://schemas.openxmlformats.org/drawingml/2006/main" xmlns:r="http://schemas.openxmlformats.org/officeDocument/2006/relationships" xmlns:p="http://schemas.openxmlformats.org/presentationml/2006/main">
   <p:cSld>
     <p:spTree>
       <p:nvGrpSpPr>
@@ -5932,12 +5336,12 @@
       </p:grpSpPr>
       <p:grpSp>
         <p:nvGrpSpPr>
-          <p:cNvPr name="Group 2" id="2"/>
+          <p:cNvPr id="2" name="Group 2"/>
           <p:cNvGrpSpPr/>
           <p:nvPr/>
         </p:nvGrpSpPr>
         <p:grpSpPr>
-          <a:xfrm rot="0">
+          <a:xfrm>
             <a:off x="16718943" y="-989670"/>
             <a:ext cx="1080715" cy="2956684"/>
             <a:chOff x="0" y="0"/>
@@ -5946,12 +5350,12 @@
         </p:grpSpPr>
         <p:sp>
           <p:nvSpPr>
-            <p:cNvPr name="Freeform 3" id="3"/>
+            <p:cNvPr id="3" name="Freeform 3"/>
             <p:cNvSpPr/>
             <p:nvPr/>
           </p:nvSpPr>
           <p:spPr>
-            <a:xfrm flipH="false" flipV="false" rot="0">
+            <a:xfrm>
               <a:off x="0" y="0"/>
               <a:ext cx="284633" cy="778715"/>
             </a:xfrm>
@@ -5960,9 +5364,9 @@
               <a:gdLst/>
               <a:ahLst/>
               <a:cxnLst/>
-              <a:rect r="r" b="b" t="t" l="l"/>
+              <a:rect l="l" t="t" r="r" b="b"/>
               <a:pathLst>
-                <a:path h="778715" w="284633">
+                <a:path w="284633" h="778715">
                   <a:moveTo>
                     <a:pt x="142316" y="0"/>
                   </a:moveTo>
@@ -6009,8 +5413,8 @@
         </p:sp>
         <p:sp>
           <p:nvSpPr>
-            <p:cNvPr name="TextBox 4" id="4"/>
-            <p:cNvSpPr txBox="true"/>
+            <p:cNvPr id="4" name="TextBox 4"/>
+            <p:cNvSpPr txBox="1"/>
             <p:nvPr/>
           </p:nvSpPr>
           <p:spPr>
@@ -6023,7 +5427,7 @@
             </a:prstGeom>
           </p:spPr>
           <p:txBody>
-            <a:bodyPr anchor="ctr" rtlCol="false" tIns="50800" lIns="50800" bIns="50800" rIns="50800"/>
+            <a:bodyPr lIns="50800" tIns="50800" rIns="50800" bIns="50800" rtlCol="0" anchor="ctr"/>
             <a:lstStyle/>
             <a:p>
               <a:pPr algn="ctr">
@@ -6034,18 +5438,19 @@
                   <a:spcPct val="0"/>
                 </a:spcBef>
               </a:pPr>
+              <a:endParaRPr/>
             </a:p>
           </p:txBody>
         </p:sp>
       </p:grpSp>
       <p:grpSp>
         <p:nvGrpSpPr>
-          <p:cNvPr name="Group 5" id="5"/>
+          <p:cNvPr id="5" name="Group 5"/>
           <p:cNvGrpSpPr/>
           <p:nvPr/>
         </p:nvGrpSpPr>
         <p:grpSpPr>
-          <a:xfrm rot="0">
+          <a:xfrm>
             <a:off x="-529352" y="9803843"/>
             <a:ext cx="19346704" cy="821917"/>
             <a:chOff x="0" y="0"/>
@@ -6054,12 +5459,12 @@
         </p:grpSpPr>
         <p:sp>
           <p:nvSpPr>
-            <p:cNvPr name="Freeform 6" id="6"/>
+            <p:cNvPr id="6" name="Freeform 6"/>
             <p:cNvSpPr/>
             <p:nvPr/>
           </p:nvSpPr>
           <p:spPr>
-            <a:xfrm flipH="false" flipV="false" rot="0">
+            <a:xfrm>
               <a:off x="0" y="0"/>
               <a:ext cx="5095428" cy="216472"/>
             </a:xfrm>
@@ -6068,9 +5473,9 @@
               <a:gdLst/>
               <a:ahLst/>
               <a:cxnLst/>
-              <a:rect r="r" b="b" t="t" l="l"/>
+              <a:rect l="l" t="t" r="r" b="b"/>
               <a:pathLst>
-                <a:path h="216472" w="5095428">
+                <a:path w="5095428" h="216472">
                   <a:moveTo>
                     <a:pt x="20409" y="0"/>
                   </a:moveTo>
@@ -6139,8 +5544,8 @@
         </p:sp>
         <p:sp>
           <p:nvSpPr>
-            <p:cNvPr name="TextBox 7" id="7"/>
-            <p:cNvSpPr txBox="true"/>
+            <p:cNvPr id="7" name="TextBox 7"/>
+            <p:cNvSpPr txBox="1"/>
             <p:nvPr/>
           </p:nvSpPr>
           <p:spPr>
@@ -6153,7 +5558,7 @@
             </a:prstGeom>
           </p:spPr>
           <p:txBody>
-            <a:bodyPr anchor="ctr" rtlCol="false" tIns="50800" lIns="50800" bIns="50800" rIns="50800"/>
+            <a:bodyPr lIns="50800" tIns="50800" rIns="50800" bIns="50800" rtlCol="0" anchor="ctr"/>
             <a:lstStyle/>
             <a:p>
               <a:pPr algn="ctr">
@@ -6164,18 +5569,19 @@
                   <a:spcPct val="0"/>
                 </a:spcBef>
               </a:pPr>
+              <a:endParaRPr/>
             </a:p>
           </p:txBody>
         </p:sp>
       </p:grpSp>
       <p:sp>
         <p:nvSpPr>
-          <p:cNvPr name="Freeform 8" id="8"/>
+          <p:cNvPr id="8" name="Freeform 8"/>
           <p:cNvSpPr/>
           <p:nvPr/>
         </p:nvSpPr>
         <p:spPr>
-          <a:xfrm flipH="true" flipV="false" rot="0">
+          <a:xfrm flipH="1">
             <a:off x="17259300" y="3085173"/>
             <a:ext cx="4518707" cy="3939865"/>
           </a:xfrm>
@@ -6184,9 +5590,9 @@
             <a:gdLst/>
             <a:ahLst/>
             <a:cxnLst/>
-            <a:rect r="r" b="b" t="t" l="l"/>
+            <a:rect l="l" t="t" r="r" b="b"/>
             <a:pathLst>
-              <a:path h="3939865" w="4518707">
+              <a:path w="4518707" h="3939865">
                 <a:moveTo>
                   <a:pt x="4518707" y="0"/>
                 </a:moveTo>
@@ -6215,19 +5621,19 @@
               </a:extLst>
             </a:blip>
             <a:stretch>
-              <a:fillRect l="0" t="0" r="0" b="0"/>
+              <a:fillRect/>
             </a:stretch>
           </a:blipFill>
         </p:spPr>
       </p:sp>
       <p:sp>
         <p:nvSpPr>
-          <p:cNvPr name="Freeform 9" id="9"/>
+          <p:cNvPr id="9" name="Freeform 9"/>
           <p:cNvSpPr/>
           <p:nvPr/>
         </p:nvSpPr>
         <p:spPr>
-          <a:xfrm flipH="false" flipV="false" rot="0">
+          <a:xfrm>
             <a:off x="-3486583" y="3085173"/>
             <a:ext cx="4518707" cy="3939865"/>
           </a:xfrm>
@@ -6236,9 +5642,9 @@
             <a:gdLst/>
             <a:ahLst/>
             <a:cxnLst/>
-            <a:rect r="r" b="b" t="t" l="l"/>
+            <a:rect l="l" t="t" r="r" b="b"/>
             <a:pathLst>
-              <a:path h="3939865" w="4518707">
+              <a:path w="4518707" h="3939865">
                 <a:moveTo>
                   <a:pt x="0" y="0"/>
                 </a:moveTo>
@@ -6267,19 +5673,19 @@
               </a:extLst>
             </a:blip>
             <a:stretch>
-              <a:fillRect l="0" t="0" r="0" b="0"/>
+              <a:fillRect/>
             </a:stretch>
           </a:blipFill>
         </p:spPr>
       </p:sp>
       <p:grpSp>
         <p:nvGrpSpPr>
-          <p:cNvPr name="Group 10" id="10"/>
+          <p:cNvPr id="10" name="Group 10"/>
           <p:cNvGrpSpPr/>
           <p:nvPr/>
         </p:nvGrpSpPr>
         <p:grpSpPr>
-          <a:xfrm rot="0">
+          <a:xfrm>
             <a:off x="488343" y="-989670"/>
             <a:ext cx="1080715" cy="2956684"/>
             <a:chOff x="0" y="0"/>
@@ -6288,12 +5694,12 @@
         </p:grpSpPr>
         <p:sp>
           <p:nvSpPr>
-            <p:cNvPr name="Freeform 11" id="11"/>
+            <p:cNvPr id="11" name="Freeform 11"/>
             <p:cNvSpPr/>
             <p:nvPr/>
           </p:nvSpPr>
           <p:spPr>
-            <a:xfrm flipH="false" flipV="false" rot="0">
+            <a:xfrm>
               <a:off x="0" y="0"/>
               <a:ext cx="284633" cy="778715"/>
             </a:xfrm>
@@ -6302,9 +5708,9 @@
               <a:gdLst/>
               <a:ahLst/>
               <a:cxnLst/>
-              <a:rect r="r" b="b" t="t" l="l"/>
+              <a:rect l="l" t="t" r="r" b="b"/>
               <a:pathLst>
-                <a:path h="778715" w="284633">
+                <a:path w="284633" h="778715">
                   <a:moveTo>
                     <a:pt x="142316" y="0"/>
                   </a:moveTo>
@@ -6351,8 +5757,8 @@
         </p:sp>
         <p:sp>
           <p:nvSpPr>
-            <p:cNvPr name="TextBox 12" id="12"/>
-            <p:cNvSpPr txBox="true"/>
+            <p:cNvPr id="12" name="TextBox 12"/>
+            <p:cNvSpPr txBox="1"/>
             <p:nvPr/>
           </p:nvSpPr>
           <p:spPr>
@@ -6365,7 +5771,7 @@
             </a:prstGeom>
           </p:spPr>
           <p:txBody>
-            <a:bodyPr anchor="ctr" rtlCol="false" tIns="50800" lIns="50800" bIns="50800" rIns="50800"/>
+            <a:bodyPr lIns="50800" tIns="50800" rIns="50800" bIns="50800" rtlCol="0" anchor="ctr"/>
             <a:lstStyle/>
             <a:p>
               <a:pPr algn="ctr">
@@ -6376,18 +5782,19 @@
                   <a:spcPct val="0"/>
                 </a:spcBef>
               </a:pPr>
+              <a:endParaRPr/>
             </a:p>
           </p:txBody>
         </p:sp>
       </p:grpSp>
       <p:sp>
         <p:nvSpPr>
-          <p:cNvPr name="TextBox 13" id="13"/>
-          <p:cNvSpPr txBox="true"/>
+          <p:cNvPr id="13" name="TextBox 13"/>
+          <p:cNvSpPr txBox="1"/>
           <p:nvPr/>
         </p:nvSpPr>
         <p:spPr>
-          <a:xfrm rot="0">
+          <a:xfrm>
             <a:off x="5904118" y="-95250"/>
             <a:ext cx="5868651" cy="947458"/>
           </a:xfrm>
@@ -6396,7 +5803,7 @@
           </a:prstGeom>
         </p:spPr>
         <p:txBody>
-          <a:bodyPr anchor="t" rtlCol="false" tIns="0" lIns="0" bIns="0" rIns="0">
+          <a:bodyPr lIns="0" tIns="0" rIns="0" bIns="0" rtlCol="0" anchor="t">
             <a:spAutoFit/>
           </a:bodyPr>
           <a:lstStyle/>
@@ -6407,7 +5814,7 @@
               </a:lnSpc>
             </a:pPr>
             <a:r>
-              <a:rPr lang="en-US" b="true" sz="5631">
+              <a:rPr lang="en-US" sz="5631" b="1">
                 <a:solidFill>
                   <a:srgbClr val="000000"/>
                 </a:solidFill>
@@ -6423,12 +5830,12 @@
       </p:sp>
       <p:sp>
         <p:nvSpPr>
-          <p:cNvPr name="TextBox 14" id="14"/>
-          <p:cNvSpPr txBox="true"/>
+          <p:cNvPr id="14" name="TextBox 14"/>
+          <p:cNvSpPr txBox="1"/>
           <p:nvPr/>
         </p:nvSpPr>
         <p:spPr>
-          <a:xfrm rot="0">
+          <a:xfrm>
             <a:off x="1422997" y="2708239"/>
             <a:ext cx="15445430" cy="5530596"/>
           </a:xfrm>
@@ -6437,7 +5844,7 @@
           </a:prstGeom>
         </p:spPr>
         <p:txBody>
-          <a:bodyPr anchor="t" rtlCol="false" tIns="0" lIns="0" bIns="0" rIns="0">
+          <a:bodyPr lIns="0" tIns="0" rIns="0" bIns="0" rtlCol="0" anchor="t">
             <a:spAutoFit/>
           </a:bodyPr>
           <a:lstStyle/>
@@ -6466,6 +5873,15 @@
                 <a:spcPts val="6372"/>
               </a:lnSpc>
             </a:pPr>
+            <a:endParaRPr lang="en-US" sz="3600">
+              <a:solidFill>
+                <a:srgbClr val="000000"/>
+              </a:solidFill>
+              <a:latin typeface="Century Gothic Paneuropean"/>
+              <a:ea typeface="Century Gothic Paneuropean"/>
+              <a:cs typeface="Century Gothic Paneuropean"/>
+              <a:sym typeface="Century Gothic Paneuropean"/>
+            </a:endParaRPr>
           </a:p>
         </p:txBody>
       </p:sp>
@@ -6478,7 +5894,7 @@
 </file>
 
 <file path=ppt/slides/slide3.xml><?xml version="1.0" encoding="utf-8"?>
-<p:sld xmlns:p="http://schemas.openxmlformats.org/presentationml/2006/main" xmlns:a="http://schemas.openxmlformats.org/drawingml/2006/main" xmlns:r="http://schemas.openxmlformats.org/officeDocument/2006/relationships">
+<p:sld xmlns:a="http://schemas.openxmlformats.org/drawingml/2006/main" xmlns:r="http://schemas.openxmlformats.org/officeDocument/2006/relationships" xmlns:p="http://schemas.openxmlformats.org/presentationml/2006/main">
   <p:cSld>
     <p:spTree>
       <p:nvGrpSpPr>
@@ -6496,12 +5912,12 @@
       </p:grpSpPr>
       <p:sp>
         <p:nvSpPr>
-          <p:cNvPr name="TextBox 2" id="2"/>
-          <p:cNvSpPr txBox="true"/>
+          <p:cNvPr id="2" name="TextBox 2"/>
+          <p:cNvSpPr txBox="1"/>
           <p:nvPr/>
         </p:nvSpPr>
         <p:spPr>
-          <a:xfrm rot="0">
+          <a:xfrm>
             <a:off x="5963551" y="-95250"/>
             <a:ext cx="5437500" cy="886753"/>
           </a:xfrm>
@@ -6510,7 +5926,7 @@
           </a:prstGeom>
         </p:spPr>
         <p:txBody>
-          <a:bodyPr anchor="t" rtlCol="false" tIns="0" lIns="0" bIns="0" rIns="0">
+          <a:bodyPr lIns="0" tIns="0" rIns="0" bIns="0" rtlCol="0" anchor="t">
             <a:spAutoFit/>
           </a:bodyPr>
           <a:lstStyle/>
@@ -6521,7 +5937,7 @@
               </a:lnSpc>
             </a:pPr>
             <a:r>
-              <a:rPr lang="en-US" b="true" sz="5217">
+              <a:rPr lang="en-US" sz="5217" b="1">
                 <a:solidFill>
                   <a:srgbClr val="000000"/>
                 </a:solidFill>
@@ -6537,12 +5953,12 @@
       </p:sp>
       <p:sp>
         <p:nvSpPr>
-          <p:cNvPr name="TextBox 3" id="3"/>
-          <p:cNvSpPr txBox="true"/>
+          <p:cNvPr id="3" name="TextBox 3"/>
+          <p:cNvSpPr txBox="1"/>
           <p:nvPr/>
         </p:nvSpPr>
         <p:spPr>
-          <a:xfrm rot="0">
+          <a:xfrm>
             <a:off x="2668995" y="988797"/>
             <a:ext cx="12026612" cy="1889760"/>
           </a:xfrm>
@@ -6551,7 +5967,7 @@
           </a:prstGeom>
         </p:spPr>
         <p:txBody>
-          <a:bodyPr anchor="t" rtlCol="false" tIns="0" lIns="0" bIns="0" rIns="0">
+          <a:bodyPr lIns="0" tIns="0" rIns="0" bIns="0" rtlCol="0" anchor="t">
             <a:spAutoFit/>
           </a:bodyPr>
           <a:lstStyle/>
@@ -6578,26 +5994,26 @@
       </p:sp>
       <p:sp>
         <p:nvSpPr>
-          <p:cNvPr name="TextBox 4" id="4"/>
-          <p:cNvSpPr txBox="true"/>
+          <p:cNvPr id="4" name="TextBox 4"/>
+          <p:cNvSpPr txBox="1"/>
           <p:nvPr/>
         </p:nvSpPr>
         <p:spPr>
-          <a:xfrm rot="0">
+          <a:xfrm>
             <a:off x="2051939" y="4988430"/>
-            <a:ext cx="12026612" cy="2527935"/>
+            <a:ext cx="12026612" cy="2523511"/>
           </a:xfrm>
           <a:prstGeom prst="rect">
             <a:avLst/>
           </a:prstGeom>
         </p:spPr>
         <p:txBody>
-          <a:bodyPr anchor="t" rtlCol="false" tIns="0" lIns="0" bIns="0" rIns="0">
+          <a:bodyPr lIns="0" tIns="0" rIns="0" bIns="0" rtlCol="0" anchor="t">
             <a:spAutoFit/>
           </a:bodyPr>
           <a:lstStyle/>
           <a:p>
-            <a:pPr algn="just" marL="777240" indent="-388620" lvl="1">
+            <a:pPr marL="777240" lvl="1" indent="-388620" algn="just">
               <a:lnSpc>
                 <a:spcPts val="5040"/>
               </a:lnSpc>
@@ -6605,7 +6021,7 @@
               <a:buChar char="•"/>
             </a:pPr>
             <a:r>
-              <a:rPr lang="en-US" sz="3600">
+              <a:rPr lang="en-US" sz="3600" dirty="0">
                 <a:solidFill>
                   <a:srgbClr val="000000"/>
                 </a:solidFill>
@@ -6618,7 +6034,7 @@
             </a:r>
           </a:p>
           <a:p>
-            <a:pPr algn="just" marL="777240" indent="-388620" lvl="1">
+            <a:pPr marL="777240" lvl="1" indent="-388620" algn="just">
               <a:lnSpc>
                 <a:spcPts val="5040"/>
               </a:lnSpc>
@@ -6626,7 +6042,7 @@
               <a:buChar char="•"/>
             </a:pPr>
             <a:r>
-              <a:rPr lang="en-US" sz="3600">
+              <a:rPr lang="en-US" sz="3600" dirty="0">
                 <a:solidFill>
                   <a:srgbClr val="000000"/>
                 </a:solidFill>
@@ -6639,7 +6055,7 @@
             </a:r>
           </a:p>
           <a:p>
-            <a:pPr algn="just" marL="777240" indent="-388620" lvl="1">
+            <a:pPr marL="777240" lvl="1" indent="-388620" algn="just">
               <a:lnSpc>
                 <a:spcPts val="5040"/>
               </a:lnSpc>
@@ -6647,7 +6063,7 @@
               <a:buChar char="•"/>
             </a:pPr>
             <a:r>
-              <a:rPr lang="en-US" sz="3600">
+              <a:rPr lang="en-US" sz="3600" dirty="0">
                 <a:solidFill>
                   <a:srgbClr val="000000"/>
                 </a:solidFill>
@@ -6660,13 +6076,15 @@
             </a:r>
           </a:p>
           <a:p>
-            <a:pPr algn="just">
+            <a:pPr marL="777240" lvl="1" indent="-388620" algn="just">
               <a:lnSpc>
                 <a:spcPts val="5040"/>
               </a:lnSpc>
+              <a:buFont typeface="Arial"/>
+              <a:buChar char="•"/>
             </a:pPr>
             <a:r>
-              <a:rPr lang="en-US" sz="3600">
+              <a:rPr lang="en-US" sz="3600" dirty="0">
                 <a:solidFill>
                   <a:srgbClr val="000000"/>
                 </a:solidFill>
@@ -6682,12 +6100,12 @@
       </p:sp>
       <p:grpSp>
         <p:nvGrpSpPr>
-          <p:cNvPr name="Group 5" id="5"/>
+          <p:cNvPr id="5" name="Group 5"/>
           <p:cNvGrpSpPr/>
           <p:nvPr/>
         </p:nvGrpSpPr>
         <p:grpSpPr>
-          <a:xfrm rot="0">
+          <a:xfrm>
             <a:off x="16718943" y="-989670"/>
             <a:ext cx="1080715" cy="2956684"/>
             <a:chOff x="0" y="0"/>
@@ -6696,12 +6114,12 @@
         </p:grpSpPr>
         <p:sp>
           <p:nvSpPr>
-            <p:cNvPr name="Freeform 6" id="6"/>
+            <p:cNvPr id="6" name="Freeform 6"/>
             <p:cNvSpPr/>
             <p:nvPr/>
           </p:nvSpPr>
           <p:spPr>
-            <a:xfrm flipH="false" flipV="false" rot="0">
+            <a:xfrm>
               <a:off x="0" y="0"/>
               <a:ext cx="284633" cy="778715"/>
             </a:xfrm>
@@ -6710,9 +6128,9 @@
               <a:gdLst/>
               <a:ahLst/>
               <a:cxnLst/>
-              <a:rect r="r" b="b" t="t" l="l"/>
+              <a:rect l="l" t="t" r="r" b="b"/>
               <a:pathLst>
-                <a:path h="778715" w="284633">
+                <a:path w="284633" h="778715">
                   <a:moveTo>
                     <a:pt x="142316" y="0"/>
                   </a:moveTo>
@@ -6759,8 +6177,8 @@
         </p:sp>
         <p:sp>
           <p:nvSpPr>
-            <p:cNvPr name="TextBox 7" id="7"/>
-            <p:cNvSpPr txBox="true"/>
+            <p:cNvPr id="7" name="TextBox 7"/>
+            <p:cNvSpPr txBox="1"/>
             <p:nvPr/>
           </p:nvSpPr>
           <p:spPr>
@@ -6773,7 +6191,7 @@
             </a:prstGeom>
           </p:spPr>
           <p:txBody>
-            <a:bodyPr anchor="ctr" rtlCol="false" tIns="50800" lIns="50800" bIns="50800" rIns="50800"/>
+            <a:bodyPr lIns="50800" tIns="50800" rIns="50800" bIns="50800" rtlCol="0" anchor="ctr"/>
             <a:lstStyle/>
             <a:p>
               <a:pPr algn="ctr">
@@ -6784,18 +6202,19 @@
                   <a:spcPct val="0"/>
                 </a:spcBef>
               </a:pPr>
+              <a:endParaRPr/>
             </a:p>
           </p:txBody>
         </p:sp>
       </p:grpSp>
       <p:grpSp>
         <p:nvGrpSpPr>
-          <p:cNvPr name="Group 8" id="8"/>
+          <p:cNvPr id="8" name="Group 8"/>
           <p:cNvGrpSpPr/>
           <p:nvPr/>
         </p:nvGrpSpPr>
         <p:grpSpPr>
-          <a:xfrm rot="0">
+          <a:xfrm>
             <a:off x="-529352" y="9803843"/>
             <a:ext cx="19346704" cy="821917"/>
             <a:chOff x="0" y="0"/>
@@ -6804,12 +6223,12 @@
         </p:grpSpPr>
         <p:sp>
           <p:nvSpPr>
-            <p:cNvPr name="Freeform 9" id="9"/>
+            <p:cNvPr id="9" name="Freeform 9"/>
             <p:cNvSpPr/>
             <p:nvPr/>
           </p:nvSpPr>
           <p:spPr>
-            <a:xfrm flipH="false" flipV="false" rot="0">
+            <a:xfrm>
               <a:off x="0" y="0"/>
               <a:ext cx="5095428" cy="216472"/>
             </a:xfrm>
@@ -6818,9 +6237,9 @@
               <a:gdLst/>
               <a:ahLst/>
               <a:cxnLst/>
-              <a:rect r="r" b="b" t="t" l="l"/>
+              <a:rect l="l" t="t" r="r" b="b"/>
               <a:pathLst>
-                <a:path h="216472" w="5095428">
+                <a:path w="5095428" h="216472">
                   <a:moveTo>
                     <a:pt x="20409" y="0"/>
                   </a:moveTo>
@@ -6889,8 +6308,8 @@
         </p:sp>
         <p:sp>
           <p:nvSpPr>
-            <p:cNvPr name="TextBox 10" id="10"/>
-            <p:cNvSpPr txBox="true"/>
+            <p:cNvPr id="10" name="TextBox 10"/>
+            <p:cNvSpPr txBox="1"/>
             <p:nvPr/>
           </p:nvSpPr>
           <p:spPr>
@@ -6903,7 +6322,7 @@
             </a:prstGeom>
           </p:spPr>
           <p:txBody>
-            <a:bodyPr anchor="ctr" rtlCol="false" tIns="50800" lIns="50800" bIns="50800" rIns="50800"/>
+            <a:bodyPr lIns="50800" tIns="50800" rIns="50800" bIns="50800" rtlCol="0" anchor="ctr"/>
             <a:lstStyle/>
             <a:p>
               <a:pPr algn="ctr">
@@ -6914,18 +6333,19 @@
                   <a:spcPct val="0"/>
                 </a:spcBef>
               </a:pPr>
+              <a:endParaRPr/>
             </a:p>
           </p:txBody>
         </p:sp>
       </p:grpSp>
       <p:sp>
         <p:nvSpPr>
-          <p:cNvPr name="Freeform 11" id="11"/>
+          <p:cNvPr id="11" name="Freeform 11"/>
           <p:cNvSpPr/>
           <p:nvPr/>
         </p:nvSpPr>
         <p:spPr>
-          <a:xfrm flipH="true" flipV="false" rot="0">
+          <a:xfrm flipH="1">
             <a:off x="17259300" y="3085173"/>
             <a:ext cx="4518707" cy="3939865"/>
           </a:xfrm>
@@ -6934,9 +6354,9 @@
             <a:gdLst/>
             <a:ahLst/>
             <a:cxnLst/>
-            <a:rect r="r" b="b" t="t" l="l"/>
+            <a:rect l="l" t="t" r="r" b="b"/>
             <a:pathLst>
-              <a:path h="3939865" w="4518707">
+              <a:path w="4518707" h="3939865">
                 <a:moveTo>
                   <a:pt x="4518707" y="0"/>
                 </a:moveTo>
@@ -6965,19 +6385,19 @@
               </a:extLst>
             </a:blip>
             <a:stretch>
-              <a:fillRect l="0" t="0" r="0" b="0"/>
+              <a:fillRect/>
             </a:stretch>
           </a:blipFill>
         </p:spPr>
       </p:sp>
       <p:sp>
         <p:nvSpPr>
-          <p:cNvPr name="Freeform 12" id="12"/>
+          <p:cNvPr id="12" name="Freeform 12"/>
           <p:cNvSpPr/>
           <p:nvPr/>
         </p:nvSpPr>
         <p:spPr>
-          <a:xfrm flipH="false" flipV="false" rot="0">
+          <a:xfrm>
             <a:off x="-3486583" y="3085173"/>
             <a:ext cx="4518707" cy="3939865"/>
           </a:xfrm>
@@ -6986,9 +6406,9 @@
             <a:gdLst/>
             <a:ahLst/>
             <a:cxnLst/>
-            <a:rect r="r" b="b" t="t" l="l"/>
+            <a:rect l="l" t="t" r="r" b="b"/>
             <a:pathLst>
-              <a:path h="3939865" w="4518707">
+              <a:path w="4518707" h="3939865">
                 <a:moveTo>
                   <a:pt x="0" y="0"/>
                 </a:moveTo>
@@ -7017,19 +6437,19 @@
               </a:extLst>
             </a:blip>
             <a:stretch>
-              <a:fillRect l="0" t="0" r="0" b="0"/>
+              <a:fillRect/>
             </a:stretch>
           </a:blipFill>
         </p:spPr>
       </p:sp>
       <p:grpSp>
         <p:nvGrpSpPr>
-          <p:cNvPr name="Group 13" id="13"/>
+          <p:cNvPr id="13" name="Group 13"/>
           <p:cNvGrpSpPr/>
           <p:nvPr/>
         </p:nvGrpSpPr>
         <p:grpSpPr>
-          <a:xfrm rot="0">
+          <a:xfrm>
             <a:off x="488343" y="-989670"/>
             <a:ext cx="1080715" cy="2956684"/>
             <a:chOff x="0" y="0"/>
@@ -7038,12 +6458,12 @@
         </p:grpSpPr>
         <p:sp>
           <p:nvSpPr>
-            <p:cNvPr name="Freeform 14" id="14"/>
+            <p:cNvPr id="14" name="Freeform 14"/>
             <p:cNvSpPr/>
             <p:nvPr/>
           </p:nvSpPr>
           <p:spPr>
-            <a:xfrm flipH="false" flipV="false" rot="0">
+            <a:xfrm>
               <a:off x="0" y="0"/>
               <a:ext cx="284633" cy="778715"/>
             </a:xfrm>
@@ -7052,9 +6472,9 @@
               <a:gdLst/>
               <a:ahLst/>
               <a:cxnLst/>
-              <a:rect r="r" b="b" t="t" l="l"/>
+              <a:rect l="l" t="t" r="r" b="b"/>
               <a:pathLst>
-                <a:path h="778715" w="284633">
+                <a:path w="284633" h="778715">
                   <a:moveTo>
                     <a:pt x="142316" y="0"/>
                   </a:moveTo>
@@ -7101,8 +6521,8 @@
         </p:sp>
         <p:sp>
           <p:nvSpPr>
-            <p:cNvPr name="TextBox 15" id="15"/>
-            <p:cNvSpPr txBox="true"/>
+            <p:cNvPr id="15" name="TextBox 15"/>
+            <p:cNvSpPr txBox="1"/>
             <p:nvPr/>
           </p:nvSpPr>
           <p:spPr>
@@ -7115,7 +6535,7 @@
             </a:prstGeom>
           </p:spPr>
           <p:txBody>
-            <a:bodyPr anchor="ctr" rtlCol="false" tIns="50800" lIns="50800" bIns="50800" rIns="50800"/>
+            <a:bodyPr lIns="50800" tIns="50800" rIns="50800" bIns="50800" rtlCol="0" anchor="ctr"/>
             <a:lstStyle/>
             <a:p>
               <a:pPr algn="ctr">
@@ -7126,18 +6546,19 @@
                   <a:spcPct val="0"/>
                 </a:spcBef>
               </a:pPr>
+              <a:endParaRPr/>
             </a:p>
           </p:txBody>
         </p:sp>
       </p:grpSp>
       <p:sp>
         <p:nvSpPr>
-          <p:cNvPr name="TextBox 16" id="16"/>
-          <p:cNvSpPr txBox="true"/>
+          <p:cNvPr id="16" name="TextBox 16"/>
+          <p:cNvSpPr txBox="1"/>
           <p:nvPr/>
         </p:nvSpPr>
         <p:spPr>
-          <a:xfrm rot="0">
+          <a:xfrm>
             <a:off x="4792577" y="3600126"/>
             <a:ext cx="7779450" cy="886753"/>
           </a:xfrm>
@@ -7146,7 +6567,7 @@
           </a:prstGeom>
         </p:spPr>
         <p:txBody>
-          <a:bodyPr anchor="t" rtlCol="false" tIns="0" lIns="0" bIns="0" rIns="0">
+          <a:bodyPr lIns="0" tIns="0" rIns="0" bIns="0" rtlCol="0" anchor="t">
             <a:spAutoFit/>
           </a:bodyPr>
           <a:lstStyle/>
@@ -7157,7 +6578,7 @@
               </a:lnSpc>
             </a:pPr>
             <a:r>
-              <a:rPr lang="en-US" b="true" sz="5217">
+              <a:rPr lang="en-US" sz="5217" b="1">
                 <a:solidFill>
                   <a:srgbClr val="000000"/>
                 </a:solidFill>
@@ -7180,7 +6601,7 @@
 </file>
 
 <file path=ppt/slides/slide4.xml><?xml version="1.0" encoding="utf-8"?>
-<p:sld xmlns:p="http://schemas.openxmlformats.org/presentationml/2006/main" xmlns:a="http://schemas.openxmlformats.org/drawingml/2006/main" xmlns:r="http://schemas.openxmlformats.org/officeDocument/2006/relationships">
+<p:sld xmlns:a="http://schemas.openxmlformats.org/drawingml/2006/main" xmlns:r="http://schemas.openxmlformats.org/officeDocument/2006/relationships" xmlns:p="http://schemas.openxmlformats.org/presentationml/2006/main">
   <p:cSld>
     <p:spTree>
       <p:nvGrpSpPr>
@@ -7198,12 +6619,12 @@
       </p:grpSpPr>
       <p:sp>
         <p:nvSpPr>
-          <p:cNvPr name="TextBox 2" id="2"/>
-          <p:cNvSpPr txBox="true"/>
+          <p:cNvPr id="2" name="TextBox 2"/>
+          <p:cNvSpPr txBox="1"/>
           <p:nvPr/>
         </p:nvSpPr>
         <p:spPr>
-          <a:xfrm rot="0">
+          <a:xfrm>
             <a:off x="1028700" y="6341113"/>
             <a:ext cx="16434797" cy="3166110"/>
           </a:xfrm>
@@ -7212,7 +6633,7 @@
           </a:prstGeom>
         </p:spPr>
         <p:txBody>
-          <a:bodyPr anchor="t" rtlCol="false" tIns="0" lIns="0" bIns="0" rIns="0">
+          <a:bodyPr lIns="0" tIns="0" rIns="0" bIns="0" rtlCol="0" anchor="t">
             <a:spAutoFit/>
           </a:bodyPr>
           <a:lstStyle/>
@@ -7239,12 +6660,12 @@
       </p:sp>
       <p:grpSp>
         <p:nvGrpSpPr>
-          <p:cNvPr name="Group 3" id="3"/>
+          <p:cNvPr id="3" name="Group 3"/>
           <p:cNvGrpSpPr/>
           <p:nvPr/>
         </p:nvGrpSpPr>
         <p:grpSpPr>
-          <a:xfrm rot="0">
+          <a:xfrm>
             <a:off x="16718943" y="-989670"/>
             <a:ext cx="1080715" cy="2956684"/>
             <a:chOff x="0" y="0"/>
@@ -7253,12 +6674,12 @@
         </p:grpSpPr>
         <p:sp>
           <p:nvSpPr>
-            <p:cNvPr name="Freeform 4" id="4"/>
+            <p:cNvPr id="4" name="Freeform 4"/>
             <p:cNvSpPr/>
             <p:nvPr/>
           </p:nvSpPr>
           <p:spPr>
-            <a:xfrm flipH="false" flipV="false" rot="0">
+            <a:xfrm>
               <a:off x="0" y="0"/>
               <a:ext cx="284633" cy="778715"/>
             </a:xfrm>
@@ -7267,9 +6688,9 @@
               <a:gdLst/>
               <a:ahLst/>
               <a:cxnLst/>
-              <a:rect r="r" b="b" t="t" l="l"/>
+              <a:rect l="l" t="t" r="r" b="b"/>
               <a:pathLst>
-                <a:path h="778715" w="284633">
+                <a:path w="284633" h="778715">
                   <a:moveTo>
                     <a:pt x="142316" y="0"/>
                   </a:moveTo>
@@ -7316,8 +6737,8 @@
         </p:sp>
         <p:sp>
           <p:nvSpPr>
-            <p:cNvPr name="TextBox 5" id="5"/>
-            <p:cNvSpPr txBox="true"/>
+            <p:cNvPr id="5" name="TextBox 5"/>
+            <p:cNvSpPr txBox="1"/>
             <p:nvPr/>
           </p:nvSpPr>
           <p:spPr>
@@ -7330,7 +6751,7 @@
             </a:prstGeom>
           </p:spPr>
           <p:txBody>
-            <a:bodyPr anchor="ctr" rtlCol="false" tIns="50800" lIns="50800" bIns="50800" rIns="50800"/>
+            <a:bodyPr lIns="50800" tIns="50800" rIns="50800" bIns="50800" rtlCol="0" anchor="ctr"/>
             <a:lstStyle/>
             <a:p>
               <a:pPr algn="ctr">
@@ -7341,18 +6762,19 @@
                   <a:spcPct val="0"/>
                 </a:spcBef>
               </a:pPr>
+              <a:endParaRPr/>
             </a:p>
           </p:txBody>
         </p:sp>
       </p:grpSp>
       <p:grpSp>
         <p:nvGrpSpPr>
-          <p:cNvPr name="Group 6" id="6"/>
+          <p:cNvPr id="6" name="Group 6"/>
           <p:cNvGrpSpPr/>
           <p:nvPr/>
         </p:nvGrpSpPr>
         <p:grpSpPr>
-          <a:xfrm rot="0">
+          <a:xfrm>
             <a:off x="-529352" y="9803843"/>
             <a:ext cx="19346704" cy="821917"/>
             <a:chOff x="0" y="0"/>
@@ -7361,12 +6783,12 @@
         </p:grpSpPr>
         <p:sp>
           <p:nvSpPr>
-            <p:cNvPr name="Freeform 7" id="7"/>
+            <p:cNvPr id="7" name="Freeform 7"/>
             <p:cNvSpPr/>
             <p:nvPr/>
           </p:nvSpPr>
           <p:spPr>
-            <a:xfrm flipH="false" flipV="false" rot="0">
+            <a:xfrm>
               <a:off x="0" y="0"/>
               <a:ext cx="5095428" cy="216472"/>
             </a:xfrm>
@@ -7375,9 +6797,9 @@
               <a:gdLst/>
               <a:ahLst/>
               <a:cxnLst/>
-              <a:rect r="r" b="b" t="t" l="l"/>
+              <a:rect l="l" t="t" r="r" b="b"/>
               <a:pathLst>
-                <a:path h="216472" w="5095428">
+                <a:path w="5095428" h="216472">
                   <a:moveTo>
                     <a:pt x="20409" y="0"/>
                   </a:moveTo>
@@ -7446,8 +6868,8 @@
         </p:sp>
         <p:sp>
           <p:nvSpPr>
-            <p:cNvPr name="TextBox 8" id="8"/>
-            <p:cNvSpPr txBox="true"/>
+            <p:cNvPr id="8" name="TextBox 8"/>
+            <p:cNvSpPr txBox="1"/>
             <p:nvPr/>
           </p:nvSpPr>
           <p:spPr>
@@ -7460,7 +6882,7 @@
             </a:prstGeom>
           </p:spPr>
           <p:txBody>
-            <a:bodyPr anchor="ctr" rtlCol="false" tIns="50800" lIns="50800" bIns="50800" rIns="50800"/>
+            <a:bodyPr lIns="50800" tIns="50800" rIns="50800" bIns="50800" rtlCol="0" anchor="ctr"/>
             <a:lstStyle/>
             <a:p>
               <a:pPr algn="ctr">
@@ -7471,18 +6893,19 @@
                   <a:spcPct val="0"/>
                 </a:spcBef>
               </a:pPr>
+              <a:endParaRPr/>
             </a:p>
           </p:txBody>
         </p:sp>
       </p:grpSp>
       <p:sp>
         <p:nvSpPr>
-          <p:cNvPr name="Freeform 9" id="9"/>
+          <p:cNvPr id="9" name="Freeform 9"/>
           <p:cNvSpPr/>
           <p:nvPr/>
         </p:nvSpPr>
         <p:spPr>
-          <a:xfrm flipH="true" flipV="false" rot="0">
+          <a:xfrm flipH="1">
             <a:off x="17259300" y="3085173"/>
             <a:ext cx="4518707" cy="3939865"/>
           </a:xfrm>
@@ -7491,9 +6914,9 @@
             <a:gdLst/>
             <a:ahLst/>
             <a:cxnLst/>
-            <a:rect r="r" b="b" t="t" l="l"/>
+            <a:rect l="l" t="t" r="r" b="b"/>
             <a:pathLst>
-              <a:path h="3939865" w="4518707">
+              <a:path w="4518707" h="3939865">
                 <a:moveTo>
                   <a:pt x="4518707" y="0"/>
                 </a:moveTo>
@@ -7522,19 +6945,19 @@
               </a:extLst>
             </a:blip>
             <a:stretch>
-              <a:fillRect l="0" t="0" r="0" b="0"/>
+              <a:fillRect/>
             </a:stretch>
           </a:blipFill>
         </p:spPr>
       </p:sp>
       <p:sp>
         <p:nvSpPr>
-          <p:cNvPr name="Freeform 10" id="10"/>
+          <p:cNvPr id="10" name="Freeform 10"/>
           <p:cNvSpPr/>
           <p:nvPr/>
         </p:nvSpPr>
         <p:spPr>
-          <a:xfrm flipH="false" flipV="false" rot="0">
+          <a:xfrm>
             <a:off x="-3486583" y="3085173"/>
             <a:ext cx="4518707" cy="3939865"/>
           </a:xfrm>
@@ -7543,9 +6966,9 @@
             <a:gdLst/>
             <a:ahLst/>
             <a:cxnLst/>
-            <a:rect r="r" b="b" t="t" l="l"/>
+            <a:rect l="l" t="t" r="r" b="b"/>
             <a:pathLst>
-              <a:path h="3939865" w="4518707">
+              <a:path w="4518707" h="3939865">
                 <a:moveTo>
                   <a:pt x="0" y="0"/>
                 </a:moveTo>
@@ -7574,19 +6997,19 @@
               </a:extLst>
             </a:blip>
             <a:stretch>
-              <a:fillRect l="0" t="0" r="0" b="0"/>
+              <a:fillRect/>
             </a:stretch>
           </a:blipFill>
         </p:spPr>
       </p:sp>
       <p:grpSp>
         <p:nvGrpSpPr>
-          <p:cNvPr name="Group 11" id="11"/>
+          <p:cNvPr id="11" name="Group 11"/>
           <p:cNvGrpSpPr/>
           <p:nvPr/>
         </p:nvGrpSpPr>
         <p:grpSpPr>
-          <a:xfrm rot="0">
+          <a:xfrm>
             <a:off x="488343" y="-989670"/>
             <a:ext cx="1080715" cy="2956684"/>
             <a:chOff x="0" y="0"/>
@@ -7595,12 +7018,12 @@
         </p:grpSpPr>
         <p:sp>
           <p:nvSpPr>
-            <p:cNvPr name="Freeform 12" id="12"/>
+            <p:cNvPr id="12" name="Freeform 12"/>
             <p:cNvSpPr/>
             <p:nvPr/>
           </p:nvSpPr>
           <p:spPr>
-            <a:xfrm flipH="false" flipV="false" rot="0">
+            <a:xfrm>
               <a:off x="0" y="0"/>
               <a:ext cx="284633" cy="778715"/>
             </a:xfrm>
@@ -7609,9 +7032,9 @@
               <a:gdLst/>
               <a:ahLst/>
               <a:cxnLst/>
-              <a:rect r="r" b="b" t="t" l="l"/>
+              <a:rect l="l" t="t" r="r" b="b"/>
               <a:pathLst>
-                <a:path h="778715" w="284633">
+                <a:path w="284633" h="778715">
                   <a:moveTo>
                     <a:pt x="142316" y="0"/>
                   </a:moveTo>
@@ -7658,8 +7081,8 @@
         </p:sp>
         <p:sp>
           <p:nvSpPr>
-            <p:cNvPr name="TextBox 13" id="13"/>
-            <p:cNvSpPr txBox="true"/>
+            <p:cNvPr id="13" name="TextBox 13"/>
+            <p:cNvSpPr txBox="1"/>
             <p:nvPr/>
           </p:nvSpPr>
           <p:spPr>
@@ -7672,7 +7095,7 @@
             </a:prstGeom>
           </p:spPr>
           <p:txBody>
-            <a:bodyPr anchor="ctr" rtlCol="false" tIns="50800" lIns="50800" bIns="50800" rIns="50800"/>
+            <a:bodyPr lIns="50800" tIns="50800" rIns="50800" bIns="50800" rtlCol="0" anchor="ctr"/>
             <a:lstStyle/>
             <a:p>
               <a:pPr algn="ctr">
@@ -7683,18 +7106,19 @@
                   <a:spcPct val="0"/>
                 </a:spcBef>
               </a:pPr>
+              <a:endParaRPr/>
             </a:p>
           </p:txBody>
         </p:sp>
       </p:grpSp>
       <p:sp>
         <p:nvSpPr>
-          <p:cNvPr name="Freeform 14" id="14"/>
+          <p:cNvPr id="14" name="Freeform 14"/>
           <p:cNvSpPr/>
           <p:nvPr/>
         </p:nvSpPr>
         <p:spPr>
-          <a:xfrm flipH="false" flipV="false" rot="0">
+          <a:xfrm>
             <a:off x="3316768" y="971994"/>
             <a:ext cx="11117531" cy="5311876"/>
           </a:xfrm>
@@ -7703,9 +7127,9 @@
             <a:gdLst/>
             <a:ahLst/>
             <a:cxnLst/>
-            <a:rect r="r" b="b" t="t" l="l"/>
+            <a:rect l="l" t="t" r="r" b="b"/>
             <a:pathLst>
-              <a:path h="5311876" w="11117531">
+              <a:path w="11117531" h="5311876">
                 <a:moveTo>
                   <a:pt x="0" y="0"/>
                 </a:moveTo>
@@ -7728,19 +7152,19 @@
           <a:blipFill>
             <a:blip r:embed="rId4"/>
             <a:stretch>
-              <a:fillRect l="0" t="0" r="0" b="0"/>
+              <a:fillRect/>
             </a:stretch>
           </a:blipFill>
         </p:spPr>
       </p:sp>
       <p:sp>
         <p:nvSpPr>
-          <p:cNvPr name="TextBox 15" id="15"/>
-          <p:cNvSpPr txBox="true"/>
+          <p:cNvPr id="15" name="TextBox 15"/>
+          <p:cNvSpPr txBox="1"/>
           <p:nvPr/>
         </p:nvSpPr>
         <p:spPr>
-          <a:xfrm rot="0">
+          <a:xfrm>
             <a:off x="2347213" y="-104775"/>
             <a:ext cx="13593574" cy="952850"/>
           </a:xfrm>
@@ -7749,7 +7173,7 @@
           </a:prstGeom>
         </p:spPr>
         <p:txBody>
-          <a:bodyPr anchor="t" rtlCol="false" tIns="0" lIns="0" bIns="0" rIns="0">
+          <a:bodyPr lIns="0" tIns="0" rIns="0" bIns="0" rtlCol="0" anchor="t">
             <a:spAutoFit/>
           </a:bodyPr>
           <a:lstStyle/>
@@ -7760,7 +7184,7 @@
               </a:lnSpc>
             </a:pPr>
             <a:r>
-              <a:rPr lang="en-US" b="true" sz="5611">
+              <a:rPr lang="en-US" sz="5611" b="1">
                 <a:solidFill>
                   <a:srgbClr val="000000"/>
                 </a:solidFill>
@@ -7783,7 +7207,7 @@
 </file>
 
 <file path=ppt/slides/slide5.xml><?xml version="1.0" encoding="utf-8"?>
-<p:sld xmlns:p="http://schemas.openxmlformats.org/presentationml/2006/main" xmlns:a="http://schemas.openxmlformats.org/drawingml/2006/main" xmlns:r="http://schemas.openxmlformats.org/officeDocument/2006/relationships">
+<p:sld xmlns:a="http://schemas.openxmlformats.org/drawingml/2006/main" xmlns:r="http://schemas.openxmlformats.org/officeDocument/2006/relationships" xmlns:p="http://schemas.openxmlformats.org/presentationml/2006/main">
   <p:cSld>
     <p:spTree>
       <p:nvGrpSpPr>
@@ -7801,12 +7225,12 @@
       </p:grpSpPr>
       <p:sp>
         <p:nvSpPr>
-          <p:cNvPr name="TextBox 2" id="2"/>
-          <p:cNvSpPr txBox="true"/>
+          <p:cNvPr id="2" name="TextBox 2"/>
+          <p:cNvSpPr txBox="1"/>
           <p:nvPr/>
         </p:nvSpPr>
         <p:spPr>
-          <a:xfrm rot="0">
+          <a:xfrm>
             <a:off x="2347213" y="-104775"/>
             <a:ext cx="13593574" cy="952850"/>
           </a:xfrm>
@@ -7815,7 +7239,7 @@
           </a:prstGeom>
         </p:spPr>
         <p:txBody>
-          <a:bodyPr anchor="t" rtlCol="false" tIns="0" lIns="0" bIns="0" rIns="0">
+          <a:bodyPr lIns="0" tIns="0" rIns="0" bIns="0" rtlCol="0" anchor="t">
             <a:spAutoFit/>
           </a:bodyPr>
           <a:lstStyle/>
@@ -7826,7 +7250,7 @@
               </a:lnSpc>
             </a:pPr>
             <a:r>
-              <a:rPr lang="en-US" b="true" sz="5611">
+              <a:rPr lang="en-US" sz="5611" b="1">
                 <a:solidFill>
                   <a:srgbClr val="000000"/>
                 </a:solidFill>
@@ -7842,12 +7266,12 @@
       </p:sp>
       <p:sp>
         <p:nvSpPr>
-          <p:cNvPr name="TextBox 3" id="3"/>
-          <p:cNvSpPr txBox="true"/>
+          <p:cNvPr id="3" name="TextBox 3"/>
+          <p:cNvSpPr txBox="1"/>
           <p:nvPr/>
         </p:nvSpPr>
         <p:spPr>
-          <a:xfrm rot="0">
+          <a:xfrm>
             <a:off x="1249542" y="2173707"/>
             <a:ext cx="15792341" cy="3804285"/>
           </a:xfrm>
@@ -7856,7 +7280,7 @@
           </a:prstGeom>
         </p:spPr>
         <p:txBody>
-          <a:bodyPr anchor="t" rtlCol="false" tIns="0" lIns="0" bIns="0" rIns="0">
+          <a:bodyPr lIns="0" tIns="0" rIns="0" bIns="0" rtlCol="0" anchor="t">
             <a:spAutoFit/>
           </a:bodyPr>
           <a:lstStyle/>
@@ -7880,7 +7304,7 @@
             </a:r>
           </a:p>
           <a:p>
-            <a:pPr algn="just" marL="777240" indent="-388620" lvl="1">
+            <a:pPr marL="777240" lvl="1" indent="-388620" algn="just">
               <a:lnSpc>
                 <a:spcPts val="5040"/>
               </a:lnSpc>
@@ -7901,7 +7325,7 @@
             </a:r>
           </a:p>
           <a:p>
-            <a:pPr algn="just" marL="777240" indent="-388620" lvl="1">
+            <a:pPr marL="777240" lvl="1" indent="-388620" algn="just">
               <a:lnSpc>
                 <a:spcPts val="5040"/>
               </a:lnSpc>
@@ -7922,7 +7346,7 @@
             </a:r>
           </a:p>
           <a:p>
-            <a:pPr algn="just" marL="777240" indent="-388620" lvl="1">
+            <a:pPr marL="777240" lvl="1" indent="-388620" algn="just">
               <a:lnSpc>
                 <a:spcPts val="5040"/>
               </a:lnSpc>
@@ -7948,17 +7372,26 @@
                 <a:spcPts val="5040"/>
               </a:lnSpc>
             </a:pPr>
+            <a:endParaRPr lang="en-US" sz="3600">
+              <a:solidFill>
+                <a:srgbClr val="000000"/>
+              </a:solidFill>
+              <a:latin typeface="Century Gothic Paneuropean"/>
+              <a:ea typeface="Century Gothic Paneuropean"/>
+              <a:cs typeface="Century Gothic Paneuropean"/>
+              <a:sym typeface="Century Gothic Paneuropean"/>
+            </a:endParaRPr>
           </a:p>
         </p:txBody>
       </p:sp>
       <p:grpSp>
         <p:nvGrpSpPr>
-          <p:cNvPr name="Group 4" id="4"/>
+          <p:cNvPr id="4" name="Group 4"/>
           <p:cNvGrpSpPr/>
           <p:nvPr/>
         </p:nvGrpSpPr>
         <p:grpSpPr>
-          <a:xfrm rot="0">
+          <a:xfrm>
             <a:off x="16718943" y="-989670"/>
             <a:ext cx="1080715" cy="2956684"/>
             <a:chOff x="0" y="0"/>
@@ -7967,12 +7400,12 @@
         </p:grpSpPr>
         <p:sp>
           <p:nvSpPr>
-            <p:cNvPr name="Freeform 5" id="5"/>
+            <p:cNvPr id="5" name="Freeform 5"/>
             <p:cNvSpPr/>
             <p:nvPr/>
           </p:nvSpPr>
           <p:spPr>
-            <a:xfrm flipH="false" flipV="false" rot="0">
+            <a:xfrm>
               <a:off x="0" y="0"/>
               <a:ext cx="284633" cy="778715"/>
             </a:xfrm>
@@ -7981,9 +7414,9 @@
               <a:gdLst/>
               <a:ahLst/>
               <a:cxnLst/>
-              <a:rect r="r" b="b" t="t" l="l"/>
+              <a:rect l="l" t="t" r="r" b="b"/>
               <a:pathLst>
-                <a:path h="778715" w="284633">
+                <a:path w="284633" h="778715">
                   <a:moveTo>
                     <a:pt x="142316" y="0"/>
                   </a:moveTo>
@@ -8030,8 +7463,8 @@
         </p:sp>
         <p:sp>
           <p:nvSpPr>
-            <p:cNvPr name="TextBox 6" id="6"/>
-            <p:cNvSpPr txBox="true"/>
+            <p:cNvPr id="6" name="TextBox 6"/>
+            <p:cNvSpPr txBox="1"/>
             <p:nvPr/>
           </p:nvSpPr>
           <p:spPr>
@@ -8044,7 +7477,7 @@
             </a:prstGeom>
           </p:spPr>
           <p:txBody>
-            <a:bodyPr anchor="ctr" rtlCol="false" tIns="50800" lIns="50800" bIns="50800" rIns="50800"/>
+            <a:bodyPr lIns="50800" tIns="50800" rIns="50800" bIns="50800" rtlCol="0" anchor="ctr"/>
             <a:lstStyle/>
             <a:p>
               <a:pPr algn="ctr">
@@ -8055,18 +7488,19 @@
                   <a:spcPct val="0"/>
                 </a:spcBef>
               </a:pPr>
+              <a:endParaRPr/>
             </a:p>
           </p:txBody>
         </p:sp>
       </p:grpSp>
       <p:grpSp>
         <p:nvGrpSpPr>
-          <p:cNvPr name="Group 7" id="7"/>
+          <p:cNvPr id="7" name="Group 7"/>
           <p:cNvGrpSpPr/>
           <p:nvPr/>
         </p:nvGrpSpPr>
         <p:grpSpPr>
-          <a:xfrm rot="0">
+          <a:xfrm>
             <a:off x="-529352" y="9803843"/>
             <a:ext cx="19346704" cy="821917"/>
             <a:chOff x="0" y="0"/>
@@ -8075,12 +7509,12 @@
         </p:grpSpPr>
         <p:sp>
           <p:nvSpPr>
-            <p:cNvPr name="Freeform 8" id="8"/>
+            <p:cNvPr id="8" name="Freeform 8"/>
             <p:cNvSpPr/>
             <p:nvPr/>
           </p:nvSpPr>
           <p:spPr>
-            <a:xfrm flipH="false" flipV="false" rot="0">
+            <a:xfrm>
               <a:off x="0" y="0"/>
               <a:ext cx="5095428" cy="216472"/>
             </a:xfrm>
@@ -8089,9 +7523,9 @@
               <a:gdLst/>
               <a:ahLst/>
               <a:cxnLst/>
-              <a:rect r="r" b="b" t="t" l="l"/>
+              <a:rect l="l" t="t" r="r" b="b"/>
               <a:pathLst>
-                <a:path h="216472" w="5095428">
+                <a:path w="5095428" h="216472">
                   <a:moveTo>
                     <a:pt x="20409" y="0"/>
                   </a:moveTo>
@@ -8160,8 +7594,8 @@
         </p:sp>
         <p:sp>
           <p:nvSpPr>
-            <p:cNvPr name="TextBox 9" id="9"/>
-            <p:cNvSpPr txBox="true"/>
+            <p:cNvPr id="9" name="TextBox 9"/>
+            <p:cNvSpPr txBox="1"/>
             <p:nvPr/>
           </p:nvSpPr>
           <p:spPr>
@@ -8174,7 +7608,7 @@
             </a:prstGeom>
           </p:spPr>
           <p:txBody>
-            <a:bodyPr anchor="ctr" rtlCol="false" tIns="50800" lIns="50800" bIns="50800" rIns="50800"/>
+            <a:bodyPr lIns="50800" tIns="50800" rIns="50800" bIns="50800" rtlCol="0" anchor="ctr"/>
             <a:lstStyle/>
             <a:p>
               <a:pPr algn="ctr">
@@ -8185,18 +7619,19 @@
                   <a:spcPct val="0"/>
                 </a:spcBef>
               </a:pPr>
+              <a:endParaRPr/>
             </a:p>
           </p:txBody>
         </p:sp>
       </p:grpSp>
       <p:sp>
         <p:nvSpPr>
-          <p:cNvPr name="Freeform 10" id="10"/>
+          <p:cNvPr id="10" name="Freeform 10"/>
           <p:cNvSpPr/>
           <p:nvPr/>
         </p:nvSpPr>
         <p:spPr>
-          <a:xfrm flipH="true" flipV="false" rot="0">
+          <a:xfrm flipH="1">
             <a:off x="17259300" y="3085173"/>
             <a:ext cx="4518707" cy="3939865"/>
           </a:xfrm>
@@ -8205,9 +7640,9 @@
             <a:gdLst/>
             <a:ahLst/>
             <a:cxnLst/>
-            <a:rect r="r" b="b" t="t" l="l"/>
+            <a:rect l="l" t="t" r="r" b="b"/>
             <a:pathLst>
-              <a:path h="3939865" w="4518707">
+              <a:path w="4518707" h="3939865">
                 <a:moveTo>
                   <a:pt x="4518707" y="0"/>
                 </a:moveTo>
@@ -8236,19 +7671,19 @@
               </a:extLst>
             </a:blip>
             <a:stretch>
-              <a:fillRect l="0" t="0" r="0" b="0"/>
+              <a:fillRect/>
             </a:stretch>
           </a:blipFill>
         </p:spPr>
       </p:sp>
       <p:sp>
         <p:nvSpPr>
-          <p:cNvPr name="Freeform 11" id="11"/>
+          <p:cNvPr id="11" name="Freeform 11"/>
           <p:cNvSpPr/>
           <p:nvPr/>
         </p:nvSpPr>
         <p:spPr>
-          <a:xfrm flipH="false" flipV="false" rot="0">
+          <a:xfrm>
             <a:off x="-3486583" y="3085173"/>
             <a:ext cx="4518707" cy="3939865"/>
           </a:xfrm>
@@ -8257,9 +7692,9 @@
             <a:gdLst/>
             <a:ahLst/>
             <a:cxnLst/>
-            <a:rect r="r" b="b" t="t" l="l"/>
+            <a:rect l="l" t="t" r="r" b="b"/>
             <a:pathLst>
-              <a:path h="3939865" w="4518707">
+              <a:path w="4518707" h="3939865">
                 <a:moveTo>
                   <a:pt x="0" y="0"/>
                 </a:moveTo>
@@ -8288,19 +7723,19 @@
               </a:extLst>
             </a:blip>
             <a:stretch>
-              <a:fillRect l="0" t="0" r="0" b="0"/>
+              <a:fillRect/>
             </a:stretch>
           </a:blipFill>
         </p:spPr>
       </p:sp>
       <p:grpSp>
         <p:nvGrpSpPr>
-          <p:cNvPr name="Group 12" id="12"/>
+          <p:cNvPr id="12" name="Group 12"/>
           <p:cNvGrpSpPr/>
           <p:nvPr/>
         </p:nvGrpSpPr>
         <p:grpSpPr>
-          <a:xfrm rot="0">
+          <a:xfrm>
             <a:off x="488343" y="-989670"/>
             <a:ext cx="1080715" cy="2956684"/>
             <a:chOff x="0" y="0"/>
@@ -8309,12 +7744,12 @@
         </p:grpSpPr>
         <p:sp>
           <p:nvSpPr>
-            <p:cNvPr name="Freeform 13" id="13"/>
+            <p:cNvPr id="13" name="Freeform 13"/>
             <p:cNvSpPr/>
             <p:nvPr/>
           </p:nvSpPr>
           <p:spPr>
-            <a:xfrm flipH="false" flipV="false" rot="0">
+            <a:xfrm>
               <a:off x="0" y="0"/>
               <a:ext cx="284633" cy="778715"/>
             </a:xfrm>
@@ -8323,9 +7758,9 @@
               <a:gdLst/>
               <a:ahLst/>
               <a:cxnLst/>
-              <a:rect r="r" b="b" t="t" l="l"/>
+              <a:rect l="l" t="t" r="r" b="b"/>
               <a:pathLst>
-                <a:path h="778715" w="284633">
+                <a:path w="284633" h="778715">
                   <a:moveTo>
                     <a:pt x="142316" y="0"/>
                   </a:moveTo>
@@ -8372,8 +7807,8 @@
         </p:sp>
         <p:sp>
           <p:nvSpPr>
-            <p:cNvPr name="TextBox 14" id="14"/>
-            <p:cNvSpPr txBox="true"/>
+            <p:cNvPr id="14" name="TextBox 14"/>
+            <p:cNvSpPr txBox="1"/>
             <p:nvPr/>
           </p:nvSpPr>
           <p:spPr>
@@ -8386,7 +7821,7 @@
             </a:prstGeom>
           </p:spPr>
           <p:txBody>
-            <a:bodyPr anchor="ctr" rtlCol="false" tIns="50800" lIns="50800" bIns="50800" rIns="50800"/>
+            <a:bodyPr lIns="50800" tIns="50800" rIns="50800" bIns="50800" rtlCol="0" anchor="ctr"/>
             <a:lstStyle/>
             <a:p>
               <a:pPr algn="ctr">
@@ -8397,27 +7832,28 @@
                   <a:spcPct val="0"/>
                 </a:spcBef>
               </a:pPr>
+              <a:endParaRPr/>
             </a:p>
           </p:txBody>
         </p:sp>
       </p:grpSp>
       <p:sp>
         <p:nvSpPr>
-          <p:cNvPr name="TextBox 15" id="15"/>
-          <p:cNvSpPr txBox="true"/>
+          <p:cNvPr id="15" name="TextBox 15"/>
+          <p:cNvSpPr txBox="1"/>
           <p:nvPr/>
         </p:nvSpPr>
         <p:spPr>
-          <a:xfrm rot="0">
+          <a:xfrm>
             <a:off x="1466959" y="6406999"/>
-            <a:ext cx="15792341" cy="3166111"/>
+            <a:ext cx="15792341" cy="2523640"/>
           </a:xfrm>
           <a:prstGeom prst="rect">
             <a:avLst/>
           </a:prstGeom>
         </p:spPr>
         <p:txBody>
-          <a:bodyPr anchor="t" rtlCol="false" tIns="0" lIns="0" bIns="0" rIns="0">
+          <a:bodyPr lIns="0" tIns="0" rIns="0" bIns="0" rtlCol="0" anchor="t">
             <a:spAutoFit/>
           </a:bodyPr>
           <a:lstStyle/>
@@ -8431,7 +7867,7 @@
               </a:spcBef>
             </a:pPr>
             <a:r>
-              <a:rPr lang="en-US" sz="3599">
+              <a:rPr lang="en-US" sz="3599" dirty="0">
                 <a:solidFill>
                   <a:srgbClr val="000000"/>
                 </a:solidFill>
@@ -8444,7 +7880,7 @@
             </a:r>
           </a:p>
           <a:p>
-            <a:pPr algn="just" marL="777230" indent="-388615" lvl="1">
+            <a:pPr marL="777230" lvl="1" indent="-388615" algn="just">
               <a:lnSpc>
                 <a:spcPts val="5039"/>
               </a:lnSpc>
@@ -8455,7 +7891,7 @@
               <a:buChar char="•"/>
             </a:pPr>
             <a:r>
-              <a:rPr lang="en-US" sz="3599">
+              <a:rPr lang="en-US" sz="3599" dirty="0">
                 <a:solidFill>
                   <a:srgbClr val="000000"/>
                 </a:solidFill>
@@ -8468,7 +7904,7 @@
             </a:r>
           </a:p>
           <a:p>
-            <a:pPr algn="just" marL="777230" indent="-388615" lvl="1">
+            <a:pPr marL="777230" lvl="1" indent="-388615" algn="just">
               <a:lnSpc>
                 <a:spcPts val="5039"/>
               </a:lnSpc>
@@ -8479,31 +7915,7 @@
               <a:buChar char="•"/>
             </a:pPr>
             <a:r>
-              <a:rPr lang="en-US" sz="3599">
-                <a:solidFill>
-                  <a:srgbClr val="000000"/>
-                </a:solidFill>
-                <a:latin typeface="Open Sans"/>
-                <a:ea typeface="Open Sans"/>
-                <a:cs typeface="Open Sans"/>
-                <a:sym typeface="Open Sans"/>
-              </a:rPr>
-              <a:t>One-to-One: Each reservation has a corresponding payment.</a:t>
-            </a:r>
-          </a:p>
-          <a:p>
-            <a:pPr algn="just" marL="777230" indent="-388615" lvl="1">
-              <a:lnSpc>
-                <a:spcPts val="5039"/>
-              </a:lnSpc>
-              <a:spcBef>
-                <a:spcPct val="0"/>
-              </a:spcBef>
-              <a:buFont typeface="Arial"/>
-              <a:buChar char="•"/>
-            </a:pPr>
-            <a:r>
-              <a:rPr lang="en-US" sz="3599">
+              <a:rPr lang="en-US" sz="3599" dirty="0">
                 <a:solidFill>
                   <a:srgbClr val="000000"/>
                 </a:solidFill>
@@ -8524,6 +7936,15 @@
                 <a:spcPct val="0"/>
               </a:spcBef>
             </a:pPr>
+            <a:endParaRPr lang="en-US" sz="3599" dirty="0">
+              <a:solidFill>
+                <a:srgbClr val="000000"/>
+              </a:solidFill>
+              <a:latin typeface="Open Sans"/>
+              <a:ea typeface="Open Sans"/>
+              <a:cs typeface="Open Sans"/>
+              <a:sym typeface="Open Sans"/>
+            </a:endParaRPr>
           </a:p>
         </p:txBody>
       </p:sp>
@@ -8536,7 +7957,7 @@
 </file>
 
 <file path=ppt/slides/slide6.xml><?xml version="1.0" encoding="utf-8"?>
-<p:sld xmlns:p="http://schemas.openxmlformats.org/presentationml/2006/main" xmlns:a="http://schemas.openxmlformats.org/drawingml/2006/main" xmlns:r="http://schemas.openxmlformats.org/officeDocument/2006/relationships">
+<p:sld xmlns:a="http://schemas.openxmlformats.org/drawingml/2006/main" xmlns:r="http://schemas.openxmlformats.org/officeDocument/2006/relationships" xmlns:p="http://schemas.openxmlformats.org/presentationml/2006/main">
   <p:cSld>
     <p:spTree>
       <p:nvGrpSpPr>
@@ -8554,12 +7975,12 @@
       </p:grpSpPr>
       <p:grpSp>
         <p:nvGrpSpPr>
-          <p:cNvPr name="Group 2" id="2"/>
+          <p:cNvPr id="2" name="Group 2"/>
           <p:cNvGrpSpPr/>
           <p:nvPr/>
         </p:nvGrpSpPr>
         <p:grpSpPr>
-          <a:xfrm rot="0">
+          <a:xfrm>
             <a:off x="16718943" y="-989670"/>
             <a:ext cx="1080715" cy="2956684"/>
             <a:chOff x="0" y="0"/>
@@ -8568,12 +7989,12 @@
         </p:grpSpPr>
         <p:sp>
           <p:nvSpPr>
-            <p:cNvPr name="Freeform 3" id="3"/>
+            <p:cNvPr id="3" name="Freeform 3"/>
             <p:cNvSpPr/>
             <p:nvPr/>
           </p:nvSpPr>
           <p:spPr>
-            <a:xfrm flipH="false" flipV="false" rot="0">
+            <a:xfrm>
               <a:off x="0" y="0"/>
               <a:ext cx="284633" cy="778715"/>
             </a:xfrm>
@@ -8582,9 +8003,9 @@
               <a:gdLst/>
               <a:ahLst/>
               <a:cxnLst/>
-              <a:rect r="r" b="b" t="t" l="l"/>
+              <a:rect l="l" t="t" r="r" b="b"/>
               <a:pathLst>
-                <a:path h="778715" w="284633">
+                <a:path w="284633" h="778715">
                   <a:moveTo>
                     <a:pt x="142316" y="0"/>
                   </a:moveTo>
@@ -8631,8 +8052,8 @@
         </p:sp>
         <p:sp>
           <p:nvSpPr>
-            <p:cNvPr name="TextBox 4" id="4"/>
-            <p:cNvSpPr txBox="true"/>
+            <p:cNvPr id="4" name="TextBox 4"/>
+            <p:cNvSpPr txBox="1"/>
             <p:nvPr/>
           </p:nvSpPr>
           <p:spPr>
@@ -8645,7 +8066,7 @@
             </a:prstGeom>
           </p:spPr>
           <p:txBody>
-            <a:bodyPr anchor="ctr" rtlCol="false" tIns="50800" lIns="50800" bIns="50800" rIns="50800"/>
+            <a:bodyPr lIns="50800" tIns="50800" rIns="50800" bIns="50800" rtlCol="0" anchor="ctr"/>
             <a:lstStyle/>
             <a:p>
               <a:pPr algn="ctr">
@@ -8656,18 +8077,19 @@
                   <a:spcPct val="0"/>
                 </a:spcBef>
               </a:pPr>
+              <a:endParaRPr/>
             </a:p>
           </p:txBody>
         </p:sp>
       </p:grpSp>
       <p:grpSp>
         <p:nvGrpSpPr>
-          <p:cNvPr name="Group 5" id="5"/>
+          <p:cNvPr id="5" name="Group 5"/>
           <p:cNvGrpSpPr/>
           <p:nvPr/>
         </p:nvGrpSpPr>
         <p:grpSpPr>
-          <a:xfrm rot="0">
+          <a:xfrm>
             <a:off x="-529352" y="9803843"/>
             <a:ext cx="19346704" cy="821917"/>
             <a:chOff x="0" y="0"/>
@@ -8676,12 +8098,12 @@
         </p:grpSpPr>
         <p:sp>
           <p:nvSpPr>
-            <p:cNvPr name="Freeform 6" id="6"/>
+            <p:cNvPr id="6" name="Freeform 6"/>
             <p:cNvSpPr/>
             <p:nvPr/>
           </p:nvSpPr>
           <p:spPr>
-            <a:xfrm flipH="false" flipV="false" rot="0">
+            <a:xfrm>
               <a:off x="0" y="0"/>
               <a:ext cx="5095428" cy="216472"/>
             </a:xfrm>
@@ -8690,9 +8112,9 @@
               <a:gdLst/>
               <a:ahLst/>
               <a:cxnLst/>
-              <a:rect r="r" b="b" t="t" l="l"/>
+              <a:rect l="l" t="t" r="r" b="b"/>
               <a:pathLst>
-                <a:path h="216472" w="5095428">
+                <a:path w="5095428" h="216472">
                   <a:moveTo>
                     <a:pt x="20409" y="0"/>
                   </a:moveTo>
@@ -8761,8 +8183,8 @@
         </p:sp>
         <p:sp>
           <p:nvSpPr>
-            <p:cNvPr name="TextBox 7" id="7"/>
-            <p:cNvSpPr txBox="true"/>
+            <p:cNvPr id="7" name="TextBox 7"/>
+            <p:cNvSpPr txBox="1"/>
             <p:nvPr/>
           </p:nvSpPr>
           <p:spPr>
@@ -8775,7 +8197,7 @@
             </a:prstGeom>
           </p:spPr>
           <p:txBody>
-            <a:bodyPr anchor="ctr" rtlCol="false" tIns="50800" lIns="50800" bIns="50800" rIns="50800"/>
+            <a:bodyPr lIns="50800" tIns="50800" rIns="50800" bIns="50800" rtlCol="0" anchor="ctr"/>
             <a:lstStyle/>
             <a:p>
               <a:pPr algn="ctr">
@@ -8786,18 +8208,19 @@
                   <a:spcPct val="0"/>
                 </a:spcBef>
               </a:pPr>
+              <a:endParaRPr/>
             </a:p>
           </p:txBody>
         </p:sp>
       </p:grpSp>
       <p:sp>
         <p:nvSpPr>
-          <p:cNvPr name="Freeform 8" id="8"/>
+          <p:cNvPr id="8" name="Freeform 8"/>
           <p:cNvSpPr/>
           <p:nvPr/>
         </p:nvSpPr>
         <p:spPr>
-          <a:xfrm flipH="true" flipV="false" rot="0">
+          <a:xfrm flipH="1">
             <a:off x="17259300" y="3085173"/>
             <a:ext cx="4518707" cy="3939865"/>
           </a:xfrm>
@@ -8806,9 +8229,9 @@
             <a:gdLst/>
             <a:ahLst/>
             <a:cxnLst/>
-            <a:rect r="r" b="b" t="t" l="l"/>
+            <a:rect l="l" t="t" r="r" b="b"/>
             <a:pathLst>
-              <a:path h="3939865" w="4518707">
+              <a:path w="4518707" h="3939865">
                 <a:moveTo>
                   <a:pt x="4518707" y="0"/>
                 </a:moveTo>
@@ -8837,19 +8260,19 @@
               </a:extLst>
             </a:blip>
             <a:stretch>
-              <a:fillRect l="0" t="0" r="0" b="0"/>
+              <a:fillRect/>
             </a:stretch>
           </a:blipFill>
         </p:spPr>
       </p:sp>
       <p:sp>
         <p:nvSpPr>
-          <p:cNvPr name="Freeform 9" id="9"/>
+          <p:cNvPr id="9" name="Freeform 9"/>
           <p:cNvSpPr/>
           <p:nvPr/>
         </p:nvSpPr>
         <p:spPr>
-          <a:xfrm flipH="false" flipV="false" rot="0">
+          <a:xfrm>
             <a:off x="-3486583" y="3085173"/>
             <a:ext cx="4518707" cy="3939865"/>
           </a:xfrm>
@@ -8858,9 +8281,9 @@
             <a:gdLst/>
             <a:ahLst/>
             <a:cxnLst/>
-            <a:rect r="r" b="b" t="t" l="l"/>
+            <a:rect l="l" t="t" r="r" b="b"/>
             <a:pathLst>
-              <a:path h="3939865" w="4518707">
+              <a:path w="4518707" h="3939865">
                 <a:moveTo>
                   <a:pt x="0" y="0"/>
                 </a:moveTo>
@@ -8889,19 +8312,19 @@
               </a:extLst>
             </a:blip>
             <a:stretch>
-              <a:fillRect l="0" t="0" r="0" b="0"/>
+              <a:fillRect/>
             </a:stretch>
           </a:blipFill>
         </p:spPr>
       </p:sp>
       <p:grpSp>
         <p:nvGrpSpPr>
-          <p:cNvPr name="Group 10" id="10"/>
+          <p:cNvPr id="10" name="Group 10"/>
           <p:cNvGrpSpPr/>
           <p:nvPr/>
         </p:nvGrpSpPr>
         <p:grpSpPr>
-          <a:xfrm rot="0">
+          <a:xfrm>
             <a:off x="488343" y="-989670"/>
             <a:ext cx="1080715" cy="2956684"/>
             <a:chOff x="0" y="0"/>
@@ -8910,12 +8333,12 @@
         </p:grpSpPr>
         <p:sp>
           <p:nvSpPr>
-            <p:cNvPr name="Freeform 11" id="11"/>
+            <p:cNvPr id="11" name="Freeform 11"/>
             <p:cNvSpPr/>
             <p:nvPr/>
           </p:nvSpPr>
           <p:spPr>
-            <a:xfrm flipH="false" flipV="false" rot="0">
+            <a:xfrm>
               <a:off x="0" y="0"/>
               <a:ext cx="284633" cy="778715"/>
             </a:xfrm>
@@ -8924,9 +8347,9 @@
               <a:gdLst/>
               <a:ahLst/>
               <a:cxnLst/>
-              <a:rect r="r" b="b" t="t" l="l"/>
+              <a:rect l="l" t="t" r="r" b="b"/>
               <a:pathLst>
-                <a:path h="778715" w="284633">
+                <a:path w="284633" h="778715">
                   <a:moveTo>
                     <a:pt x="142316" y="0"/>
                   </a:moveTo>
@@ -8973,8 +8396,8 @@
         </p:sp>
         <p:sp>
           <p:nvSpPr>
-            <p:cNvPr name="TextBox 12" id="12"/>
-            <p:cNvSpPr txBox="true"/>
+            <p:cNvPr id="12" name="TextBox 12"/>
+            <p:cNvSpPr txBox="1"/>
             <p:nvPr/>
           </p:nvSpPr>
           <p:spPr>
@@ -8987,7 +8410,7 @@
             </a:prstGeom>
           </p:spPr>
           <p:txBody>
-            <a:bodyPr anchor="ctr" rtlCol="false" tIns="50800" lIns="50800" bIns="50800" rIns="50800"/>
+            <a:bodyPr lIns="50800" tIns="50800" rIns="50800" bIns="50800" rtlCol="0" anchor="ctr"/>
             <a:lstStyle/>
             <a:p>
               <a:pPr algn="ctr">
@@ -8998,18 +8421,19 @@
                   <a:spcPct val="0"/>
                 </a:spcBef>
               </a:pPr>
+              <a:endParaRPr/>
             </a:p>
           </p:txBody>
         </p:sp>
       </p:grpSp>
       <p:sp>
         <p:nvSpPr>
-          <p:cNvPr name="Freeform 13" id="13"/>
+          <p:cNvPr id="13" name="Freeform 13"/>
           <p:cNvSpPr/>
           <p:nvPr/>
         </p:nvSpPr>
         <p:spPr>
-          <a:xfrm flipH="false" flipV="false" rot="0">
+          <a:xfrm>
             <a:off x="3224904" y="1028700"/>
             <a:ext cx="11890384" cy="6319881"/>
           </a:xfrm>
@@ -9018,9 +8442,9 @@
             <a:gdLst/>
             <a:ahLst/>
             <a:cxnLst/>
-            <a:rect r="r" b="b" t="t" l="l"/>
+            <a:rect l="l" t="t" r="r" b="b"/>
             <a:pathLst>
-              <a:path h="6319881" w="11890384">
+              <a:path w="11890384" h="6319881">
                 <a:moveTo>
                   <a:pt x="0" y="0"/>
                 </a:moveTo>
@@ -9043,19 +8467,19 @@
           <a:blipFill>
             <a:blip r:embed="rId4"/>
             <a:stretch>
-              <a:fillRect l="0" t="0" r="0" b="-185"/>
+              <a:fillRect b="-185"/>
             </a:stretch>
           </a:blipFill>
         </p:spPr>
       </p:sp>
       <p:sp>
         <p:nvSpPr>
-          <p:cNvPr name="TextBox 14" id="14"/>
-          <p:cNvSpPr txBox="true"/>
+          <p:cNvPr id="14" name="TextBox 14"/>
+          <p:cNvSpPr txBox="1"/>
           <p:nvPr/>
         </p:nvSpPr>
         <p:spPr>
-          <a:xfrm rot="0">
+          <a:xfrm>
             <a:off x="4635281" y="-114300"/>
             <a:ext cx="8537178" cy="979362"/>
           </a:xfrm>
@@ -9064,7 +8488,7 @@
           </a:prstGeom>
         </p:spPr>
         <p:txBody>
-          <a:bodyPr anchor="t" rtlCol="false" tIns="0" lIns="0" bIns="0" rIns="0">
+          <a:bodyPr lIns="0" tIns="0" rIns="0" bIns="0" rtlCol="0" anchor="t">
             <a:spAutoFit/>
           </a:bodyPr>
           <a:lstStyle/>
@@ -9075,7 +8499,7 @@
               </a:lnSpc>
             </a:pPr>
             <a:r>
-              <a:rPr lang="en-US" b="true" sz="5692">
+              <a:rPr lang="en-US" sz="5692" b="1">
                 <a:solidFill>
                   <a:srgbClr val="000000"/>
                 </a:solidFill>
@@ -9091,12 +8515,12 @@
       </p:sp>
       <p:sp>
         <p:nvSpPr>
-          <p:cNvPr name="TextBox 15" id="15"/>
-          <p:cNvSpPr txBox="true"/>
+          <p:cNvPr id="15" name="TextBox 15"/>
+          <p:cNvSpPr txBox="1"/>
           <p:nvPr/>
         </p:nvSpPr>
         <p:spPr>
-          <a:xfrm rot="0">
+          <a:xfrm>
             <a:off x="3045146" y="7281906"/>
             <a:ext cx="13379627" cy="2208811"/>
           </a:xfrm>
@@ -9105,12 +8529,12 @@
           </a:prstGeom>
         </p:spPr>
         <p:txBody>
-          <a:bodyPr anchor="t" rtlCol="false" tIns="0" lIns="0" bIns="0" rIns="0">
+          <a:bodyPr lIns="0" tIns="0" rIns="0" bIns="0" rtlCol="0" anchor="t">
             <a:spAutoFit/>
           </a:bodyPr>
           <a:lstStyle/>
           <a:p>
-            <a:pPr algn="just" marL="683704" indent="-341852" lvl="1">
+            <a:pPr marL="683704" lvl="1" indent="-341852" algn="just">
               <a:lnSpc>
                 <a:spcPts val="4433"/>
               </a:lnSpc>
@@ -9130,23 +8554,11 @@
                 <a:cs typeface="Open Sans"/>
                 <a:sym typeface="Open Sans"/>
               </a:rPr>
-              <a:t>Users (Admins/User wh</a:t>
+              <a:t>Users (Admins/User who manage vehicles and reservations).</a:t>
             </a:r>
-            <a:r>
-              <a:rPr lang="en-US" sz="3166">
-                <a:solidFill>
-                  <a:srgbClr val="000000"/>
-                </a:solidFill>
-                <a:latin typeface="Open Sans"/>
-                <a:ea typeface="Open Sans"/>
-                <a:cs typeface="Open Sans"/>
-                <a:sym typeface="Open Sans"/>
-              </a:rPr>
-              <a:t>o manage vehicles and reservations).</a:t>
-            </a:r>
-          </a:p>
-          <a:p>
-            <a:pPr algn="just" marL="683704" indent="-341852" lvl="1">
+          </a:p>
+          <a:p>
+            <a:pPr marL="683704" lvl="1" indent="-341852" algn="just">
               <a:lnSpc>
                 <a:spcPts val="4433"/>
               </a:lnSpc>
@@ -9170,7 +8582,7 @@
             </a:r>
           </a:p>
           <a:p>
-            <a:pPr algn="just" marL="683704" indent="-341852" lvl="1">
+            <a:pPr marL="683704" lvl="1" indent="-341852" algn="just">
               <a:lnSpc>
                 <a:spcPts val="4433"/>
               </a:lnSpc>
@@ -9190,19 +8602,7 @@
                 <a:cs typeface="Open Sans"/>
                 <a:sym typeface="Open Sans"/>
               </a:rPr>
-              <a:t>Bookings</a:t>
-            </a:r>
-            <a:r>
-              <a:rPr lang="en-US" sz="3166">
-                <a:solidFill>
-                  <a:srgbClr val="000000"/>
-                </a:solidFill>
-                <a:latin typeface="Open Sans"/>
-                <a:ea typeface="Open Sans"/>
-                <a:cs typeface="Open Sans"/>
-                <a:sym typeface="Open Sans"/>
-              </a:rPr>
-              <a:t> (Links users to rented vehicles with start/end dates).</a:t>
+              <a:t>Bookings (Links users to rented vehicles with start/end dates).</a:t>
             </a:r>
           </a:p>
           <a:p>
@@ -9214,6 +8614,15 @@
                 <a:spcPct val="0"/>
               </a:spcBef>
             </a:pPr>
+            <a:endParaRPr lang="en-US" sz="3166">
+              <a:solidFill>
+                <a:srgbClr val="000000"/>
+              </a:solidFill>
+              <a:latin typeface="Open Sans"/>
+              <a:ea typeface="Open Sans"/>
+              <a:cs typeface="Open Sans"/>
+              <a:sym typeface="Open Sans"/>
+            </a:endParaRPr>
           </a:p>
         </p:txBody>
       </p:sp>
@@ -9226,7 +8635,7 @@
 </file>
 
 <file path=ppt/slides/slide7.xml><?xml version="1.0" encoding="utf-8"?>
-<p:sld xmlns:p="http://schemas.openxmlformats.org/presentationml/2006/main" xmlns:a="http://schemas.openxmlformats.org/drawingml/2006/main" xmlns:r="http://schemas.openxmlformats.org/officeDocument/2006/relationships">
+<p:sld xmlns:a="http://schemas.openxmlformats.org/drawingml/2006/main" xmlns:r="http://schemas.openxmlformats.org/officeDocument/2006/relationships" xmlns:p="http://schemas.openxmlformats.org/presentationml/2006/main">
   <p:cSld>
     <p:spTree>
       <p:nvGrpSpPr>
@@ -9244,12 +8653,12 @@
       </p:grpSpPr>
       <p:sp>
         <p:nvSpPr>
-          <p:cNvPr name="TextBox 2" id="2"/>
-          <p:cNvSpPr txBox="true"/>
+          <p:cNvPr id="2" name="TextBox 2"/>
+          <p:cNvSpPr txBox="1"/>
           <p:nvPr/>
         </p:nvSpPr>
         <p:spPr>
-          <a:xfrm rot="0">
+          <a:xfrm>
             <a:off x="4593555" y="-114300"/>
             <a:ext cx="8537178" cy="979362"/>
           </a:xfrm>
@@ -9258,7 +8667,7 @@
           </a:prstGeom>
         </p:spPr>
         <p:txBody>
-          <a:bodyPr anchor="t" rtlCol="false" tIns="0" lIns="0" bIns="0" rIns="0">
+          <a:bodyPr lIns="0" tIns="0" rIns="0" bIns="0" rtlCol="0" anchor="t">
             <a:spAutoFit/>
           </a:bodyPr>
           <a:lstStyle/>
@@ -9269,7 +8678,7 @@
               </a:lnSpc>
             </a:pPr>
             <a:r>
-              <a:rPr lang="en-US" b="true" sz="5692">
+              <a:rPr lang="en-US" sz="5692" b="1">
                 <a:solidFill>
                   <a:srgbClr val="000000"/>
                 </a:solidFill>
@@ -9285,12 +8694,12 @@
       </p:sp>
       <p:sp>
         <p:nvSpPr>
-          <p:cNvPr name="TextBox 3" id="3"/>
-          <p:cNvSpPr txBox="true"/>
+          <p:cNvPr id="3" name="TextBox 3"/>
+          <p:cNvSpPr txBox="1"/>
           <p:nvPr/>
         </p:nvSpPr>
         <p:spPr>
-          <a:xfrm rot="0">
+          <a:xfrm>
             <a:off x="1569057" y="1765290"/>
             <a:ext cx="15801541" cy="6881149"/>
           </a:xfrm>
@@ -9299,12 +8708,12 @@
           </a:prstGeom>
         </p:spPr>
         <p:txBody>
-          <a:bodyPr anchor="t" rtlCol="false" tIns="0" lIns="0" bIns="0" rIns="0">
+          <a:bodyPr lIns="0" tIns="0" rIns="0" bIns="0" rtlCol="0" anchor="t">
             <a:spAutoFit/>
           </a:bodyPr>
           <a:lstStyle/>
           <a:p>
-            <a:pPr algn="just" marL="785932" indent="-392966" lvl="1">
+            <a:pPr marL="785932" lvl="1" indent="-392966" algn="just">
               <a:lnSpc>
                 <a:spcPts val="7025"/>
               </a:lnSpc>
@@ -9325,7 +8734,7 @@
             </a:r>
           </a:p>
           <a:p>
-            <a:pPr algn="just" marL="785932" indent="-392966" lvl="1">
+            <a:pPr marL="785932" lvl="1" indent="-392966" algn="just">
               <a:lnSpc>
                 <a:spcPts val="7025"/>
               </a:lnSpc>
@@ -9346,7 +8755,7 @@
             </a:r>
           </a:p>
           <a:p>
-            <a:pPr algn="just" marL="785932" indent="-392966" lvl="1">
+            <a:pPr marL="785932" lvl="1" indent="-392966" algn="just">
               <a:lnSpc>
                 <a:spcPts val="7025"/>
               </a:lnSpc>
@@ -9367,7 +8776,7 @@
             </a:r>
           </a:p>
           <a:p>
-            <a:pPr algn="just" marL="785932" indent="-392966" lvl="1">
+            <a:pPr marL="785932" lvl="1" indent="-392966" algn="just">
               <a:lnSpc>
                 <a:spcPts val="7025"/>
               </a:lnSpc>
@@ -9384,23 +8793,11 @@
                 <a:cs typeface="Century Gothic Paneuropean"/>
                 <a:sym typeface="Century Gothic Paneuropean"/>
               </a:rPr>
-              <a:t>Booking </a:t>
+              <a:t>Booking Management: View and manage vehicle bookings.</a:t>
             </a:r>
-            <a:r>
-              <a:rPr lang="en-US" sz="3640">
-                <a:solidFill>
-                  <a:srgbClr val="000000"/>
-                </a:solidFill>
-                <a:latin typeface="Century Gothic Paneuropean"/>
-                <a:ea typeface="Century Gothic Paneuropean"/>
-                <a:cs typeface="Century Gothic Paneuropean"/>
-                <a:sym typeface="Century Gothic Paneuropean"/>
-              </a:rPr>
-              <a:t>Management: View and manage vehicle bookings.</a:t>
-            </a:r>
-          </a:p>
-          <a:p>
-            <a:pPr algn="just" marL="785932" indent="-392966" lvl="1">
+          </a:p>
+          <a:p>
+            <a:pPr marL="785932" lvl="1" indent="-392966" algn="just">
               <a:lnSpc>
                 <a:spcPts val="7025"/>
               </a:lnSpc>
@@ -9421,7 +8818,7 @@
             </a:r>
           </a:p>
           <a:p>
-            <a:pPr algn="just" marL="785932" indent="-392966" lvl="1">
+            <a:pPr marL="785932" lvl="1" indent="-392966" algn="just">
               <a:lnSpc>
                 <a:spcPts val="7025"/>
               </a:lnSpc>
@@ -9447,17 +8844,26 @@
                 <a:spcPts val="5096"/>
               </a:lnSpc>
             </a:pPr>
+            <a:endParaRPr lang="en-US" sz="3640">
+              <a:solidFill>
+                <a:srgbClr val="000000"/>
+              </a:solidFill>
+              <a:latin typeface="Century Gothic Paneuropean"/>
+              <a:ea typeface="Century Gothic Paneuropean"/>
+              <a:cs typeface="Century Gothic Paneuropean"/>
+              <a:sym typeface="Century Gothic Paneuropean"/>
+            </a:endParaRPr>
           </a:p>
         </p:txBody>
       </p:sp>
       <p:grpSp>
         <p:nvGrpSpPr>
-          <p:cNvPr name="Group 4" id="4"/>
+          <p:cNvPr id="4" name="Group 4"/>
           <p:cNvGrpSpPr/>
           <p:nvPr/>
         </p:nvGrpSpPr>
         <p:grpSpPr>
-          <a:xfrm rot="0">
+          <a:xfrm>
             <a:off x="16718943" y="-989670"/>
             <a:ext cx="1080715" cy="2956684"/>
             <a:chOff x="0" y="0"/>
@@ -9466,12 +8872,12 @@
         </p:grpSpPr>
         <p:sp>
           <p:nvSpPr>
-            <p:cNvPr name="Freeform 5" id="5"/>
+            <p:cNvPr id="5" name="Freeform 5"/>
             <p:cNvSpPr/>
             <p:nvPr/>
           </p:nvSpPr>
           <p:spPr>
-            <a:xfrm flipH="false" flipV="false" rot="0">
+            <a:xfrm>
               <a:off x="0" y="0"/>
               <a:ext cx="284633" cy="778715"/>
             </a:xfrm>
@@ -9480,9 +8886,9 @@
               <a:gdLst/>
               <a:ahLst/>
               <a:cxnLst/>
-              <a:rect r="r" b="b" t="t" l="l"/>
+              <a:rect l="l" t="t" r="r" b="b"/>
               <a:pathLst>
-                <a:path h="778715" w="284633">
+                <a:path w="284633" h="778715">
                   <a:moveTo>
                     <a:pt x="142316" y="0"/>
                   </a:moveTo>
@@ -9529,8 +8935,8 @@
         </p:sp>
         <p:sp>
           <p:nvSpPr>
-            <p:cNvPr name="TextBox 6" id="6"/>
-            <p:cNvSpPr txBox="true"/>
+            <p:cNvPr id="6" name="TextBox 6"/>
+            <p:cNvSpPr txBox="1"/>
             <p:nvPr/>
           </p:nvSpPr>
           <p:spPr>
@@ -9543,7 +8949,7 @@
             </a:prstGeom>
           </p:spPr>
           <p:txBody>
-            <a:bodyPr anchor="ctr" rtlCol="false" tIns="50800" lIns="50800" bIns="50800" rIns="50800"/>
+            <a:bodyPr lIns="50800" tIns="50800" rIns="50800" bIns="50800" rtlCol="0" anchor="ctr"/>
             <a:lstStyle/>
             <a:p>
               <a:pPr algn="ctr">
@@ -9554,18 +8960,19 @@
                   <a:spcPct val="0"/>
                 </a:spcBef>
               </a:pPr>
+              <a:endParaRPr/>
             </a:p>
           </p:txBody>
         </p:sp>
       </p:grpSp>
       <p:grpSp>
         <p:nvGrpSpPr>
-          <p:cNvPr name="Group 7" id="7"/>
+          <p:cNvPr id="7" name="Group 7"/>
           <p:cNvGrpSpPr/>
           <p:nvPr/>
         </p:nvGrpSpPr>
         <p:grpSpPr>
-          <a:xfrm rot="0">
+          <a:xfrm>
             <a:off x="-529352" y="9803843"/>
             <a:ext cx="19346704" cy="821917"/>
             <a:chOff x="0" y="0"/>
@@ -9574,12 +8981,12 @@
         </p:grpSpPr>
         <p:sp>
           <p:nvSpPr>
-            <p:cNvPr name="Freeform 8" id="8"/>
+            <p:cNvPr id="8" name="Freeform 8"/>
             <p:cNvSpPr/>
             <p:nvPr/>
           </p:nvSpPr>
           <p:spPr>
-            <a:xfrm flipH="false" flipV="false" rot="0">
+            <a:xfrm>
               <a:off x="0" y="0"/>
               <a:ext cx="5095428" cy="216472"/>
             </a:xfrm>
@@ -9588,9 +8995,9 @@
               <a:gdLst/>
               <a:ahLst/>
               <a:cxnLst/>
-              <a:rect r="r" b="b" t="t" l="l"/>
+              <a:rect l="l" t="t" r="r" b="b"/>
               <a:pathLst>
-                <a:path h="216472" w="5095428">
+                <a:path w="5095428" h="216472">
                   <a:moveTo>
                     <a:pt x="20409" y="0"/>
                   </a:moveTo>
@@ -9659,8 +9066,8 @@
         </p:sp>
         <p:sp>
           <p:nvSpPr>
-            <p:cNvPr name="TextBox 9" id="9"/>
-            <p:cNvSpPr txBox="true"/>
+            <p:cNvPr id="9" name="TextBox 9"/>
+            <p:cNvSpPr txBox="1"/>
             <p:nvPr/>
           </p:nvSpPr>
           <p:spPr>
@@ -9673,7 +9080,7 @@
             </a:prstGeom>
           </p:spPr>
           <p:txBody>
-            <a:bodyPr anchor="ctr" rtlCol="false" tIns="50800" lIns="50800" bIns="50800" rIns="50800"/>
+            <a:bodyPr lIns="50800" tIns="50800" rIns="50800" bIns="50800" rtlCol="0" anchor="ctr"/>
             <a:lstStyle/>
             <a:p>
               <a:pPr algn="ctr">
@@ -9684,18 +9091,19 @@
                   <a:spcPct val="0"/>
                 </a:spcBef>
               </a:pPr>
+              <a:endParaRPr/>
             </a:p>
           </p:txBody>
         </p:sp>
       </p:grpSp>
       <p:sp>
         <p:nvSpPr>
-          <p:cNvPr name="Freeform 10" id="10"/>
+          <p:cNvPr id="10" name="Freeform 10"/>
           <p:cNvSpPr/>
           <p:nvPr/>
         </p:nvSpPr>
         <p:spPr>
-          <a:xfrm flipH="true" flipV="false" rot="0">
+          <a:xfrm flipH="1">
             <a:off x="17259300" y="3085173"/>
             <a:ext cx="4518707" cy="3939865"/>
           </a:xfrm>
@@ -9704,9 +9112,9 @@
             <a:gdLst/>
             <a:ahLst/>
             <a:cxnLst/>
-            <a:rect r="r" b="b" t="t" l="l"/>
+            <a:rect l="l" t="t" r="r" b="b"/>
             <a:pathLst>
-              <a:path h="3939865" w="4518707">
+              <a:path w="4518707" h="3939865">
                 <a:moveTo>
                   <a:pt x="4518707" y="0"/>
                 </a:moveTo>
@@ -9735,19 +9143,19 @@
               </a:extLst>
             </a:blip>
             <a:stretch>
-              <a:fillRect l="0" t="0" r="0" b="0"/>
+              <a:fillRect/>
             </a:stretch>
           </a:blipFill>
         </p:spPr>
       </p:sp>
       <p:sp>
         <p:nvSpPr>
-          <p:cNvPr name="Freeform 11" id="11"/>
+          <p:cNvPr id="11" name="Freeform 11"/>
           <p:cNvSpPr/>
           <p:nvPr/>
         </p:nvSpPr>
         <p:spPr>
-          <a:xfrm flipH="false" flipV="false" rot="0">
+          <a:xfrm>
             <a:off x="-3486583" y="3085173"/>
             <a:ext cx="4518707" cy="3939865"/>
           </a:xfrm>
@@ -9756,9 +9164,9 @@
             <a:gdLst/>
             <a:ahLst/>
             <a:cxnLst/>
-            <a:rect r="r" b="b" t="t" l="l"/>
+            <a:rect l="l" t="t" r="r" b="b"/>
             <a:pathLst>
-              <a:path h="3939865" w="4518707">
+              <a:path w="4518707" h="3939865">
                 <a:moveTo>
                   <a:pt x="0" y="0"/>
                 </a:moveTo>
@@ -9787,19 +9195,19 @@
               </a:extLst>
             </a:blip>
             <a:stretch>
-              <a:fillRect l="0" t="0" r="0" b="0"/>
+              <a:fillRect/>
             </a:stretch>
           </a:blipFill>
         </p:spPr>
       </p:sp>
       <p:grpSp>
         <p:nvGrpSpPr>
-          <p:cNvPr name="Group 12" id="12"/>
+          <p:cNvPr id="12" name="Group 12"/>
           <p:cNvGrpSpPr/>
           <p:nvPr/>
         </p:nvGrpSpPr>
         <p:grpSpPr>
-          <a:xfrm rot="0">
+          <a:xfrm>
             <a:off x="488343" y="-989670"/>
             <a:ext cx="1080715" cy="2956684"/>
             <a:chOff x="0" y="0"/>
@@ -9808,12 +9216,12 @@
         </p:grpSpPr>
         <p:sp>
           <p:nvSpPr>
-            <p:cNvPr name="Freeform 13" id="13"/>
+            <p:cNvPr id="13" name="Freeform 13"/>
             <p:cNvSpPr/>
             <p:nvPr/>
           </p:nvSpPr>
           <p:spPr>
-            <a:xfrm flipH="false" flipV="false" rot="0">
+            <a:xfrm>
               <a:off x="0" y="0"/>
               <a:ext cx="284633" cy="778715"/>
             </a:xfrm>
@@ -9822,9 +9230,9 @@
               <a:gdLst/>
               <a:ahLst/>
               <a:cxnLst/>
-              <a:rect r="r" b="b" t="t" l="l"/>
+              <a:rect l="l" t="t" r="r" b="b"/>
               <a:pathLst>
-                <a:path h="778715" w="284633">
+                <a:path w="284633" h="778715">
                   <a:moveTo>
                     <a:pt x="142316" y="0"/>
                   </a:moveTo>
@@ -9871,8 +9279,8 @@
         </p:sp>
         <p:sp>
           <p:nvSpPr>
-            <p:cNvPr name="TextBox 14" id="14"/>
-            <p:cNvSpPr txBox="true"/>
+            <p:cNvPr id="14" name="TextBox 14"/>
+            <p:cNvSpPr txBox="1"/>
             <p:nvPr/>
           </p:nvSpPr>
           <p:spPr>
@@ -9885,7 +9293,7 @@
             </a:prstGeom>
           </p:spPr>
           <p:txBody>
-            <a:bodyPr anchor="ctr" rtlCol="false" tIns="50800" lIns="50800" bIns="50800" rIns="50800"/>
+            <a:bodyPr lIns="50800" tIns="50800" rIns="50800" bIns="50800" rtlCol="0" anchor="ctr"/>
             <a:lstStyle/>
             <a:p>
               <a:pPr algn="ctr">
@@ -9896,6 +9304,7 @@
                   <a:spcPct val="0"/>
                 </a:spcBef>
               </a:pPr>
+              <a:endParaRPr/>
             </a:p>
           </p:txBody>
         </p:sp>
@@ -9909,7 +9318,7 @@
 </file>
 
 <file path=ppt/slides/slide8.xml><?xml version="1.0" encoding="utf-8"?>
-<p:sld xmlns:p="http://schemas.openxmlformats.org/presentationml/2006/main" xmlns:a="http://schemas.openxmlformats.org/drawingml/2006/main" xmlns:r="http://schemas.openxmlformats.org/officeDocument/2006/relationships">
+<p:sld xmlns:a="http://schemas.openxmlformats.org/drawingml/2006/main" xmlns:r="http://schemas.openxmlformats.org/officeDocument/2006/relationships" xmlns:p="http://schemas.openxmlformats.org/presentationml/2006/main">
   <p:cSld>
     <p:spTree>
       <p:nvGrpSpPr>
@@ -9927,12 +9336,12 @@
       </p:grpSpPr>
       <p:grpSp>
         <p:nvGrpSpPr>
-          <p:cNvPr name="Group 2" id="2"/>
+          <p:cNvPr id="2" name="Group 2"/>
           <p:cNvGrpSpPr/>
           <p:nvPr/>
         </p:nvGrpSpPr>
         <p:grpSpPr>
-          <a:xfrm rot="0">
+          <a:xfrm>
             <a:off x="16718943" y="-989670"/>
             <a:ext cx="1080715" cy="2956684"/>
             <a:chOff x="0" y="0"/>
@@ -9941,12 +9350,12 @@
         </p:grpSpPr>
         <p:sp>
           <p:nvSpPr>
-            <p:cNvPr name="Freeform 3" id="3"/>
+            <p:cNvPr id="3" name="Freeform 3"/>
             <p:cNvSpPr/>
             <p:nvPr/>
           </p:nvSpPr>
           <p:spPr>
-            <a:xfrm flipH="false" flipV="false" rot="0">
+            <a:xfrm>
               <a:off x="0" y="0"/>
               <a:ext cx="284633" cy="778715"/>
             </a:xfrm>
@@ -9955,9 +9364,9 @@
               <a:gdLst/>
               <a:ahLst/>
               <a:cxnLst/>
-              <a:rect r="r" b="b" t="t" l="l"/>
+              <a:rect l="l" t="t" r="r" b="b"/>
               <a:pathLst>
-                <a:path h="778715" w="284633">
+                <a:path w="284633" h="778715">
                   <a:moveTo>
                     <a:pt x="142316" y="0"/>
                   </a:moveTo>
@@ -10004,8 +9413,8 @@
         </p:sp>
         <p:sp>
           <p:nvSpPr>
-            <p:cNvPr name="TextBox 4" id="4"/>
-            <p:cNvSpPr txBox="true"/>
+            <p:cNvPr id="4" name="TextBox 4"/>
+            <p:cNvSpPr txBox="1"/>
             <p:nvPr/>
           </p:nvSpPr>
           <p:spPr>
@@ -10018,7 +9427,7 @@
             </a:prstGeom>
           </p:spPr>
           <p:txBody>
-            <a:bodyPr anchor="ctr" rtlCol="false" tIns="50800" lIns="50800" bIns="50800" rIns="50800"/>
+            <a:bodyPr lIns="50800" tIns="50800" rIns="50800" bIns="50800" rtlCol="0" anchor="ctr"/>
             <a:lstStyle/>
             <a:p>
               <a:pPr algn="ctr">
@@ -10029,18 +9438,19 @@
                   <a:spcPct val="0"/>
                 </a:spcBef>
               </a:pPr>
+              <a:endParaRPr/>
             </a:p>
           </p:txBody>
         </p:sp>
       </p:grpSp>
       <p:grpSp>
         <p:nvGrpSpPr>
-          <p:cNvPr name="Group 5" id="5"/>
+          <p:cNvPr id="5" name="Group 5"/>
           <p:cNvGrpSpPr/>
           <p:nvPr/>
         </p:nvGrpSpPr>
         <p:grpSpPr>
-          <a:xfrm rot="0">
+          <a:xfrm>
             <a:off x="-529352" y="9803843"/>
             <a:ext cx="19346704" cy="821917"/>
             <a:chOff x="0" y="0"/>
@@ -10049,12 +9459,12 @@
         </p:grpSpPr>
         <p:sp>
           <p:nvSpPr>
-            <p:cNvPr name="Freeform 6" id="6"/>
+            <p:cNvPr id="6" name="Freeform 6"/>
             <p:cNvSpPr/>
             <p:nvPr/>
           </p:nvSpPr>
           <p:spPr>
-            <a:xfrm flipH="false" flipV="false" rot="0">
+            <a:xfrm>
               <a:off x="0" y="0"/>
               <a:ext cx="5095428" cy="216472"/>
             </a:xfrm>
@@ -10063,9 +9473,9 @@
               <a:gdLst/>
               <a:ahLst/>
               <a:cxnLst/>
-              <a:rect r="r" b="b" t="t" l="l"/>
+              <a:rect l="l" t="t" r="r" b="b"/>
               <a:pathLst>
-                <a:path h="216472" w="5095428">
+                <a:path w="5095428" h="216472">
                   <a:moveTo>
                     <a:pt x="20409" y="0"/>
                   </a:moveTo>
@@ -10134,8 +9544,8 @@
         </p:sp>
         <p:sp>
           <p:nvSpPr>
-            <p:cNvPr name="TextBox 7" id="7"/>
-            <p:cNvSpPr txBox="true"/>
+            <p:cNvPr id="7" name="TextBox 7"/>
+            <p:cNvSpPr txBox="1"/>
             <p:nvPr/>
           </p:nvSpPr>
           <p:spPr>
@@ -10148,7 +9558,7 @@
             </a:prstGeom>
           </p:spPr>
           <p:txBody>
-            <a:bodyPr anchor="ctr" rtlCol="false" tIns="50800" lIns="50800" bIns="50800" rIns="50800"/>
+            <a:bodyPr lIns="50800" tIns="50800" rIns="50800" bIns="50800" rtlCol="0" anchor="ctr"/>
             <a:lstStyle/>
             <a:p>
               <a:pPr algn="ctr">
@@ -10159,18 +9569,19 @@
                   <a:spcPct val="0"/>
                 </a:spcBef>
               </a:pPr>
+              <a:endParaRPr/>
             </a:p>
           </p:txBody>
         </p:sp>
       </p:grpSp>
       <p:sp>
         <p:nvSpPr>
-          <p:cNvPr name="Freeform 8" id="8"/>
+          <p:cNvPr id="8" name="Freeform 8"/>
           <p:cNvSpPr/>
           <p:nvPr/>
         </p:nvSpPr>
         <p:spPr>
-          <a:xfrm flipH="true" flipV="false" rot="0">
+          <a:xfrm flipH="1">
             <a:off x="17259300" y="3085173"/>
             <a:ext cx="4518707" cy="3939865"/>
           </a:xfrm>
@@ -10179,9 +9590,9 @@
             <a:gdLst/>
             <a:ahLst/>
             <a:cxnLst/>
-            <a:rect r="r" b="b" t="t" l="l"/>
+            <a:rect l="l" t="t" r="r" b="b"/>
             <a:pathLst>
-              <a:path h="3939865" w="4518707">
+              <a:path w="4518707" h="3939865">
                 <a:moveTo>
                   <a:pt x="4518707" y="0"/>
                 </a:moveTo>
@@ -10210,19 +9621,19 @@
               </a:extLst>
             </a:blip>
             <a:stretch>
-              <a:fillRect l="0" t="0" r="0" b="0"/>
+              <a:fillRect/>
             </a:stretch>
           </a:blipFill>
         </p:spPr>
       </p:sp>
       <p:sp>
         <p:nvSpPr>
-          <p:cNvPr name="Freeform 9" id="9"/>
+          <p:cNvPr id="9" name="Freeform 9"/>
           <p:cNvSpPr/>
           <p:nvPr/>
         </p:nvSpPr>
         <p:spPr>
-          <a:xfrm flipH="false" flipV="false" rot="0">
+          <a:xfrm>
             <a:off x="-3486583" y="3085173"/>
             <a:ext cx="4518707" cy="3939865"/>
           </a:xfrm>
@@ -10231,9 +9642,9 @@
             <a:gdLst/>
             <a:ahLst/>
             <a:cxnLst/>
-            <a:rect r="r" b="b" t="t" l="l"/>
+            <a:rect l="l" t="t" r="r" b="b"/>
             <a:pathLst>
-              <a:path h="3939865" w="4518707">
+              <a:path w="4518707" h="3939865">
                 <a:moveTo>
                   <a:pt x="0" y="0"/>
                 </a:moveTo>
@@ -10262,19 +9673,19 @@
               </a:extLst>
             </a:blip>
             <a:stretch>
-              <a:fillRect l="0" t="0" r="0" b="0"/>
+              <a:fillRect/>
             </a:stretch>
           </a:blipFill>
         </p:spPr>
       </p:sp>
       <p:grpSp>
         <p:nvGrpSpPr>
-          <p:cNvPr name="Group 10" id="10"/>
+          <p:cNvPr id="10" name="Group 10"/>
           <p:cNvGrpSpPr/>
           <p:nvPr/>
         </p:nvGrpSpPr>
         <p:grpSpPr>
-          <a:xfrm rot="0">
+          <a:xfrm>
             <a:off x="488343" y="-989670"/>
             <a:ext cx="1080715" cy="2956684"/>
             <a:chOff x="0" y="0"/>
@@ -10283,12 +9694,12 @@
         </p:grpSpPr>
         <p:sp>
           <p:nvSpPr>
-            <p:cNvPr name="Freeform 11" id="11"/>
+            <p:cNvPr id="11" name="Freeform 11"/>
             <p:cNvSpPr/>
             <p:nvPr/>
           </p:nvSpPr>
           <p:spPr>
-            <a:xfrm flipH="false" flipV="false" rot="0">
+            <a:xfrm>
               <a:off x="0" y="0"/>
               <a:ext cx="284633" cy="778715"/>
             </a:xfrm>
@@ -10297,9 +9708,9 @@
               <a:gdLst/>
               <a:ahLst/>
               <a:cxnLst/>
-              <a:rect r="r" b="b" t="t" l="l"/>
+              <a:rect l="l" t="t" r="r" b="b"/>
               <a:pathLst>
-                <a:path h="778715" w="284633">
+                <a:path w="284633" h="778715">
                   <a:moveTo>
                     <a:pt x="142316" y="0"/>
                   </a:moveTo>
@@ -10346,8 +9757,8 @@
         </p:sp>
         <p:sp>
           <p:nvSpPr>
-            <p:cNvPr name="TextBox 12" id="12"/>
-            <p:cNvSpPr txBox="true"/>
+            <p:cNvPr id="12" name="TextBox 12"/>
+            <p:cNvSpPr txBox="1"/>
             <p:nvPr/>
           </p:nvSpPr>
           <p:spPr>
@@ -10360,7 +9771,7 @@
             </a:prstGeom>
           </p:spPr>
           <p:txBody>
-            <a:bodyPr anchor="ctr" rtlCol="false" tIns="50800" lIns="50800" bIns="50800" rIns="50800"/>
+            <a:bodyPr lIns="50800" tIns="50800" rIns="50800" bIns="50800" rtlCol="0" anchor="ctr"/>
             <a:lstStyle/>
             <a:p>
               <a:pPr algn="ctr">
@@ -10371,18 +9782,19 @@
                   <a:spcPct val="0"/>
                 </a:spcBef>
               </a:pPr>
+              <a:endParaRPr/>
             </a:p>
           </p:txBody>
         </p:sp>
       </p:grpSp>
       <p:sp>
         <p:nvSpPr>
-          <p:cNvPr name="Freeform 13" id="13"/>
+          <p:cNvPr id="13" name="Freeform 13"/>
           <p:cNvSpPr/>
           <p:nvPr/>
         </p:nvSpPr>
         <p:spPr>
-          <a:xfrm flipH="false" flipV="false" rot="0">
+          <a:xfrm>
             <a:off x="1746685" y="1746755"/>
             <a:ext cx="14794629" cy="7175395"/>
           </a:xfrm>
@@ -10391,9 +9803,9 @@
             <a:gdLst/>
             <a:ahLst/>
             <a:cxnLst/>
-            <a:rect r="r" b="b" t="t" l="l"/>
+            <a:rect l="l" t="t" r="r" b="b"/>
             <a:pathLst>
-              <a:path h="7175395" w="14794629">
+              <a:path w="14794629" h="7175395">
                 <a:moveTo>
                   <a:pt x="0" y="0"/>
                 </a:moveTo>
@@ -10416,19 +9828,19 @@
           <a:blipFill>
             <a:blip r:embed="rId4"/>
             <a:stretch>
-              <a:fillRect l="0" t="0" r="0" b="0"/>
+              <a:fillRect/>
             </a:stretch>
           </a:blipFill>
         </p:spPr>
       </p:sp>
       <p:sp>
         <p:nvSpPr>
-          <p:cNvPr name="TextBox 14" id="14"/>
-          <p:cNvSpPr txBox="true"/>
+          <p:cNvPr id="14" name="TextBox 14"/>
+          <p:cNvSpPr txBox="1"/>
           <p:nvPr/>
         </p:nvSpPr>
         <p:spPr>
-          <a:xfrm rot="0">
+          <a:xfrm>
             <a:off x="4875411" y="-114300"/>
             <a:ext cx="8537178" cy="979362"/>
           </a:xfrm>
@@ -10437,7 +9849,7 @@
           </a:prstGeom>
         </p:spPr>
         <p:txBody>
-          <a:bodyPr anchor="t" rtlCol="false" tIns="0" lIns="0" bIns="0" rIns="0">
+          <a:bodyPr lIns="0" tIns="0" rIns="0" bIns="0" rtlCol="0" anchor="t">
             <a:spAutoFit/>
           </a:bodyPr>
           <a:lstStyle/>
@@ -10448,7 +9860,7 @@
               </a:lnSpc>
             </a:pPr>
             <a:r>
-              <a:rPr lang="en-US" b="true" sz="5692">
+              <a:rPr lang="en-US" sz="5692" b="1">
                 <a:solidFill>
                   <a:srgbClr val="000000"/>
                 </a:solidFill>
@@ -10471,7 +9883,7 @@
 </file>
 
 <file path=ppt/slides/slide9.xml><?xml version="1.0" encoding="utf-8"?>
-<p:sld xmlns:p="http://schemas.openxmlformats.org/presentationml/2006/main" xmlns:a="http://schemas.openxmlformats.org/drawingml/2006/main" xmlns:r="http://schemas.openxmlformats.org/officeDocument/2006/relationships">
+<p:sld xmlns:a="http://schemas.openxmlformats.org/drawingml/2006/main" xmlns:r="http://schemas.openxmlformats.org/officeDocument/2006/relationships" xmlns:p="http://schemas.openxmlformats.org/presentationml/2006/main">
   <p:cSld>
     <p:spTree>
       <p:nvGrpSpPr>
@@ -10489,12 +9901,12 @@
       </p:grpSpPr>
       <p:grpSp>
         <p:nvGrpSpPr>
-          <p:cNvPr name="Group 2" id="2"/>
+          <p:cNvPr id="2" name="Group 2"/>
           <p:cNvGrpSpPr/>
           <p:nvPr/>
         </p:nvGrpSpPr>
         <p:grpSpPr>
-          <a:xfrm rot="0">
+          <a:xfrm>
             <a:off x="16718943" y="-989670"/>
             <a:ext cx="1080715" cy="2956684"/>
             <a:chOff x="0" y="0"/>
@@ -10503,12 +9915,12 @@
         </p:grpSpPr>
         <p:sp>
           <p:nvSpPr>
-            <p:cNvPr name="Freeform 3" id="3"/>
+            <p:cNvPr id="3" name="Freeform 3"/>
             <p:cNvSpPr/>
             <p:nvPr/>
           </p:nvSpPr>
           <p:spPr>
-            <a:xfrm flipH="false" flipV="false" rot="0">
+            <a:xfrm>
               <a:off x="0" y="0"/>
               <a:ext cx="284633" cy="778715"/>
             </a:xfrm>
@@ -10517,9 +9929,9 @@
               <a:gdLst/>
               <a:ahLst/>
               <a:cxnLst/>
-              <a:rect r="r" b="b" t="t" l="l"/>
+              <a:rect l="l" t="t" r="r" b="b"/>
               <a:pathLst>
-                <a:path h="778715" w="284633">
+                <a:path w="284633" h="778715">
                   <a:moveTo>
                     <a:pt x="142316" y="0"/>
                   </a:moveTo>
@@ -10566,8 +9978,8 @@
         </p:sp>
         <p:sp>
           <p:nvSpPr>
-            <p:cNvPr name="TextBox 4" id="4"/>
-            <p:cNvSpPr txBox="true"/>
+            <p:cNvPr id="4" name="TextBox 4"/>
+            <p:cNvSpPr txBox="1"/>
             <p:nvPr/>
           </p:nvSpPr>
           <p:spPr>
@@ -10580,7 +9992,7 @@
             </a:prstGeom>
           </p:spPr>
           <p:txBody>
-            <a:bodyPr anchor="ctr" rtlCol="false" tIns="50800" lIns="50800" bIns="50800" rIns="50800"/>
+            <a:bodyPr lIns="50800" tIns="50800" rIns="50800" bIns="50800" rtlCol="0" anchor="ctr"/>
             <a:lstStyle/>
             <a:p>
               <a:pPr algn="ctr">
@@ -10591,18 +10003,19 @@
                   <a:spcPct val="0"/>
                 </a:spcBef>
               </a:pPr>
+              <a:endParaRPr/>
             </a:p>
           </p:txBody>
         </p:sp>
       </p:grpSp>
       <p:grpSp>
         <p:nvGrpSpPr>
-          <p:cNvPr name="Group 5" id="5"/>
+          <p:cNvPr id="5" name="Group 5"/>
           <p:cNvGrpSpPr/>
           <p:nvPr/>
         </p:nvGrpSpPr>
         <p:grpSpPr>
-          <a:xfrm rot="0">
+          <a:xfrm>
             <a:off x="-529352" y="9803843"/>
             <a:ext cx="19346704" cy="821917"/>
             <a:chOff x="0" y="0"/>
@@ -10611,12 +10024,12 @@
         </p:grpSpPr>
         <p:sp>
           <p:nvSpPr>
-            <p:cNvPr name="Freeform 6" id="6"/>
+            <p:cNvPr id="6" name="Freeform 6"/>
             <p:cNvSpPr/>
             <p:nvPr/>
           </p:nvSpPr>
           <p:spPr>
-            <a:xfrm flipH="false" flipV="false" rot="0">
+            <a:xfrm>
               <a:off x="0" y="0"/>
               <a:ext cx="5095428" cy="216472"/>
             </a:xfrm>
@@ -10625,9 +10038,9 @@
               <a:gdLst/>
               <a:ahLst/>
               <a:cxnLst/>
-              <a:rect r="r" b="b" t="t" l="l"/>
+              <a:rect l="l" t="t" r="r" b="b"/>
               <a:pathLst>
-                <a:path h="216472" w="5095428">
+                <a:path w="5095428" h="216472">
                   <a:moveTo>
                     <a:pt x="20409" y="0"/>
                   </a:moveTo>
@@ -10696,8 +10109,8 @@
         </p:sp>
         <p:sp>
           <p:nvSpPr>
-            <p:cNvPr name="TextBox 7" id="7"/>
-            <p:cNvSpPr txBox="true"/>
+            <p:cNvPr id="7" name="TextBox 7"/>
+            <p:cNvSpPr txBox="1"/>
             <p:nvPr/>
           </p:nvSpPr>
           <p:spPr>
@@ -10710,7 +10123,7 @@
             </a:prstGeom>
           </p:spPr>
           <p:txBody>
-            <a:bodyPr anchor="ctr" rtlCol="false" tIns="50800" lIns="50800" bIns="50800" rIns="50800"/>
+            <a:bodyPr lIns="50800" tIns="50800" rIns="50800" bIns="50800" rtlCol="0" anchor="ctr"/>
             <a:lstStyle/>
             <a:p>
               <a:pPr algn="ctr">
@@ -10721,18 +10134,19 @@
                   <a:spcPct val="0"/>
                 </a:spcBef>
               </a:pPr>
+              <a:endParaRPr/>
             </a:p>
           </p:txBody>
         </p:sp>
       </p:grpSp>
       <p:sp>
         <p:nvSpPr>
-          <p:cNvPr name="Freeform 8" id="8"/>
+          <p:cNvPr id="8" name="Freeform 8"/>
           <p:cNvSpPr/>
           <p:nvPr/>
         </p:nvSpPr>
         <p:spPr>
-          <a:xfrm flipH="true" flipV="false" rot="0">
+          <a:xfrm flipH="1">
             <a:off x="17259300" y="3085173"/>
             <a:ext cx="4518707" cy="3939865"/>
           </a:xfrm>
@@ -10741,9 +10155,9 @@
             <a:gdLst/>
             <a:ahLst/>
             <a:cxnLst/>
-            <a:rect r="r" b="b" t="t" l="l"/>
+            <a:rect l="l" t="t" r="r" b="b"/>
             <a:pathLst>
-              <a:path h="3939865" w="4518707">
+              <a:path w="4518707" h="3939865">
                 <a:moveTo>
                   <a:pt x="4518707" y="0"/>
                 </a:moveTo>
@@ -10772,19 +10186,19 @@
               </a:extLst>
             </a:blip>
             <a:stretch>
-              <a:fillRect l="0" t="0" r="0" b="0"/>
+              <a:fillRect/>
             </a:stretch>
           </a:blipFill>
         </p:spPr>
       </p:sp>
       <p:sp>
         <p:nvSpPr>
-          <p:cNvPr name="Freeform 9" id="9"/>
+          <p:cNvPr id="9" name="Freeform 9"/>
           <p:cNvSpPr/>
           <p:nvPr/>
         </p:nvSpPr>
         <p:spPr>
-          <a:xfrm flipH="false" flipV="false" rot="0">
+          <a:xfrm>
             <a:off x="-3486583" y="3085173"/>
             <a:ext cx="4518707" cy="3939865"/>
           </a:xfrm>
@@ -10793,9 +10207,9 @@
             <a:gdLst/>
             <a:ahLst/>
             <a:cxnLst/>
-            <a:rect r="r" b="b" t="t" l="l"/>
+            <a:rect l="l" t="t" r="r" b="b"/>
             <a:pathLst>
-              <a:path h="3939865" w="4518707">
+              <a:path w="4518707" h="3939865">
                 <a:moveTo>
                   <a:pt x="0" y="0"/>
                 </a:moveTo>
@@ -10824,19 +10238,19 @@
               </a:extLst>
             </a:blip>
             <a:stretch>
-              <a:fillRect l="0" t="0" r="0" b="0"/>
+              <a:fillRect/>
             </a:stretch>
           </a:blipFill>
         </p:spPr>
       </p:sp>
       <p:grpSp>
         <p:nvGrpSpPr>
-          <p:cNvPr name="Group 10" id="10"/>
+          <p:cNvPr id="10" name="Group 10"/>
           <p:cNvGrpSpPr/>
           <p:nvPr/>
         </p:nvGrpSpPr>
         <p:grpSpPr>
-          <a:xfrm rot="0">
+          <a:xfrm>
             <a:off x="488343" y="-989670"/>
             <a:ext cx="1080715" cy="2956684"/>
             <a:chOff x="0" y="0"/>
@@ -10845,12 +10259,12 @@
         </p:grpSpPr>
         <p:sp>
           <p:nvSpPr>
-            <p:cNvPr name="Freeform 11" id="11"/>
+            <p:cNvPr id="11" name="Freeform 11"/>
             <p:cNvSpPr/>
             <p:nvPr/>
           </p:nvSpPr>
           <p:spPr>
-            <a:xfrm flipH="false" flipV="false" rot="0">
+            <a:xfrm>
               <a:off x="0" y="0"/>
               <a:ext cx="284633" cy="778715"/>
             </a:xfrm>
@@ -10859,9 +10273,9 @@
               <a:gdLst/>
               <a:ahLst/>
               <a:cxnLst/>
-              <a:rect r="r" b="b" t="t" l="l"/>
+              <a:rect l="l" t="t" r="r" b="b"/>
               <a:pathLst>
-                <a:path h="778715" w="284633">
+                <a:path w="284633" h="778715">
                   <a:moveTo>
                     <a:pt x="142316" y="0"/>
                   </a:moveTo>
@@ -10908,8 +10322,8 @@
         </p:sp>
         <p:sp>
           <p:nvSpPr>
-            <p:cNvPr name="TextBox 12" id="12"/>
-            <p:cNvSpPr txBox="true"/>
+            <p:cNvPr id="12" name="TextBox 12"/>
+            <p:cNvSpPr txBox="1"/>
             <p:nvPr/>
           </p:nvSpPr>
           <p:spPr>
@@ -10922,7 +10336,7 @@
             </a:prstGeom>
           </p:spPr>
           <p:txBody>
-            <a:bodyPr anchor="ctr" rtlCol="false" tIns="50800" lIns="50800" bIns="50800" rIns="50800"/>
+            <a:bodyPr lIns="50800" tIns="50800" rIns="50800" bIns="50800" rtlCol="0" anchor="ctr"/>
             <a:lstStyle/>
             <a:p>
               <a:pPr algn="ctr">
@@ -10933,18 +10347,19 @@
                   <a:spcPct val="0"/>
                 </a:spcBef>
               </a:pPr>
+              <a:endParaRPr/>
             </a:p>
           </p:txBody>
         </p:sp>
       </p:grpSp>
       <p:sp>
         <p:nvSpPr>
-          <p:cNvPr name="Freeform 13" id="13"/>
+          <p:cNvPr id="13" name="Freeform 13"/>
           <p:cNvSpPr/>
           <p:nvPr/>
         </p:nvSpPr>
         <p:spPr>
-          <a:xfrm flipH="false" flipV="false" rot="0">
+          <a:xfrm>
             <a:off x="1748783" y="1028700"/>
             <a:ext cx="8236594" cy="4828703"/>
           </a:xfrm>
@@ -10953,9 +10368,9 @@
             <a:gdLst/>
             <a:ahLst/>
             <a:cxnLst/>
-            <a:rect r="r" b="b" t="t" l="l"/>
+            <a:rect l="l" t="t" r="r" b="b"/>
             <a:pathLst>
-              <a:path h="4828703" w="8236594">
+              <a:path w="8236594" h="4828703">
                 <a:moveTo>
                   <a:pt x="0" y="0"/>
                 </a:moveTo>
@@ -10978,19 +10393,19 @@
           <a:blipFill>
             <a:blip r:embed="rId4"/>
             <a:stretch>
-              <a:fillRect l="0" t="0" r="0" b="0"/>
+              <a:fillRect/>
             </a:stretch>
           </a:blipFill>
         </p:spPr>
       </p:sp>
       <p:sp>
         <p:nvSpPr>
-          <p:cNvPr name="Freeform 14" id="14"/>
+          <p:cNvPr id="14" name="Freeform 14"/>
           <p:cNvSpPr/>
           <p:nvPr/>
         </p:nvSpPr>
         <p:spPr>
-          <a:xfrm flipH="false" flipV="false" rot="0">
+          <a:xfrm>
             <a:off x="10058286" y="4441099"/>
             <a:ext cx="7128105" cy="5167876"/>
           </a:xfrm>
@@ -10999,9 +10414,9 @@
             <a:gdLst/>
             <a:ahLst/>
             <a:cxnLst/>
-            <a:rect r="r" b="b" t="t" l="l"/>
+            <a:rect l="l" t="t" r="r" b="b"/>
             <a:pathLst>
-              <a:path h="5167876" w="7128105">
+              <a:path w="7128105" h="5167876">
                 <a:moveTo>
                   <a:pt x="0" y="0"/>
                 </a:moveTo>
@@ -11024,19 +10439,19 @@
           <a:blipFill>
             <a:blip r:embed="rId5"/>
             <a:stretch>
-              <a:fillRect l="0" t="0" r="0" b="0"/>
+              <a:fillRect/>
             </a:stretch>
           </a:blipFill>
         </p:spPr>
       </p:sp>
       <p:sp>
         <p:nvSpPr>
-          <p:cNvPr name="TextBox 15" id="15"/>
-          <p:cNvSpPr txBox="true"/>
+          <p:cNvPr id="15" name="TextBox 15"/>
+          <p:cNvSpPr txBox="1"/>
           <p:nvPr/>
         </p:nvSpPr>
         <p:spPr>
-          <a:xfrm rot="0">
+          <a:xfrm>
             <a:off x="4875411" y="-114300"/>
             <a:ext cx="8537178" cy="979362"/>
           </a:xfrm>
@@ -11045,7 +10460,7 @@
           </a:prstGeom>
         </p:spPr>
         <p:txBody>
-          <a:bodyPr anchor="t" rtlCol="false" tIns="0" lIns="0" bIns="0" rIns="0">
+          <a:bodyPr lIns="0" tIns="0" rIns="0" bIns="0" rtlCol="0" anchor="t">
             <a:spAutoFit/>
           </a:bodyPr>
           <a:lstStyle/>
@@ -11056,7 +10471,7 @@
               </a:lnSpc>
             </a:pPr>
             <a:r>
-              <a:rPr lang="en-US" b="true" sz="5692">
+              <a:rPr lang="en-US" sz="5692" b="1">
                 <a:solidFill>
                   <a:srgbClr val="000000"/>
                 </a:solidFill>
